--- a/finalProject/GROUP33_Presentation_FINAL.pptx
+++ b/finalProject/GROUP33_Presentation_FINAL.pptx
@@ -5,30 +5,29 @@
     <p:sldMasterId id="2147483707" r:id="rId1"/>
   </p:sldMasterIdLst>
   <p:notesMasterIdLst>
-    <p:notesMasterId r:id="rId23"/>
+    <p:notesMasterId r:id="rId22"/>
   </p:notesMasterIdLst>
   <p:sldIdLst>
     <p:sldId id="256" r:id="rId2"/>
     <p:sldId id="293" r:id="rId3"/>
     <p:sldId id="284" r:id="rId4"/>
     <p:sldId id="292" r:id="rId5"/>
-    <p:sldId id="279" r:id="rId6"/>
-    <p:sldId id="300" r:id="rId7"/>
-    <p:sldId id="305" r:id="rId8"/>
-    <p:sldId id="319" r:id="rId9"/>
-    <p:sldId id="317" r:id="rId10"/>
-    <p:sldId id="320" r:id="rId11"/>
-    <p:sldId id="321" r:id="rId12"/>
-    <p:sldId id="322" r:id="rId13"/>
-    <p:sldId id="309" r:id="rId14"/>
-    <p:sldId id="318" r:id="rId15"/>
-    <p:sldId id="310" r:id="rId16"/>
-    <p:sldId id="294" r:id="rId17"/>
-    <p:sldId id="286" r:id="rId18"/>
-    <p:sldId id="288" r:id="rId19"/>
-    <p:sldId id="290" r:id="rId20"/>
-    <p:sldId id="312" r:id="rId21"/>
-    <p:sldId id="298" r:id="rId22"/>
+    <p:sldId id="300" r:id="rId6"/>
+    <p:sldId id="305" r:id="rId7"/>
+    <p:sldId id="319" r:id="rId8"/>
+    <p:sldId id="317" r:id="rId9"/>
+    <p:sldId id="320" r:id="rId10"/>
+    <p:sldId id="321" r:id="rId11"/>
+    <p:sldId id="322" r:id="rId12"/>
+    <p:sldId id="309" r:id="rId13"/>
+    <p:sldId id="318" r:id="rId14"/>
+    <p:sldId id="310" r:id="rId15"/>
+    <p:sldId id="294" r:id="rId16"/>
+    <p:sldId id="286" r:id="rId17"/>
+    <p:sldId id="288" r:id="rId18"/>
+    <p:sldId id="290" r:id="rId19"/>
+    <p:sldId id="312" r:id="rId20"/>
+    <p:sldId id="298" r:id="rId21"/>
   </p:sldIdLst>
   <p:sldSz cx="12192000" cy="6858000"/>
   <p:notesSz cx="6858000" cy="9144000"/>
@@ -559,90 +558,6 @@
     <p:extLst>
       <p:ext uri="{BB962C8B-B14F-4D97-AF65-F5344CB8AC3E}">
         <p14:creationId xmlns:p14="http://schemas.microsoft.com/office/powerpoint/2010/main" val="3948890321"/>
-      </p:ext>
-    </p:extLst>
-  </p:cSld>
-  <p:clrMapOvr>
-    <a:masterClrMapping/>
-  </p:clrMapOvr>
-</p:notes>
-</file>
-
-<file path=ppt/notesSlides/notesSlide2.xml><?xml version="1.0" encoding="utf-8"?>
-<p:notes xmlns:a="http://schemas.openxmlformats.org/drawingml/2006/main" xmlns:r="http://schemas.openxmlformats.org/officeDocument/2006/relationships" xmlns:p="http://schemas.openxmlformats.org/presentationml/2006/main">
-  <p:cSld>
-    <p:spTree>
-      <p:nvGrpSpPr>
-        <p:cNvPr id="1" name=""/>
-        <p:cNvGrpSpPr/>
-        <p:nvPr/>
-      </p:nvGrpSpPr>
-      <p:grpSpPr>
-        <a:xfrm>
-          <a:off x="0" y="0"/>
-          <a:ext cx="0" cy="0"/>
-          <a:chOff x="0" y="0"/>
-          <a:chExt cx="0" cy="0"/>
-        </a:xfrm>
-      </p:grpSpPr>
-      <p:sp>
-        <p:nvSpPr>
-          <p:cNvPr id="2" name="Slide Image Placeholder 1"/>
-          <p:cNvSpPr>
-            <a:spLocks noGrp="1" noRot="1" noChangeAspect="1"/>
-          </p:cNvSpPr>
-          <p:nvPr>
-            <p:ph type="sldImg"/>
-          </p:nvPr>
-        </p:nvSpPr>
-        <p:spPr/>
-      </p:sp>
-      <p:sp>
-        <p:nvSpPr>
-          <p:cNvPr id="3" name="Notes Placeholder 2"/>
-          <p:cNvSpPr>
-            <a:spLocks noGrp="1"/>
-          </p:cNvSpPr>
-          <p:nvPr>
-            <p:ph type="body" idx="1"/>
-          </p:nvPr>
-        </p:nvSpPr>
-        <p:spPr/>
-        <p:txBody>
-          <a:bodyPr/>
-          <a:lstStyle/>
-          <a:p>
-            <a:endParaRPr lang="en-US"/>
-          </a:p>
-        </p:txBody>
-      </p:sp>
-      <p:sp>
-        <p:nvSpPr>
-          <p:cNvPr id="4" name="Slide Number Placeholder 3"/>
-          <p:cNvSpPr>
-            <a:spLocks noGrp="1"/>
-          </p:cNvSpPr>
-          <p:nvPr>
-            <p:ph type="sldNum" sz="quarter" idx="10"/>
-          </p:nvPr>
-        </p:nvSpPr>
-        <p:spPr/>
-        <p:txBody>
-          <a:bodyPr/>
-          <a:lstStyle/>
-          <a:p>
-            <a:fld id="{01B476B0-F32C-46C9-8206-0156EABFAE7C}" type="slidenum">
-              <a:rPr lang="en-US" smtClean="0"/>
-              <a:t>5</a:t>
-            </a:fld>
-            <a:endParaRPr lang="en-US"/>
-          </a:p>
-        </p:txBody>
-      </p:sp>
-    </p:spTree>
-    <p:extLst>
-      <p:ext uri="{BB962C8B-B14F-4D97-AF65-F5344CB8AC3E}">
-        <p14:creationId xmlns:p14="http://schemas.microsoft.com/office/powerpoint/2010/main" val="1453768185"/>
       </p:ext>
     </p:extLst>
   </p:cSld>
@@ -6404,7 +6319,7 @@
           <a:p>
             <a:r>
               <a:rPr lang="en-US" dirty="0"/>
-              <a:t>Lempel-Ziv</a:t>
+              <a:t>ECSE 436: Lempel-Ziv</a:t>
             </a:r>
             <a:r>
               <a:rPr lang="en-US" sz="5400" dirty="0"/>
@@ -6457,7 +6372,7 @@
                   </a:schemeClr>
                 </a:solidFill>
               </a:rPr>
-              <a:t>CHROUK KASEM- ECSE 456: 260 512 917</a:t>
+              <a:t>CHROUK KASEM: 260 512 917</a:t>
             </a:r>
           </a:p>
           <a:p>
@@ -6470,7 +6385,7 @@
                   </a:schemeClr>
                 </a:solidFill>
               </a:rPr>
-              <a:t>MUHAMMAD TAHA-ECSE 456: 260 505 597 </a:t>
+              <a:t>MUHAMMAD TAHA: 260 505 597 </a:t>
             </a:r>
           </a:p>
           <a:p>
@@ -6739,7 +6654,7 @@
             </a:r>
             <a:r>
               <a:rPr lang="en-CA" dirty="0"/>
-              <a:t> = 0.90 for different matches of n = 2, 5, 10, 20, 25, 50, 80, 100  with input file size 10</a:t>
+              <a:t> = 0.95 for different matches of n = 2, 5, 10, 20, 25, 50, 80, 100  with input file size 10</a:t>
             </a:r>
             <a:r>
               <a:rPr lang="en-CA" baseline="30000" dirty="0"/>
@@ -6767,194 +6682,6 @@
             <a:fld id="{66107F58-1174-4786-9E6A-C888AF396E87}" type="slidenum">
               <a:rPr lang="en-US" smtClean="0"/>
               <a:t>10</a:t>
-            </a:fld>
-            <a:endParaRPr lang="en-US"/>
-          </a:p>
-        </p:txBody>
-      </p:sp>
-      <p:pic>
-        <p:nvPicPr>
-          <p:cNvPr id="9" name="Picture 8"/>
-          <p:cNvPicPr>
-            <a:picLocks noChangeAspect="1"/>
-          </p:cNvPicPr>
-          <p:nvPr/>
-        </p:nvPicPr>
-        <p:blipFill>
-          <a:blip r:embed="rId2">
-            <a:extLst>
-              <a:ext uri="{28A0092B-C50C-407E-A947-70E740481C1C}">
-                <a14:useLocalDpi xmlns:a14="http://schemas.microsoft.com/office/drawing/2010/main" val="0"/>
-              </a:ext>
-            </a:extLst>
-          </a:blip>
-          <a:stretch>
-            <a:fillRect/>
-          </a:stretch>
-        </p:blipFill>
-        <p:spPr>
-          <a:xfrm>
-            <a:off x="443418" y="2001035"/>
-            <a:ext cx="5276898" cy="3957672"/>
-          </a:xfrm>
-          <a:prstGeom prst="rect">
-            <a:avLst/>
-          </a:prstGeom>
-        </p:spPr>
-      </p:pic>
-      <p:pic>
-        <p:nvPicPr>
-          <p:cNvPr id="10" name="Picture 9"/>
-          <p:cNvPicPr>
-            <a:picLocks noChangeAspect="1"/>
-          </p:cNvPicPr>
-          <p:nvPr/>
-        </p:nvPicPr>
-        <p:blipFill>
-          <a:blip r:embed="rId3">
-            <a:extLst>
-              <a:ext uri="{28A0092B-C50C-407E-A947-70E740481C1C}">
-                <a14:useLocalDpi xmlns:a14="http://schemas.microsoft.com/office/drawing/2010/main" val="0"/>
-              </a:ext>
-            </a:extLst>
-          </a:blip>
-          <a:stretch>
-            <a:fillRect/>
-          </a:stretch>
-        </p:blipFill>
-        <p:spPr>
-          <a:xfrm>
-            <a:off x="6195635" y="2001035"/>
-            <a:ext cx="5276896" cy="3957672"/>
-          </a:xfrm>
-          <a:prstGeom prst="rect">
-            <a:avLst/>
-          </a:prstGeom>
-        </p:spPr>
-      </p:pic>
-    </p:spTree>
-    <p:extLst>
-      <p:ext uri="{BB962C8B-B14F-4D97-AF65-F5344CB8AC3E}">
-        <p14:creationId xmlns:p14="http://schemas.microsoft.com/office/powerpoint/2010/main" val="377734463"/>
-      </p:ext>
-    </p:extLst>
-  </p:cSld>
-  <p:clrMapOvr>
-    <a:masterClrMapping/>
-  </p:clrMapOvr>
-</p:sld>
-</file>
-
-<file path=ppt/slides/slide11.xml><?xml version="1.0" encoding="utf-8"?>
-<p:sld xmlns:a="http://schemas.openxmlformats.org/drawingml/2006/main" xmlns:r="http://schemas.openxmlformats.org/officeDocument/2006/relationships" xmlns:p="http://schemas.openxmlformats.org/presentationml/2006/main">
-  <p:cSld>
-    <p:spTree>
-      <p:nvGrpSpPr>
-        <p:cNvPr id="1" name=""/>
-        <p:cNvGrpSpPr/>
-        <p:nvPr/>
-      </p:nvGrpSpPr>
-      <p:grpSpPr>
-        <a:xfrm>
-          <a:off x="0" y="0"/>
-          <a:ext cx="0" cy="0"/>
-          <a:chOff x="0" y="0"/>
-          <a:chExt cx="0" cy="0"/>
-        </a:xfrm>
-      </p:grpSpPr>
-      <p:sp>
-        <p:nvSpPr>
-          <p:cNvPr id="2" name="Title 1"/>
-          <p:cNvSpPr>
-            <a:spLocks noGrp="1"/>
-          </p:cNvSpPr>
-          <p:nvPr>
-            <p:ph type="title"/>
-          </p:nvPr>
-        </p:nvSpPr>
-        <p:spPr>
-          <a:xfrm>
-            <a:off x="443418" y="256325"/>
-            <a:ext cx="8596668" cy="1320800"/>
-          </a:xfrm>
-        </p:spPr>
-        <p:txBody>
-          <a:bodyPr/>
-          <a:lstStyle/>
-          <a:p>
-            <a:r>
-              <a:rPr lang="en-CA" dirty="0"/>
-              <a:t>Testing Results </a:t>
-            </a:r>
-          </a:p>
-        </p:txBody>
-      </p:sp>
-      <p:sp>
-        <p:nvSpPr>
-          <p:cNvPr id="3" name="Content Placeholder 2"/>
-          <p:cNvSpPr>
-            <a:spLocks noGrp="1"/>
-          </p:cNvSpPr>
-          <p:nvPr>
-            <p:ph idx="1"/>
-          </p:nvPr>
-        </p:nvSpPr>
-        <p:spPr>
-          <a:xfrm>
-            <a:off x="153552" y="929765"/>
-            <a:ext cx="11680382" cy="715775"/>
-          </a:xfrm>
-        </p:spPr>
-        <p:txBody>
-          <a:bodyPr/>
-          <a:lstStyle/>
-          <a:p>
-            <a:r>
-              <a:rPr lang="en-CA" dirty="0"/>
-              <a:t> Running simulations for </a:t>
-            </a:r>
-            <a:r>
-              <a:rPr lang="en-CA" dirty="0" err="1"/>
-              <a:t>i.i.d</a:t>
-            </a:r>
-            <a:r>
-              <a:rPr lang="en-CA" dirty="0"/>
-              <a:t> source with P</a:t>
-            </a:r>
-            <a:r>
-              <a:rPr lang="en-CA" baseline="-25000" dirty="0"/>
-              <a:t>0</a:t>
-            </a:r>
-            <a:r>
-              <a:rPr lang="en-CA" dirty="0"/>
-              <a:t> = 0.95 for different matches of n = 2, 5, 10, 20, 25, 50, 80, 100  with input file size 10</a:t>
-            </a:r>
-            <a:r>
-              <a:rPr lang="en-CA" baseline="30000" dirty="0"/>
-              <a:t>4</a:t>
-            </a:r>
-            <a:endParaRPr lang="en-CA" dirty="0"/>
-          </a:p>
-        </p:txBody>
-      </p:sp>
-      <p:sp>
-        <p:nvSpPr>
-          <p:cNvPr id="4" name="Slide Number Placeholder 3"/>
-          <p:cNvSpPr>
-            <a:spLocks noGrp="1"/>
-          </p:cNvSpPr>
-          <p:nvPr>
-            <p:ph type="sldNum" sz="quarter" idx="12"/>
-          </p:nvPr>
-        </p:nvSpPr>
-        <p:spPr/>
-        <p:txBody>
-          <a:bodyPr/>
-          <a:lstStyle/>
-          <a:p>
-            <a:fld id="{66107F58-1174-4786-9E6A-C888AF396E87}" type="slidenum">
-              <a:rPr lang="en-US" smtClean="0"/>
-              <a:t>11</a:t>
             </a:fld>
             <a:endParaRPr lang="en-US"/>
           </a:p>
@@ -7020,6 +6747,402 @@
           </a:prstGeom>
         </p:spPr>
       </p:pic>
+      <p:sp>
+        <p:nvSpPr>
+          <p:cNvPr id="8" name="Content Placeholder 2"/>
+          <p:cNvSpPr txBox="1">
+            <a:spLocks/>
+          </p:cNvSpPr>
+          <p:nvPr/>
+        </p:nvSpPr>
+        <p:spPr>
+          <a:xfrm>
+            <a:off x="355444" y="6048599"/>
+            <a:ext cx="11680382" cy="715775"/>
+          </a:xfrm>
+          <a:prstGeom prst="rect">
+            <a:avLst/>
+          </a:prstGeom>
+        </p:spPr>
+        <p:txBody>
+          <a:bodyPr vert="horz" lIns="91440" tIns="45720" rIns="91440" bIns="45720" rtlCol="0">
+            <a:normAutofit/>
+          </a:bodyPr>
+          <a:lstStyle>
+            <a:lvl1pPr marL="342900" indent="-342900" algn="l" defTabSz="457200" rtl="0" eaLnBrk="1" latinLnBrk="0" hangingPunct="1">
+              <a:spcBef>
+                <a:spcPts val="1000"/>
+              </a:spcBef>
+              <a:spcAft>
+                <a:spcPts val="0"/>
+              </a:spcAft>
+              <a:buClr>
+                <a:schemeClr val="accent1"/>
+              </a:buClr>
+              <a:buSzPct val="80000"/>
+              <a:buFont typeface="Wingdings 3" charset="2"/>
+              <a:buChar char=""/>
+              <a:defRPr sz="1800" kern="1200">
+                <a:solidFill>
+                  <a:schemeClr val="tx1">
+                    <a:lumMod val="75000"/>
+                    <a:lumOff val="25000"/>
+                  </a:schemeClr>
+                </a:solidFill>
+                <a:latin typeface="+mn-lt"/>
+                <a:ea typeface="+mn-ea"/>
+                <a:cs typeface="+mn-cs"/>
+              </a:defRPr>
+            </a:lvl1pPr>
+            <a:lvl2pPr marL="742950" indent="-285750" algn="l" defTabSz="457200" rtl="0" eaLnBrk="1" latinLnBrk="0" hangingPunct="1">
+              <a:spcBef>
+                <a:spcPts val="1000"/>
+              </a:spcBef>
+              <a:spcAft>
+                <a:spcPts val="0"/>
+              </a:spcAft>
+              <a:buClr>
+                <a:schemeClr val="accent1"/>
+              </a:buClr>
+              <a:buSzPct val="80000"/>
+              <a:buFont typeface="Wingdings 3" charset="2"/>
+              <a:buChar char=""/>
+              <a:defRPr sz="1600" kern="1200">
+                <a:solidFill>
+                  <a:schemeClr val="tx1">
+                    <a:lumMod val="75000"/>
+                    <a:lumOff val="25000"/>
+                  </a:schemeClr>
+                </a:solidFill>
+                <a:latin typeface="+mn-lt"/>
+                <a:ea typeface="+mn-ea"/>
+                <a:cs typeface="+mn-cs"/>
+              </a:defRPr>
+            </a:lvl2pPr>
+            <a:lvl3pPr marL="1143000" indent="-228600" algn="l" defTabSz="457200" rtl="0" eaLnBrk="1" latinLnBrk="0" hangingPunct="1">
+              <a:spcBef>
+                <a:spcPts val="1000"/>
+              </a:spcBef>
+              <a:spcAft>
+                <a:spcPts val="0"/>
+              </a:spcAft>
+              <a:buClr>
+                <a:schemeClr val="accent1"/>
+              </a:buClr>
+              <a:buSzPct val="80000"/>
+              <a:buFont typeface="Wingdings 3" charset="2"/>
+              <a:buChar char=""/>
+              <a:defRPr sz="1400" kern="1200">
+                <a:solidFill>
+                  <a:schemeClr val="tx1">
+                    <a:lumMod val="75000"/>
+                    <a:lumOff val="25000"/>
+                  </a:schemeClr>
+                </a:solidFill>
+                <a:latin typeface="+mn-lt"/>
+                <a:ea typeface="+mn-ea"/>
+                <a:cs typeface="+mn-cs"/>
+              </a:defRPr>
+            </a:lvl3pPr>
+            <a:lvl4pPr marL="1600200" indent="-228600" algn="l" defTabSz="457200" rtl="0" eaLnBrk="1" latinLnBrk="0" hangingPunct="1">
+              <a:spcBef>
+                <a:spcPts val="1000"/>
+              </a:spcBef>
+              <a:spcAft>
+                <a:spcPts val="0"/>
+              </a:spcAft>
+              <a:buClr>
+                <a:schemeClr val="accent1"/>
+              </a:buClr>
+              <a:buSzPct val="80000"/>
+              <a:buFont typeface="Wingdings 3" charset="2"/>
+              <a:buChar char=""/>
+              <a:defRPr sz="1200" kern="1200">
+                <a:solidFill>
+                  <a:schemeClr val="tx1">
+                    <a:lumMod val="75000"/>
+                    <a:lumOff val="25000"/>
+                  </a:schemeClr>
+                </a:solidFill>
+                <a:latin typeface="+mn-lt"/>
+                <a:ea typeface="+mn-ea"/>
+                <a:cs typeface="+mn-cs"/>
+              </a:defRPr>
+            </a:lvl4pPr>
+            <a:lvl5pPr marL="2057400" indent="-228600" algn="l" defTabSz="457200" rtl="0" eaLnBrk="1" latinLnBrk="0" hangingPunct="1">
+              <a:spcBef>
+                <a:spcPts val="1000"/>
+              </a:spcBef>
+              <a:spcAft>
+                <a:spcPts val="0"/>
+              </a:spcAft>
+              <a:buClr>
+                <a:schemeClr val="accent1"/>
+              </a:buClr>
+              <a:buSzPct val="80000"/>
+              <a:buFont typeface="Wingdings 3" charset="2"/>
+              <a:buChar char=""/>
+              <a:defRPr sz="1200" kern="1200">
+                <a:solidFill>
+                  <a:schemeClr val="tx1">
+                    <a:lumMod val="75000"/>
+                    <a:lumOff val="25000"/>
+                  </a:schemeClr>
+                </a:solidFill>
+                <a:latin typeface="+mn-lt"/>
+                <a:ea typeface="+mn-ea"/>
+                <a:cs typeface="+mn-cs"/>
+              </a:defRPr>
+            </a:lvl5pPr>
+            <a:lvl6pPr marL="2514600" indent="-228600" algn="l" defTabSz="457200" rtl="0" eaLnBrk="1" latinLnBrk="0" hangingPunct="1">
+              <a:spcBef>
+                <a:spcPts val="1000"/>
+              </a:spcBef>
+              <a:spcAft>
+                <a:spcPts val="0"/>
+              </a:spcAft>
+              <a:buClr>
+                <a:schemeClr val="accent1"/>
+              </a:buClr>
+              <a:buSzPct val="80000"/>
+              <a:buFont typeface="Wingdings 3" charset="2"/>
+              <a:buChar char=""/>
+              <a:defRPr sz="1200" kern="1200">
+                <a:solidFill>
+                  <a:schemeClr val="tx1">
+                    <a:lumMod val="75000"/>
+                    <a:lumOff val="25000"/>
+                  </a:schemeClr>
+                </a:solidFill>
+                <a:latin typeface="+mn-lt"/>
+                <a:ea typeface="+mn-ea"/>
+                <a:cs typeface="+mn-cs"/>
+              </a:defRPr>
+            </a:lvl6pPr>
+            <a:lvl7pPr marL="2971800" indent="-228600" algn="l" defTabSz="457200" rtl="0" eaLnBrk="1" latinLnBrk="0" hangingPunct="1">
+              <a:spcBef>
+                <a:spcPts val="1000"/>
+              </a:spcBef>
+              <a:spcAft>
+                <a:spcPts val="0"/>
+              </a:spcAft>
+              <a:buClr>
+                <a:schemeClr val="accent1"/>
+              </a:buClr>
+              <a:buSzPct val="80000"/>
+              <a:buFont typeface="Wingdings 3" charset="2"/>
+              <a:buChar char=""/>
+              <a:defRPr sz="1200" kern="1200">
+                <a:solidFill>
+                  <a:schemeClr val="tx1">
+                    <a:lumMod val="75000"/>
+                    <a:lumOff val="25000"/>
+                  </a:schemeClr>
+                </a:solidFill>
+                <a:latin typeface="+mn-lt"/>
+                <a:ea typeface="+mn-ea"/>
+                <a:cs typeface="+mn-cs"/>
+              </a:defRPr>
+            </a:lvl7pPr>
+            <a:lvl8pPr marL="3429000" indent="-228600" algn="l" defTabSz="457200" rtl="0" eaLnBrk="1" latinLnBrk="0" hangingPunct="1">
+              <a:spcBef>
+                <a:spcPts val="1000"/>
+              </a:spcBef>
+              <a:spcAft>
+                <a:spcPts val="0"/>
+              </a:spcAft>
+              <a:buClr>
+                <a:schemeClr val="accent1"/>
+              </a:buClr>
+              <a:buSzPct val="80000"/>
+              <a:buFont typeface="Wingdings 3" charset="2"/>
+              <a:buChar char=""/>
+              <a:defRPr sz="1200" kern="1200">
+                <a:solidFill>
+                  <a:schemeClr val="tx1">
+                    <a:lumMod val="75000"/>
+                    <a:lumOff val="25000"/>
+                  </a:schemeClr>
+                </a:solidFill>
+                <a:latin typeface="+mn-lt"/>
+                <a:ea typeface="+mn-ea"/>
+                <a:cs typeface="+mn-cs"/>
+              </a:defRPr>
+            </a:lvl8pPr>
+            <a:lvl9pPr marL="3886200" indent="-228600" algn="l" defTabSz="457200" rtl="0" eaLnBrk="1" latinLnBrk="0" hangingPunct="1">
+              <a:spcBef>
+                <a:spcPts val="1000"/>
+              </a:spcBef>
+              <a:spcAft>
+                <a:spcPts val="0"/>
+              </a:spcAft>
+              <a:buClr>
+                <a:schemeClr val="accent1"/>
+              </a:buClr>
+              <a:buSzPct val="80000"/>
+              <a:buFont typeface="Wingdings 3" charset="2"/>
+              <a:buChar char=""/>
+              <a:defRPr sz="1200" kern="1200">
+                <a:solidFill>
+                  <a:schemeClr val="tx1">
+                    <a:lumMod val="75000"/>
+                    <a:lumOff val="25000"/>
+                  </a:schemeClr>
+                </a:solidFill>
+                <a:latin typeface="+mn-lt"/>
+                <a:ea typeface="+mn-ea"/>
+                <a:cs typeface="+mn-cs"/>
+              </a:defRPr>
+            </a:lvl9pPr>
+          </a:lstStyle>
+          <a:p>
+            <a:r>
+              <a:rPr lang="en-CA" dirty="0"/>
+              <a:t> </a:t>
+            </a:r>
+            <a:r>
+              <a:rPr lang="en-CA" b="1" dirty="0"/>
+              <a:t>Observation: </a:t>
+            </a:r>
+            <a:r>
+              <a:rPr lang="en-CA" dirty="0"/>
+              <a:t>This </a:t>
+            </a:r>
+            <a:r>
+              <a:rPr lang="en-CA" dirty="0" err="1"/>
+              <a:t>i.i.d</a:t>
+            </a:r>
+            <a:r>
+              <a:rPr lang="en-CA" dirty="0"/>
+              <a:t> source performs better than the last one with probability of 0 of 0.90</a:t>
+            </a:r>
+          </a:p>
+        </p:txBody>
+      </p:sp>
+      <p:sp>
+        <p:nvSpPr>
+          <p:cNvPr id="9" name="Slide Number Placeholder 12"/>
+          <p:cNvSpPr txBox="1">
+            <a:spLocks/>
+          </p:cNvSpPr>
+          <p:nvPr/>
+        </p:nvSpPr>
+        <p:spPr>
+          <a:xfrm>
+            <a:off x="11003984" y="6201420"/>
+            <a:ext cx="683339" cy="365125"/>
+          </a:xfrm>
+          <a:prstGeom prst="rect">
+            <a:avLst/>
+          </a:prstGeom>
+        </p:spPr>
+        <p:txBody>
+          <a:bodyPr vert="horz" lIns="91440" tIns="45720" rIns="91440" bIns="45720" rtlCol="0" anchor="ctr"/>
+          <a:lstStyle>
+            <a:defPPr>
+              <a:defRPr lang="en-US"/>
+            </a:defPPr>
+            <a:lvl1pPr marL="0" algn="r" defTabSz="914400" rtl="0" eaLnBrk="1" latinLnBrk="0" hangingPunct="1">
+              <a:defRPr sz="900" kern="1200">
+                <a:solidFill>
+                  <a:schemeClr val="accent1"/>
+                </a:solidFill>
+                <a:latin typeface="+mn-lt"/>
+                <a:ea typeface="+mn-ea"/>
+                <a:cs typeface="+mn-cs"/>
+              </a:defRPr>
+            </a:lvl1pPr>
+            <a:lvl2pPr marL="457200" algn="l" defTabSz="914400" rtl="0" eaLnBrk="1" latinLnBrk="0" hangingPunct="1">
+              <a:defRPr sz="1800" kern="1200">
+                <a:solidFill>
+                  <a:schemeClr val="tx1"/>
+                </a:solidFill>
+                <a:latin typeface="+mn-lt"/>
+                <a:ea typeface="+mn-ea"/>
+                <a:cs typeface="+mn-cs"/>
+              </a:defRPr>
+            </a:lvl2pPr>
+            <a:lvl3pPr marL="914400" algn="l" defTabSz="914400" rtl="0" eaLnBrk="1" latinLnBrk="0" hangingPunct="1">
+              <a:defRPr sz="1800" kern="1200">
+                <a:solidFill>
+                  <a:schemeClr val="tx1"/>
+                </a:solidFill>
+                <a:latin typeface="+mn-lt"/>
+                <a:ea typeface="+mn-ea"/>
+                <a:cs typeface="+mn-cs"/>
+              </a:defRPr>
+            </a:lvl3pPr>
+            <a:lvl4pPr marL="1371600" algn="l" defTabSz="914400" rtl="0" eaLnBrk="1" latinLnBrk="0" hangingPunct="1">
+              <a:defRPr sz="1800" kern="1200">
+                <a:solidFill>
+                  <a:schemeClr val="tx1"/>
+                </a:solidFill>
+                <a:latin typeface="+mn-lt"/>
+                <a:ea typeface="+mn-ea"/>
+                <a:cs typeface="+mn-cs"/>
+              </a:defRPr>
+            </a:lvl4pPr>
+            <a:lvl5pPr marL="1828800" algn="l" defTabSz="914400" rtl="0" eaLnBrk="1" latinLnBrk="0" hangingPunct="1">
+              <a:defRPr sz="1800" kern="1200">
+                <a:solidFill>
+                  <a:schemeClr val="tx1"/>
+                </a:solidFill>
+                <a:latin typeface="+mn-lt"/>
+                <a:ea typeface="+mn-ea"/>
+                <a:cs typeface="+mn-cs"/>
+              </a:defRPr>
+            </a:lvl5pPr>
+            <a:lvl6pPr marL="2286000" algn="l" defTabSz="914400" rtl="0" eaLnBrk="1" latinLnBrk="0" hangingPunct="1">
+              <a:defRPr sz="1800" kern="1200">
+                <a:solidFill>
+                  <a:schemeClr val="tx1"/>
+                </a:solidFill>
+                <a:latin typeface="+mn-lt"/>
+                <a:ea typeface="+mn-ea"/>
+                <a:cs typeface="+mn-cs"/>
+              </a:defRPr>
+            </a:lvl6pPr>
+            <a:lvl7pPr marL="2743200" algn="l" defTabSz="914400" rtl="0" eaLnBrk="1" latinLnBrk="0" hangingPunct="1">
+              <a:defRPr sz="1800" kern="1200">
+                <a:solidFill>
+                  <a:schemeClr val="tx1"/>
+                </a:solidFill>
+                <a:latin typeface="+mn-lt"/>
+                <a:ea typeface="+mn-ea"/>
+                <a:cs typeface="+mn-cs"/>
+              </a:defRPr>
+            </a:lvl7pPr>
+            <a:lvl8pPr marL="3200400" algn="l" defTabSz="914400" rtl="0" eaLnBrk="1" latinLnBrk="0" hangingPunct="1">
+              <a:defRPr sz="1800" kern="1200">
+                <a:solidFill>
+                  <a:schemeClr val="tx1"/>
+                </a:solidFill>
+                <a:latin typeface="+mn-lt"/>
+                <a:ea typeface="+mn-ea"/>
+                <a:cs typeface="+mn-cs"/>
+              </a:defRPr>
+            </a:lvl8pPr>
+            <a:lvl9pPr marL="3657600" algn="l" defTabSz="914400" rtl="0" eaLnBrk="1" latinLnBrk="0" hangingPunct="1">
+              <a:defRPr sz="1800" kern="1200">
+                <a:solidFill>
+                  <a:schemeClr val="tx1"/>
+                </a:solidFill>
+                <a:latin typeface="+mn-lt"/>
+                <a:ea typeface="+mn-ea"/>
+                <a:cs typeface="+mn-cs"/>
+              </a:defRPr>
+            </a:lvl9pPr>
+          </a:lstStyle>
+          <a:p>
+            <a:fld id="{66107F58-1174-4786-9E6A-C888AF396E87}" type="slidenum">
+              <a:rPr lang="en-US" sz="2000" smtClean="0"/>
+              <a:pPr/>
+              <a:t>10</a:t>
+            </a:fld>
+            <a:endParaRPr lang="en-US" sz="2000" dirty="0"/>
+          </a:p>
+        </p:txBody>
+      </p:sp>
     </p:spTree>
     <p:extLst>
       <p:ext uri="{BB962C8B-B14F-4D97-AF65-F5344CB8AC3E}">
@@ -7033,7 +7156,7 @@
 </p:sld>
 </file>
 
-<file path=ppt/slides/slide12.xml><?xml version="1.0" encoding="utf-8"?>
+<file path=ppt/slides/slide11.xml><?xml version="1.0" encoding="utf-8"?>
 <p:sld xmlns:a="http://schemas.openxmlformats.org/drawingml/2006/main" xmlns:r="http://schemas.openxmlformats.org/officeDocument/2006/relationships" xmlns:p="http://schemas.openxmlformats.org/presentationml/2006/main">
   <p:cSld>
     <p:spTree>
@@ -7134,7 +7257,7 @@
           <a:p>
             <a:fld id="{66107F58-1174-4786-9E6A-C888AF396E87}" type="slidenum">
               <a:rPr lang="en-US" smtClean="0"/>
-              <a:t>12</a:t>
+              <a:t>11</a:t>
             </a:fld>
             <a:endParaRPr lang="en-US"/>
           </a:p>
@@ -7200,6 +7323,394 @@
           </a:prstGeom>
         </p:spPr>
       </p:pic>
+      <p:sp>
+        <p:nvSpPr>
+          <p:cNvPr id="7" name="Content Placeholder 2"/>
+          <p:cNvSpPr txBox="1">
+            <a:spLocks/>
+          </p:cNvSpPr>
+          <p:nvPr/>
+        </p:nvSpPr>
+        <p:spPr>
+          <a:xfrm>
+            <a:off x="355444" y="6048599"/>
+            <a:ext cx="11680382" cy="715775"/>
+          </a:xfrm>
+          <a:prstGeom prst="rect">
+            <a:avLst/>
+          </a:prstGeom>
+        </p:spPr>
+        <p:txBody>
+          <a:bodyPr vert="horz" lIns="91440" tIns="45720" rIns="91440" bIns="45720" rtlCol="0">
+            <a:normAutofit fontScale="92500"/>
+          </a:bodyPr>
+          <a:lstStyle>
+            <a:lvl1pPr marL="342900" indent="-342900" algn="l" defTabSz="457200" rtl="0" eaLnBrk="1" latinLnBrk="0" hangingPunct="1">
+              <a:spcBef>
+                <a:spcPts val="1000"/>
+              </a:spcBef>
+              <a:spcAft>
+                <a:spcPts val="0"/>
+              </a:spcAft>
+              <a:buClr>
+                <a:schemeClr val="accent1"/>
+              </a:buClr>
+              <a:buSzPct val="80000"/>
+              <a:buFont typeface="Wingdings 3" charset="2"/>
+              <a:buChar char=""/>
+              <a:defRPr sz="1800" kern="1200">
+                <a:solidFill>
+                  <a:schemeClr val="tx1">
+                    <a:lumMod val="75000"/>
+                    <a:lumOff val="25000"/>
+                  </a:schemeClr>
+                </a:solidFill>
+                <a:latin typeface="+mn-lt"/>
+                <a:ea typeface="+mn-ea"/>
+                <a:cs typeface="+mn-cs"/>
+              </a:defRPr>
+            </a:lvl1pPr>
+            <a:lvl2pPr marL="742950" indent="-285750" algn="l" defTabSz="457200" rtl="0" eaLnBrk="1" latinLnBrk="0" hangingPunct="1">
+              <a:spcBef>
+                <a:spcPts val="1000"/>
+              </a:spcBef>
+              <a:spcAft>
+                <a:spcPts val="0"/>
+              </a:spcAft>
+              <a:buClr>
+                <a:schemeClr val="accent1"/>
+              </a:buClr>
+              <a:buSzPct val="80000"/>
+              <a:buFont typeface="Wingdings 3" charset="2"/>
+              <a:buChar char=""/>
+              <a:defRPr sz="1600" kern="1200">
+                <a:solidFill>
+                  <a:schemeClr val="tx1">
+                    <a:lumMod val="75000"/>
+                    <a:lumOff val="25000"/>
+                  </a:schemeClr>
+                </a:solidFill>
+                <a:latin typeface="+mn-lt"/>
+                <a:ea typeface="+mn-ea"/>
+                <a:cs typeface="+mn-cs"/>
+              </a:defRPr>
+            </a:lvl2pPr>
+            <a:lvl3pPr marL="1143000" indent="-228600" algn="l" defTabSz="457200" rtl="0" eaLnBrk="1" latinLnBrk="0" hangingPunct="1">
+              <a:spcBef>
+                <a:spcPts val="1000"/>
+              </a:spcBef>
+              <a:spcAft>
+                <a:spcPts val="0"/>
+              </a:spcAft>
+              <a:buClr>
+                <a:schemeClr val="accent1"/>
+              </a:buClr>
+              <a:buSzPct val="80000"/>
+              <a:buFont typeface="Wingdings 3" charset="2"/>
+              <a:buChar char=""/>
+              <a:defRPr sz="1400" kern="1200">
+                <a:solidFill>
+                  <a:schemeClr val="tx1">
+                    <a:lumMod val="75000"/>
+                    <a:lumOff val="25000"/>
+                  </a:schemeClr>
+                </a:solidFill>
+                <a:latin typeface="+mn-lt"/>
+                <a:ea typeface="+mn-ea"/>
+                <a:cs typeface="+mn-cs"/>
+              </a:defRPr>
+            </a:lvl3pPr>
+            <a:lvl4pPr marL="1600200" indent="-228600" algn="l" defTabSz="457200" rtl="0" eaLnBrk="1" latinLnBrk="0" hangingPunct="1">
+              <a:spcBef>
+                <a:spcPts val="1000"/>
+              </a:spcBef>
+              <a:spcAft>
+                <a:spcPts val="0"/>
+              </a:spcAft>
+              <a:buClr>
+                <a:schemeClr val="accent1"/>
+              </a:buClr>
+              <a:buSzPct val="80000"/>
+              <a:buFont typeface="Wingdings 3" charset="2"/>
+              <a:buChar char=""/>
+              <a:defRPr sz="1200" kern="1200">
+                <a:solidFill>
+                  <a:schemeClr val="tx1">
+                    <a:lumMod val="75000"/>
+                    <a:lumOff val="25000"/>
+                  </a:schemeClr>
+                </a:solidFill>
+                <a:latin typeface="+mn-lt"/>
+                <a:ea typeface="+mn-ea"/>
+                <a:cs typeface="+mn-cs"/>
+              </a:defRPr>
+            </a:lvl4pPr>
+            <a:lvl5pPr marL="2057400" indent="-228600" algn="l" defTabSz="457200" rtl="0" eaLnBrk="1" latinLnBrk="0" hangingPunct="1">
+              <a:spcBef>
+                <a:spcPts val="1000"/>
+              </a:spcBef>
+              <a:spcAft>
+                <a:spcPts val="0"/>
+              </a:spcAft>
+              <a:buClr>
+                <a:schemeClr val="accent1"/>
+              </a:buClr>
+              <a:buSzPct val="80000"/>
+              <a:buFont typeface="Wingdings 3" charset="2"/>
+              <a:buChar char=""/>
+              <a:defRPr sz="1200" kern="1200">
+                <a:solidFill>
+                  <a:schemeClr val="tx1">
+                    <a:lumMod val="75000"/>
+                    <a:lumOff val="25000"/>
+                  </a:schemeClr>
+                </a:solidFill>
+                <a:latin typeface="+mn-lt"/>
+                <a:ea typeface="+mn-ea"/>
+                <a:cs typeface="+mn-cs"/>
+              </a:defRPr>
+            </a:lvl5pPr>
+            <a:lvl6pPr marL="2514600" indent="-228600" algn="l" defTabSz="457200" rtl="0" eaLnBrk="1" latinLnBrk="0" hangingPunct="1">
+              <a:spcBef>
+                <a:spcPts val="1000"/>
+              </a:spcBef>
+              <a:spcAft>
+                <a:spcPts val="0"/>
+              </a:spcAft>
+              <a:buClr>
+                <a:schemeClr val="accent1"/>
+              </a:buClr>
+              <a:buSzPct val="80000"/>
+              <a:buFont typeface="Wingdings 3" charset="2"/>
+              <a:buChar char=""/>
+              <a:defRPr sz="1200" kern="1200">
+                <a:solidFill>
+                  <a:schemeClr val="tx1">
+                    <a:lumMod val="75000"/>
+                    <a:lumOff val="25000"/>
+                  </a:schemeClr>
+                </a:solidFill>
+                <a:latin typeface="+mn-lt"/>
+                <a:ea typeface="+mn-ea"/>
+                <a:cs typeface="+mn-cs"/>
+              </a:defRPr>
+            </a:lvl6pPr>
+            <a:lvl7pPr marL="2971800" indent="-228600" algn="l" defTabSz="457200" rtl="0" eaLnBrk="1" latinLnBrk="0" hangingPunct="1">
+              <a:spcBef>
+                <a:spcPts val="1000"/>
+              </a:spcBef>
+              <a:spcAft>
+                <a:spcPts val="0"/>
+              </a:spcAft>
+              <a:buClr>
+                <a:schemeClr val="accent1"/>
+              </a:buClr>
+              <a:buSzPct val="80000"/>
+              <a:buFont typeface="Wingdings 3" charset="2"/>
+              <a:buChar char=""/>
+              <a:defRPr sz="1200" kern="1200">
+                <a:solidFill>
+                  <a:schemeClr val="tx1">
+                    <a:lumMod val="75000"/>
+                    <a:lumOff val="25000"/>
+                  </a:schemeClr>
+                </a:solidFill>
+                <a:latin typeface="+mn-lt"/>
+                <a:ea typeface="+mn-ea"/>
+                <a:cs typeface="+mn-cs"/>
+              </a:defRPr>
+            </a:lvl7pPr>
+            <a:lvl8pPr marL="3429000" indent="-228600" algn="l" defTabSz="457200" rtl="0" eaLnBrk="1" latinLnBrk="0" hangingPunct="1">
+              <a:spcBef>
+                <a:spcPts val="1000"/>
+              </a:spcBef>
+              <a:spcAft>
+                <a:spcPts val="0"/>
+              </a:spcAft>
+              <a:buClr>
+                <a:schemeClr val="accent1"/>
+              </a:buClr>
+              <a:buSzPct val="80000"/>
+              <a:buFont typeface="Wingdings 3" charset="2"/>
+              <a:buChar char=""/>
+              <a:defRPr sz="1200" kern="1200">
+                <a:solidFill>
+                  <a:schemeClr val="tx1">
+                    <a:lumMod val="75000"/>
+                    <a:lumOff val="25000"/>
+                  </a:schemeClr>
+                </a:solidFill>
+                <a:latin typeface="+mn-lt"/>
+                <a:ea typeface="+mn-ea"/>
+                <a:cs typeface="+mn-cs"/>
+              </a:defRPr>
+            </a:lvl8pPr>
+            <a:lvl9pPr marL="3886200" indent="-228600" algn="l" defTabSz="457200" rtl="0" eaLnBrk="1" latinLnBrk="0" hangingPunct="1">
+              <a:spcBef>
+                <a:spcPts val="1000"/>
+              </a:spcBef>
+              <a:spcAft>
+                <a:spcPts val="0"/>
+              </a:spcAft>
+              <a:buClr>
+                <a:schemeClr val="accent1"/>
+              </a:buClr>
+              <a:buSzPct val="80000"/>
+              <a:buFont typeface="Wingdings 3" charset="2"/>
+              <a:buChar char=""/>
+              <a:defRPr sz="1200" kern="1200">
+                <a:solidFill>
+                  <a:schemeClr val="tx1">
+                    <a:lumMod val="75000"/>
+                    <a:lumOff val="25000"/>
+                  </a:schemeClr>
+                </a:solidFill>
+                <a:latin typeface="+mn-lt"/>
+                <a:ea typeface="+mn-ea"/>
+                <a:cs typeface="+mn-cs"/>
+              </a:defRPr>
+            </a:lvl9pPr>
+          </a:lstStyle>
+          <a:p>
+            <a:r>
+              <a:rPr lang="en-CA" dirty="0"/>
+              <a:t> </a:t>
+            </a:r>
+            <a:r>
+              <a:rPr lang="en-CA" b="1" dirty="0"/>
+              <a:t>Observation: </a:t>
+            </a:r>
+            <a:r>
+              <a:rPr lang="en-CA" dirty="0"/>
+              <a:t>Markov sources aren’t compressed using Lempel-Ziv although there is a very large probability of match, which generally implies that source should ideally compress to entropy H(X) for an infinitely large n</a:t>
+            </a:r>
+          </a:p>
+        </p:txBody>
+      </p:sp>
+      <p:sp>
+        <p:nvSpPr>
+          <p:cNvPr id="9" name="Slide Number Placeholder 12"/>
+          <p:cNvSpPr txBox="1">
+            <a:spLocks/>
+          </p:cNvSpPr>
+          <p:nvPr/>
+        </p:nvSpPr>
+        <p:spPr>
+          <a:xfrm>
+            <a:off x="11150595" y="6254121"/>
+            <a:ext cx="683339" cy="365125"/>
+          </a:xfrm>
+          <a:prstGeom prst="rect">
+            <a:avLst/>
+          </a:prstGeom>
+        </p:spPr>
+        <p:txBody>
+          <a:bodyPr vert="horz" lIns="91440" tIns="45720" rIns="91440" bIns="45720" rtlCol="0" anchor="ctr"/>
+          <a:lstStyle>
+            <a:defPPr>
+              <a:defRPr lang="en-US"/>
+            </a:defPPr>
+            <a:lvl1pPr marL="0" algn="r" defTabSz="914400" rtl="0" eaLnBrk="1" latinLnBrk="0" hangingPunct="1">
+              <a:defRPr sz="900" kern="1200">
+                <a:solidFill>
+                  <a:schemeClr val="accent1"/>
+                </a:solidFill>
+                <a:latin typeface="+mn-lt"/>
+                <a:ea typeface="+mn-ea"/>
+                <a:cs typeface="+mn-cs"/>
+              </a:defRPr>
+            </a:lvl1pPr>
+            <a:lvl2pPr marL="457200" algn="l" defTabSz="914400" rtl="0" eaLnBrk="1" latinLnBrk="0" hangingPunct="1">
+              <a:defRPr sz="1800" kern="1200">
+                <a:solidFill>
+                  <a:schemeClr val="tx1"/>
+                </a:solidFill>
+                <a:latin typeface="+mn-lt"/>
+                <a:ea typeface="+mn-ea"/>
+                <a:cs typeface="+mn-cs"/>
+              </a:defRPr>
+            </a:lvl2pPr>
+            <a:lvl3pPr marL="914400" algn="l" defTabSz="914400" rtl="0" eaLnBrk="1" latinLnBrk="0" hangingPunct="1">
+              <a:defRPr sz="1800" kern="1200">
+                <a:solidFill>
+                  <a:schemeClr val="tx1"/>
+                </a:solidFill>
+                <a:latin typeface="+mn-lt"/>
+                <a:ea typeface="+mn-ea"/>
+                <a:cs typeface="+mn-cs"/>
+              </a:defRPr>
+            </a:lvl3pPr>
+            <a:lvl4pPr marL="1371600" algn="l" defTabSz="914400" rtl="0" eaLnBrk="1" latinLnBrk="0" hangingPunct="1">
+              <a:defRPr sz="1800" kern="1200">
+                <a:solidFill>
+                  <a:schemeClr val="tx1"/>
+                </a:solidFill>
+                <a:latin typeface="+mn-lt"/>
+                <a:ea typeface="+mn-ea"/>
+                <a:cs typeface="+mn-cs"/>
+              </a:defRPr>
+            </a:lvl4pPr>
+            <a:lvl5pPr marL="1828800" algn="l" defTabSz="914400" rtl="0" eaLnBrk="1" latinLnBrk="0" hangingPunct="1">
+              <a:defRPr sz="1800" kern="1200">
+                <a:solidFill>
+                  <a:schemeClr val="tx1"/>
+                </a:solidFill>
+                <a:latin typeface="+mn-lt"/>
+                <a:ea typeface="+mn-ea"/>
+                <a:cs typeface="+mn-cs"/>
+              </a:defRPr>
+            </a:lvl5pPr>
+            <a:lvl6pPr marL="2286000" algn="l" defTabSz="914400" rtl="0" eaLnBrk="1" latinLnBrk="0" hangingPunct="1">
+              <a:defRPr sz="1800" kern="1200">
+                <a:solidFill>
+                  <a:schemeClr val="tx1"/>
+                </a:solidFill>
+                <a:latin typeface="+mn-lt"/>
+                <a:ea typeface="+mn-ea"/>
+                <a:cs typeface="+mn-cs"/>
+              </a:defRPr>
+            </a:lvl6pPr>
+            <a:lvl7pPr marL="2743200" algn="l" defTabSz="914400" rtl="0" eaLnBrk="1" latinLnBrk="0" hangingPunct="1">
+              <a:defRPr sz="1800" kern="1200">
+                <a:solidFill>
+                  <a:schemeClr val="tx1"/>
+                </a:solidFill>
+                <a:latin typeface="+mn-lt"/>
+                <a:ea typeface="+mn-ea"/>
+                <a:cs typeface="+mn-cs"/>
+              </a:defRPr>
+            </a:lvl7pPr>
+            <a:lvl8pPr marL="3200400" algn="l" defTabSz="914400" rtl="0" eaLnBrk="1" latinLnBrk="0" hangingPunct="1">
+              <a:defRPr sz="1800" kern="1200">
+                <a:solidFill>
+                  <a:schemeClr val="tx1"/>
+                </a:solidFill>
+                <a:latin typeface="+mn-lt"/>
+                <a:ea typeface="+mn-ea"/>
+                <a:cs typeface="+mn-cs"/>
+              </a:defRPr>
+            </a:lvl8pPr>
+            <a:lvl9pPr marL="3657600" algn="l" defTabSz="914400" rtl="0" eaLnBrk="1" latinLnBrk="0" hangingPunct="1">
+              <a:defRPr sz="1800" kern="1200">
+                <a:solidFill>
+                  <a:schemeClr val="tx1"/>
+                </a:solidFill>
+                <a:latin typeface="+mn-lt"/>
+                <a:ea typeface="+mn-ea"/>
+                <a:cs typeface="+mn-cs"/>
+              </a:defRPr>
+            </a:lvl9pPr>
+          </a:lstStyle>
+          <a:p>
+            <a:fld id="{66107F58-1174-4786-9E6A-C888AF396E87}" type="slidenum">
+              <a:rPr lang="en-US" sz="2000" smtClean="0"/>
+              <a:pPr/>
+              <a:t>11</a:t>
+            </a:fld>
+            <a:endParaRPr lang="en-US" sz="2000" dirty="0"/>
+          </a:p>
+        </p:txBody>
+      </p:sp>
     </p:spTree>
     <p:extLst>
       <p:ext uri="{BB962C8B-B14F-4D97-AF65-F5344CB8AC3E}">
@@ -7213,7 +7724,7 @@
 </p:sld>
 </file>
 
-<file path=ppt/slides/slide13.xml><?xml version="1.0" encoding="utf-8"?>
+<file path=ppt/slides/slide12.xml><?xml version="1.0" encoding="utf-8"?>
 <p:sld xmlns:a="http://schemas.openxmlformats.org/drawingml/2006/main" xmlns:r="http://schemas.openxmlformats.org/officeDocument/2006/relationships" xmlns:p="http://schemas.openxmlformats.org/presentationml/2006/main" showMasterSp="0">
   <p:cSld>
     <p:spTree>
@@ -7442,7 +7953,7 @@
           <a:p>
             <a:fld id="{66107F58-1174-4786-9E6A-C888AF396E87}" type="slidenum">
               <a:rPr lang="en-US" sz="2000" smtClean="0"/>
-              <a:t>13</a:t>
+              <a:t>12</a:t>
             </a:fld>
             <a:endParaRPr lang="en-US" sz="2000" dirty="0"/>
           </a:p>
@@ -7461,7 +7972,7 @@
 </p:sld>
 </file>
 
-<file path=ppt/slides/slide14.xml><?xml version="1.0" encoding="utf-8"?>
+<file path=ppt/slides/slide13.xml><?xml version="1.0" encoding="utf-8"?>
 <p:sld xmlns:a="http://schemas.openxmlformats.org/drawingml/2006/main" xmlns:r="http://schemas.openxmlformats.org/officeDocument/2006/relationships" xmlns:p="http://schemas.openxmlformats.org/presentationml/2006/main">
   <p:cSld>
     <p:spTree>
@@ -7746,7 +8257,7 @@
           <a:p>
             <a:fld id="{66107F58-1174-4786-9E6A-C888AF396E87}" type="slidenum">
               <a:rPr lang="en-US" sz="2000" smtClean="0"/>
-              <a:t>14</a:t>
+              <a:t>13</a:t>
             </a:fld>
             <a:endParaRPr lang="en-US" sz="2000"/>
           </a:p>
@@ -7866,7 +8377,7 @@
 </p:sld>
 </file>
 
-<file path=ppt/slides/slide15.xml><?xml version="1.0" encoding="utf-8"?>
+<file path=ppt/slides/slide14.xml><?xml version="1.0" encoding="utf-8"?>
 <p:sld xmlns:a="http://schemas.openxmlformats.org/drawingml/2006/main" xmlns:r="http://schemas.openxmlformats.org/officeDocument/2006/relationships" xmlns:p="http://schemas.openxmlformats.org/presentationml/2006/main" showMasterSp="0">
   <p:cSld>
     <p:spTree>
@@ -7922,7 +8433,7 @@
           <a:p>
             <a:fld id="{66107F58-1174-4786-9E6A-C888AF396E87}" type="slidenum">
               <a:rPr lang="en-US" smtClean="0"/>
-              <a:t>15</a:t>
+              <a:t>14</a:t>
             </a:fld>
             <a:endParaRPr lang="en-US"/>
           </a:p>
@@ -7941,7 +8452,7 @@
 </p:sld>
 </file>
 
-<file path=ppt/slides/slide16.xml><?xml version="1.0" encoding="utf-8"?>
+<file path=ppt/slides/slide15.xml><?xml version="1.0" encoding="utf-8"?>
 <p:sld xmlns:a="http://schemas.openxmlformats.org/drawingml/2006/main" xmlns:r="http://schemas.openxmlformats.org/officeDocument/2006/relationships" xmlns:p="http://schemas.openxmlformats.org/presentationml/2006/main" showMasterSp="0">
   <p:cSld>
     <p:spTree>
@@ -8162,7 +8673,7 @@
           <a:p>
             <a:fld id="{66107F58-1174-4786-9E6A-C888AF396E87}" type="slidenum">
               <a:rPr lang="en-US" smtClean="0"/>
-              <a:t>16</a:t>
+              <a:t>15</a:t>
             </a:fld>
             <a:endParaRPr lang="en-US"/>
           </a:p>
@@ -8181,7 +8692,7 @@
 </p:sld>
 </file>
 
-<file path=ppt/slides/slide17.xml><?xml version="1.0" encoding="utf-8"?>
+<file path=ppt/slides/slide16.xml><?xml version="1.0" encoding="utf-8"?>
 <p:sld xmlns:a="http://schemas.openxmlformats.org/drawingml/2006/main" xmlns:r="http://schemas.openxmlformats.org/officeDocument/2006/relationships" xmlns:p="http://schemas.openxmlformats.org/presentationml/2006/main" showMasterSp="0">
   <p:cSld>
     <p:spTree>
@@ -8238,7 +8749,7 @@
           <a:graphicData uri="http://schemas.openxmlformats.org/presentationml/2006/ole">
             <mc:AlternateContent xmlns:mc="http://schemas.openxmlformats.org/markup-compatibility/2006">
               <mc:Choice xmlns:v="urn:schemas-microsoft-com:vml" Requires="v">
-                <p:oleObj spid="_x0000_s11389" name="Visio" r:id="rId3" imgW="6831252" imgH="2312601" progId="Visio.Drawing.15">
+                <p:oleObj spid="_x0000_s11397" name="Visio" r:id="rId3" imgW="6831252" imgH="2312601" progId="Visio.Drawing.15">
                   <p:embed/>
                 </p:oleObj>
               </mc:Choice>
@@ -8394,7 +8905,7 @@
           <a:p>
             <a:fld id="{66107F58-1174-4786-9E6A-C888AF396E87}" type="slidenum">
               <a:rPr lang="en-US" smtClean="0"/>
-              <a:t>17</a:t>
+              <a:t>16</a:t>
             </a:fld>
             <a:endParaRPr lang="en-US"/>
           </a:p>
@@ -8413,7 +8924,7 @@
 </p:sld>
 </file>
 
-<file path=ppt/slides/slide18.xml><?xml version="1.0" encoding="utf-8"?>
+<file path=ppt/slides/slide17.xml><?xml version="1.0" encoding="utf-8"?>
 <p:sld xmlns:a="http://schemas.openxmlformats.org/drawingml/2006/main" xmlns:r="http://schemas.openxmlformats.org/officeDocument/2006/relationships" xmlns:p="http://schemas.openxmlformats.org/presentationml/2006/main" showMasterSp="0">
   <p:cSld>
     <p:spTree>
@@ -8470,7 +8981,7 @@
           <a:graphicData uri="http://schemas.openxmlformats.org/presentationml/2006/ole">
             <mc:AlternateContent xmlns:mc="http://schemas.openxmlformats.org/markup-compatibility/2006">
               <mc:Choice xmlns:v="urn:schemas-microsoft-com:vml" Requires="v">
-                <p:oleObj spid="_x0000_s12413" name="Visio" r:id="rId3" imgW="8858276" imgH="3272721" progId="Visio.Drawing.15">
+                <p:oleObj spid="_x0000_s12421" name="Visio" r:id="rId3" imgW="8858276" imgH="3272721" progId="Visio.Drawing.15">
                   <p:embed/>
                 </p:oleObj>
               </mc:Choice>
@@ -8626,7 +9137,7 @@
           <a:p>
             <a:fld id="{66107F58-1174-4786-9E6A-C888AF396E87}" type="slidenum">
               <a:rPr lang="en-US" smtClean="0"/>
-              <a:t>18</a:t>
+              <a:t>17</a:t>
             </a:fld>
             <a:endParaRPr lang="en-US"/>
           </a:p>
@@ -8645,7 +9156,7 @@
 </p:sld>
 </file>
 
-<file path=ppt/slides/slide19.xml><?xml version="1.0" encoding="utf-8"?>
+<file path=ppt/slides/slide18.xml><?xml version="1.0" encoding="utf-8"?>
 <p:sld xmlns:a="http://schemas.openxmlformats.org/drawingml/2006/main" xmlns:r="http://schemas.openxmlformats.org/officeDocument/2006/relationships" xmlns:p="http://schemas.openxmlformats.org/presentationml/2006/main" showMasterSp="0">
   <p:cSld>
     <p:spTree>
@@ -8711,7 +9222,7 @@
           <a:graphicData uri="http://schemas.openxmlformats.org/presentationml/2006/ole">
             <mc:AlternateContent xmlns:mc="http://schemas.openxmlformats.org/markup-compatibility/2006">
               <mc:Choice xmlns:v="urn:schemas-microsoft-com:vml" Requires="v">
-                <p:oleObj spid="_x0000_s13437" name="Visio" r:id="rId3" imgW="6181809" imgH="2914768" progId="Visio.Drawing.15">
+                <p:oleObj spid="_x0000_s13445" name="Visio" r:id="rId3" imgW="6181809" imgH="2914768" progId="Visio.Drawing.15">
                   <p:embed/>
                 </p:oleObj>
               </mc:Choice>
@@ -8867,7 +9378,7 @@
           <a:p>
             <a:fld id="{66107F58-1174-4786-9E6A-C888AF396E87}" type="slidenum">
               <a:rPr lang="en-US" smtClean="0"/>
-              <a:t>19</a:t>
+              <a:t>18</a:t>
             </a:fld>
             <a:endParaRPr lang="en-US"/>
           </a:p>
@@ -8886,299 +9397,7 @@
 </p:sld>
 </file>
 
-<file path=ppt/slides/slide2.xml><?xml version="1.0" encoding="utf-8"?>
-<p:sld xmlns:a="http://schemas.openxmlformats.org/drawingml/2006/main" xmlns:r="http://schemas.openxmlformats.org/officeDocument/2006/relationships" xmlns:p="http://schemas.openxmlformats.org/presentationml/2006/main" showMasterSp="0">
-  <p:cSld>
-    <p:spTree>
-      <p:nvGrpSpPr>
-        <p:cNvPr id="1" name=""/>
-        <p:cNvGrpSpPr/>
-        <p:nvPr/>
-      </p:nvGrpSpPr>
-      <p:grpSpPr>
-        <a:xfrm>
-          <a:off x="0" y="0"/>
-          <a:ext cx="0" cy="0"/>
-          <a:chOff x="0" y="0"/>
-          <a:chExt cx="0" cy="0"/>
-        </a:xfrm>
-      </p:grpSpPr>
-      <p:sp>
-        <p:nvSpPr>
-          <p:cNvPr id="2" name="Title 1"/>
-          <p:cNvSpPr>
-            <a:spLocks noGrp="1"/>
-          </p:cNvSpPr>
-          <p:nvPr>
-            <p:ph type="title"/>
-          </p:nvPr>
-        </p:nvSpPr>
-        <p:spPr>
-          <a:xfrm>
-            <a:off x="677334" y="609600"/>
-            <a:ext cx="8596668" cy="757382"/>
-          </a:xfrm>
-        </p:spPr>
-        <p:txBody>
-          <a:bodyPr/>
-          <a:lstStyle/>
-          <a:p>
-            <a:r>
-              <a:rPr lang="en-CA" dirty="0"/>
-              <a:t>Overview			</a:t>
-            </a:r>
-          </a:p>
-        </p:txBody>
-      </p:sp>
-      <p:sp>
-        <p:nvSpPr>
-          <p:cNvPr id="3" name="Content Placeholder 2"/>
-          <p:cNvSpPr>
-            <a:spLocks noGrp="1"/>
-          </p:cNvSpPr>
-          <p:nvPr>
-            <p:ph idx="1"/>
-          </p:nvPr>
-        </p:nvSpPr>
-        <p:spPr>
-          <a:xfrm>
-            <a:off x="693251" y="1251236"/>
-            <a:ext cx="10879988" cy="5491018"/>
-          </a:xfrm>
-        </p:spPr>
-        <p:txBody>
-          <a:bodyPr>
-            <a:noAutofit/>
-          </a:bodyPr>
-          <a:lstStyle/>
-          <a:p>
-            <a:pPr>
-              <a:buFont typeface="+mj-lt"/>
-              <a:buAutoNum type="arabicPeriod"/>
-            </a:pPr>
-            <a:r>
-              <a:rPr lang="en-CA" sz="2400" b="1" dirty="0"/>
-              <a:t>Introduction</a:t>
-            </a:r>
-          </a:p>
-          <a:p>
-            <a:pPr lvl="1"/>
-            <a:r>
-              <a:rPr lang="en-CA" sz="2000" dirty="0"/>
-              <a:t>Background </a:t>
-            </a:r>
-          </a:p>
-          <a:p>
-            <a:pPr lvl="1"/>
-            <a:r>
-              <a:rPr lang="en-CA" sz="2000" dirty="0"/>
-              <a:t>Motivation and Challenges</a:t>
-            </a:r>
-          </a:p>
-          <a:p>
-            <a:pPr lvl="1"/>
-            <a:r>
-              <a:rPr lang="en-CA" sz="2000" dirty="0"/>
-              <a:t>Project Description</a:t>
-            </a:r>
-          </a:p>
-          <a:p>
-            <a:pPr>
-              <a:buFont typeface="+mj-lt"/>
-              <a:buAutoNum type="arabicPeriod"/>
-            </a:pPr>
-            <a:r>
-              <a:rPr lang="en-CA" sz="2400" b="1" dirty="0"/>
-              <a:t>Lempel-Ziv Compression Algorithm </a:t>
-            </a:r>
-          </a:p>
-          <a:p>
-            <a:pPr lvl="1"/>
-            <a:r>
-              <a:rPr lang="en-CA" sz="2000" dirty="0"/>
-              <a:t>Theory</a:t>
-            </a:r>
-          </a:p>
-          <a:p>
-            <a:pPr lvl="1"/>
-            <a:r>
-              <a:rPr lang="en-CA" sz="2000" dirty="0"/>
-              <a:t>Implementation	</a:t>
-            </a:r>
-          </a:p>
-          <a:p>
-            <a:pPr>
-              <a:buFont typeface="+mj-lt"/>
-              <a:buAutoNum type="arabicPeriod"/>
-            </a:pPr>
-            <a:r>
-              <a:rPr lang="en-CA" sz="2400" b="1" dirty="0"/>
-              <a:t>Implementation and Results</a:t>
-            </a:r>
-            <a:endParaRPr lang="en-CA" sz="2000" dirty="0"/>
-          </a:p>
-          <a:p>
-            <a:pPr lvl="1"/>
-            <a:r>
-              <a:rPr lang="en-CA" sz="2000" dirty="0"/>
-              <a:t>Implementation</a:t>
-            </a:r>
-          </a:p>
-          <a:p>
-            <a:pPr lvl="1"/>
-            <a:r>
-              <a:rPr lang="en-CA" sz="2000" dirty="0"/>
-              <a:t>Results</a:t>
-            </a:r>
-          </a:p>
-        </p:txBody>
-      </p:sp>
-      <p:grpSp>
-        <p:nvGrpSpPr>
-          <p:cNvPr id="4" name="Group 3"/>
-          <p:cNvGrpSpPr/>
-          <p:nvPr/>
-        </p:nvGrpSpPr>
-        <p:grpSpPr>
-          <a:xfrm>
-            <a:off x="10227237" y="163109"/>
-            <a:ext cx="1752327" cy="594909"/>
-            <a:chOff x="10227237" y="163109"/>
-            <a:chExt cx="1752327" cy="594909"/>
-          </a:xfrm>
-        </p:grpSpPr>
-        <p:pic>
-          <p:nvPicPr>
-            <p:cNvPr id="5" name="Picture 4"/>
-            <p:cNvPicPr>
-              <a:picLocks noChangeAspect="1"/>
-            </p:cNvPicPr>
-            <p:nvPr/>
-          </p:nvPicPr>
-          <p:blipFill rotWithShape="1">
-            <a:blip r:embed="rId2" cstate="print">
-              <a:extLst>
-                <a:ext uri="{28A0092B-C50C-407E-A947-70E740481C1C}">
-                  <a14:useLocalDpi xmlns:a14="http://schemas.microsoft.com/office/drawing/2010/main" val="0"/>
-                </a:ext>
-              </a:extLst>
-            </a:blip>
-            <a:srcRect l="24728"/>
-            <a:stretch/>
-          </p:blipFill>
-          <p:spPr>
-            <a:xfrm>
-              <a:off x="10437091" y="163109"/>
-              <a:ext cx="1477818" cy="459861"/>
-            </a:xfrm>
-            <a:prstGeom prst="rect">
-              <a:avLst/>
-            </a:prstGeom>
-          </p:spPr>
-        </p:pic>
-        <p:cxnSp>
-          <p:nvCxnSpPr>
-            <p:cNvPr id="6" name="Straight Connector 5"/>
-            <p:cNvCxnSpPr/>
-            <p:nvPr/>
-          </p:nvCxnSpPr>
-          <p:spPr>
-            <a:xfrm flipH="1">
-              <a:off x="10372145" y="163109"/>
-              <a:ext cx="291" cy="594909"/>
-            </a:xfrm>
-            <a:prstGeom prst="line">
-              <a:avLst/>
-            </a:prstGeom>
-          </p:spPr>
-          <p:style>
-            <a:lnRef idx="2">
-              <a:schemeClr val="dk1"/>
-            </a:lnRef>
-            <a:fillRef idx="0">
-              <a:schemeClr val="dk1"/>
-            </a:fillRef>
-            <a:effectRef idx="1">
-              <a:schemeClr val="dk1"/>
-            </a:effectRef>
-            <a:fontRef idx="minor">
-              <a:schemeClr val="tx1"/>
-            </a:fontRef>
-          </p:style>
-        </p:cxnSp>
-        <p:cxnSp>
-          <p:nvCxnSpPr>
-            <p:cNvPr id="7" name="Straight Connector 6"/>
-            <p:cNvCxnSpPr/>
-            <p:nvPr/>
-          </p:nvCxnSpPr>
-          <p:spPr>
-            <a:xfrm flipH="1" flipV="1">
-              <a:off x="10227237" y="612819"/>
-              <a:ext cx="1752327" cy="10151"/>
-            </a:xfrm>
-            <a:prstGeom prst="line">
-              <a:avLst/>
-            </a:prstGeom>
-          </p:spPr>
-          <p:style>
-            <a:lnRef idx="2">
-              <a:schemeClr val="dk1"/>
-            </a:lnRef>
-            <a:fillRef idx="0">
-              <a:schemeClr val="dk1"/>
-            </a:fillRef>
-            <a:effectRef idx="1">
-              <a:schemeClr val="dk1"/>
-            </a:effectRef>
-            <a:fontRef idx="minor">
-              <a:schemeClr val="tx1"/>
-            </a:fontRef>
-          </p:style>
-        </p:cxnSp>
-      </p:grpSp>
-      <p:sp>
-        <p:nvSpPr>
-          <p:cNvPr id="11" name="Slide Number Placeholder 10"/>
-          <p:cNvSpPr>
-            <a:spLocks noGrp="1"/>
-          </p:cNvSpPr>
-          <p:nvPr>
-            <p:ph type="sldNum" sz="quarter" idx="12"/>
-          </p:nvPr>
-        </p:nvSpPr>
-        <p:spPr>
-          <a:xfrm>
-            <a:off x="11231570" y="6023195"/>
-            <a:ext cx="683339" cy="365125"/>
-          </a:xfrm>
-        </p:spPr>
-        <p:txBody>
-          <a:bodyPr/>
-          <a:lstStyle/>
-          <a:p>
-            <a:fld id="{66107F58-1174-4786-9E6A-C888AF396E87}" type="slidenum">
-              <a:rPr lang="en-US" sz="2000" smtClean="0"/>
-              <a:t>2</a:t>
-            </a:fld>
-            <a:endParaRPr lang="en-US" sz="2000" dirty="0"/>
-          </a:p>
-        </p:txBody>
-      </p:sp>
-    </p:spTree>
-    <p:extLst>
-      <p:ext uri="{BB962C8B-B14F-4D97-AF65-F5344CB8AC3E}">
-        <p14:creationId xmlns:p14="http://schemas.microsoft.com/office/powerpoint/2010/main" val="410224409"/>
-      </p:ext>
-    </p:extLst>
-  </p:cSld>
-  <p:clrMapOvr>
-    <a:masterClrMapping/>
-  </p:clrMapOvr>
-</p:sld>
-</file>
-
-<file path=ppt/slides/slide20.xml><?xml version="1.0" encoding="utf-8"?>
+<file path=ppt/slides/slide19.xml><?xml version="1.0" encoding="utf-8"?>
 <p:sld xmlns:a="http://schemas.openxmlformats.org/drawingml/2006/main" xmlns:r="http://schemas.openxmlformats.org/officeDocument/2006/relationships" xmlns:p="http://schemas.openxmlformats.org/presentationml/2006/main" showMasterSp="0">
   <p:cSld>
     <p:spTree>
@@ -9368,7 +9587,7 @@
           <a:p>
             <a:fld id="{66107F58-1174-4786-9E6A-C888AF396E87}" type="slidenum">
               <a:rPr lang="en-US" smtClean="0"/>
-              <a:t>20</a:t>
+              <a:t>19</a:t>
             </a:fld>
             <a:endParaRPr lang="en-US"/>
           </a:p>
@@ -9387,7 +9606,292 @@
 </p:sld>
 </file>
 
-<file path=ppt/slides/slide21.xml><?xml version="1.0" encoding="utf-8"?>
+<file path=ppt/slides/slide2.xml><?xml version="1.0" encoding="utf-8"?>
+<p:sld xmlns:a="http://schemas.openxmlformats.org/drawingml/2006/main" xmlns:r="http://schemas.openxmlformats.org/officeDocument/2006/relationships" xmlns:p="http://schemas.openxmlformats.org/presentationml/2006/main" showMasterSp="0">
+  <p:cSld>
+    <p:spTree>
+      <p:nvGrpSpPr>
+        <p:cNvPr id="1" name=""/>
+        <p:cNvGrpSpPr/>
+        <p:nvPr/>
+      </p:nvGrpSpPr>
+      <p:grpSpPr>
+        <a:xfrm>
+          <a:off x="0" y="0"/>
+          <a:ext cx="0" cy="0"/>
+          <a:chOff x="0" y="0"/>
+          <a:chExt cx="0" cy="0"/>
+        </a:xfrm>
+      </p:grpSpPr>
+      <p:sp>
+        <p:nvSpPr>
+          <p:cNvPr id="2" name="Title 1"/>
+          <p:cNvSpPr>
+            <a:spLocks noGrp="1"/>
+          </p:cNvSpPr>
+          <p:nvPr>
+            <p:ph type="title"/>
+          </p:nvPr>
+        </p:nvSpPr>
+        <p:spPr>
+          <a:xfrm>
+            <a:off x="677334" y="609600"/>
+            <a:ext cx="8596668" cy="757382"/>
+          </a:xfrm>
+        </p:spPr>
+        <p:txBody>
+          <a:bodyPr/>
+          <a:lstStyle/>
+          <a:p>
+            <a:r>
+              <a:rPr lang="en-CA" dirty="0"/>
+              <a:t>Overview			</a:t>
+            </a:r>
+          </a:p>
+        </p:txBody>
+      </p:sp>
+      <p:sp>
+        <p:nvSpPr>
+          <p:cNvPr id="3" name="Content Placeholder 2"/>
+          <p:cNvSpPr>
+            <a:spLocks noGrp="1"/>
+          </p:cNvSpPr>
+          <p:nvPr>
+            <p:ph idx="1"/>
+          </p:nvPr>
+        </p:nvSpPr>
+        <p:spPr>
+          <a:xfrm>
+            <a:off x="693251" y="1251236"/>
+            <a:ext cx="10879988" cy="5491018"/>
+          </a:xfrm>
+        </p:spPr>
+        <p:txBody>
+          <a:bodyPr>
+            <a:noAutofit/>
+          </a:bodyPr>
+          <a:lstStyle/>
+          <a:p>
+            <a:pPr>
+              <a:buFont typeface="+mj-lt"/>
+              <a:buAutoNum type="arabicPeriod"/>
+            </a:pPr>
+            <a:r>
+              <a:rPr lang="en-CA" sz="2400" b="1" dirty="0"/>
+              <a:t>Introduction</a:t>
+            </a:r>
+          </a:p>
+          <a:p>
+            <a:pPr lvl="1"/>
+            <a:r>
+              <a:rPr lang="en-CA" sz="2000" dirty="0"/>
+              <a:t>Background </a:t>
+            </a:r>
+          </a:p>
+          <a:p>
+            <a:pPr lvl="1"/>
+            <a:r>
+              <a:rPr lang="en-CA" sz="2000" dirty="0"/>
+              <a:t>Project Objectives</a:t>
+            </a:r>
+          </a:p>
+          <a:p>
+            <a:pPr>
+              <a:buFont typeface="+mj-lt"/>
+              <a:buAutoNum type="arabicPeriod"/>
+            </a:pPr>
+            <a:r>
+              <a:rPr lang="en-CA" sz="2400" b="1" dirty="0"/>
+              <a:t>Lempel-Ziv Compression Algorithm </a:t>
+            </a:r>
+          </a:p>
+          <a:p>
+            <a:pPr lvl="1"/>
+            <a:r>
+              <a:rPr lang="en-CA" sz="2000" dirty="0"/>
+              <a:t>Theory</a:t>
+            </a:r>
+          </a:p>
+          <a:p>
+            <a:pPr lvl="1"/>
+            <a:r>
+              <a:rPr lang="en-CA" sz="2000" dirty="0"/>
+              <a:t>Extension	</a:t>
+            </a:r>
+          </a:p>
+          <a:p>
+            <a:pPr>
+              <a:buFont typeface="+mj-lt"/>
+              <a:buAutoNum type="arabicPeriod"/>
+            </a:pPr>
+            <a:r>
+              <a:rPr lang="en-CA" sz="2400" b="1" dirty="0"/>
+              <a:t>Implementation and Results</a:t>
+            </a:r>
+            <a:endParaRPr lang="en-CA" sz="2000" dirty="0"/>
+          </a:p>
+          <a:p>
+            <a:pPr lvl="1"/>
+            <a:r>
+              <a:rPr lang="en-CA" sz="2000" dirty="0"/>
+              <a:t>Implementation</a:t>
+            </a:r>
+          </a:p>
+          <a:p>
+            <a:pPr lvl="1"/>
+            <a:r>
+              <a:rPr lang="en-CA" sz="2000" dirty="0"/>
+              <a:t>Results</a:t>
+            </a:r>
+          </a:p>
+        </p:txBody>
+      </p:sp>
+      <p:grpSp>
+        <p:nvGrpSpPr>
+          <p:cNvPr id="4" name="Group 3"/>
+          <p:cNvGrpSpPr/>
+          <p:nvPr/>
+        </p:nvGrpSpPr>
+        <p:grpSpPr>
+          <a:xfrm>
+            <a:off x="10227237" y="163109"/>
+            <a:ext cx="1752327" cy="594909"/>
+            <a:chOff x="10227237" y="163109"/>
+            <a:chExt cx="1752327" cy="594909"/>
+          </a:xfrm>
+        </p:grpSpPr>
+        <p:pic>
+          <p:nvPicPr>
+            <p:cNvPr id="5" name="Picture 4"/>
+            <p:cNvPicPr>
+              <a:picLocks noChangeAspect="1"/>
+            </p:cNvPicPr>
+            <p:nvPr/>
+          </p:nvPicPr>
+          <p:blipFill rotWithShape="1">
+            <a:blip r:embed="rId2" cstate="print">
+              <a:extLst>
+                <a:ext uri="{28A0092B-C50C-407E-A947-70E740481C1C}">
+                  <a14:useLocalDpi xmlns:a14="http://schemas.microsoft.com/office/drawing/2010/main" val="0"/>
+                </a:ext>
+              </a:extLst>
+            </a:blip>
+            <a:srcRect l="24728"/>
+            <a:stretch/>
+          </p:blipFill>
+          <p:spPr>
+            <a:xfrm>
+              <a:off x="10437091" y="163109"/>
+              <a:ext cx="1477818" cy="459861"/>
+            </a:xfrm>
+            <a:prstGeom prst="rect">
+              <a:avLst/>
+            </a:prstGeom>
+          </p:spPr>
+        </p:pic>
+        <p:cxnSp>
+          <p:nvCxnSpPr>
+            <p:cNvPr id="6" name="Straight Connector 5"/>
+            <p:cNvCxnSpPr/>
+            <p:nvPr/>
+          </p:nvCxnSpPr>
+          <p:spPr>
+            <a:xfrm flipH="1">
+              <a:off x="10372145" y="163109"/>
+              <a:ext cx="291" cy="594909"/>
+            </a:xfrm>
+            <a:prstGeom prst="line">
+              <a:avLst/>
+            </a:prstGeom>
+          </p:spPr>
+          <p:style>
+            <a:lnRef idx="2">
+              <a:schemeClr val="dk1"/>
+            </a:lnRef>
+            <a:fillRef idx="0">
+              <a:schemeClr val="dk1"/>
+            </a:fillRef>
+            <a:effectRef idx="1">
+              <a:schemeClr val="dk1"/>
+            </a:effectRef>
+            <a:fontRef idx="minor">
+              <a:schemeClr val="tx1"/>
+            </a:fontRef>
+          </p:style>
+        </p:cxnSp>
+        <p:cxnSp>
+          <p:nvCxnSpPr>
+            <p:cNvPr id="7" name="Straight Connector 6"/>
+            <p:cNvCxnSpPr/>
+            <p:nvPr/>
+          </p:nvCxnSpPr>
+          <p:spPr>
+            <a:xfrm flipH="1" flipV="1">
+              <a:off x="10227237" y="612819"/>
+              <a:ext cx="1752327" cy="10151"/>
+            </a:xfrm>
+            <a:prstGeom prst="line">
+              <a:avLst/>
+            </a:prstGeom>
+          </p:spPr>
+          <p:style>
+            <a:lnRef idx="2">
+              <a:schemeClr val="dk1"/>
+            </a:lnRef>
+            <a:fillRef idx="0">
+              <a:schemeClr val="dk1"/>
+            </a:fillRef>
+            <a:effectRef idx="1">
+              <a:schemeClr val="dk1"/>
+            </a:effectRef>
+            <a:fontRef idx="minor">
+              <a:schemeClr val="tx1"/>
+            </a:fontRef>
+          </p:style>
+        </p:cxnSp>
+      </p:grpSp>
+      <p:sp>
+        <p:nvSpPr>
+          <p:cNvPr id="11" name="Slide Number Placeholder 10"/>
+          <p:cNvSpPr>
+            <a:spLocks noGrp="1"/>
+          </p:cNvSpPr>
+          <p:nvPr>
+            <p:ph type="sldNum" sz="quarter" idx="12"/>
+          </p:nvPr>
+        </p:nvSpPr>
+        <p:spPr>
+          <a:xfrm>
+            <a:off x="11231570" y="6023195"/>
+            <a:ext cx="683339" cy="365125"/>
+          </a:xfrm>
+        </p:spPr>
+        <p:txBody>
+          <a:bodyPr/>
+          <a:lstStyle/>
+          <a:p>
+            <a:fld id="{66107F58-1174-4786-9E6A-C888AF396E87}" type="slidenum">
+              <a:rPr lang="en-US" sz="2000" smtClean="0"/>
+              <a:t>2</a:t>
+            </a:fld>
+            <a:endParaRPr lang="en-US" sz="2000" dirty="0"/>
+          </a:p>
+        </p:txBody>
+      </p:sp>
+    </p:spTree>
+    <p:extLst>
+      <p:ext uri="{BB962C8B-B14F-4D97-AF65-F5344CB8AC3E}">
+        <p14:creationId xmlns:p14="http://schemas.microsoft.com/office/powerpoint/2010/main" val="410224409"/>
+      </p:ext>
+    </p:extLst>
+  </p:cSld>
+  <p:clrMapOvr>
+    <a:masterClrMapping/>
+  </p:clrMapOvr>
+</p:sld>
+</file>
+
+<file path=ppt/slides/slide20.xml><?xml version="1.0" encoding="utf-8"?>
 <p:sld xmlns:a="http://schemas.openxmlformats.org/drawingml/2006/main" xmlns:r="http://schemas.openxmlformats.org/officeDocument/2006/relationships" xmlns:p="http://schemas.openxmlformats.org/presentationml/2006/main" showMasterSp="0">
   <p:cSld>
     <p:spTree>
@@ -9448,7 +9952,7 @@
           <a:graphicData uri="http://schemas.openxmlformats.org/presentationml/2006/ole">
             <mc:AlternateContent xmlns:mc="http://schemas.openxmlformats.org/markup-compatibility/2006">
               <mc:Choice xmlns:v="urn:schemas-microsoft-com:vml" Requires="v">
-                <p:oleObj spid="_x0000_s16491" name="Visio" r:id="rId3" imgW="11953994" imgH="3581431" progId="Visio.Drawing.15">
+                <p:oleObj spid="_x0000_s16499" name="Visio" r:id="rId3" imgW="11953994" imgH="3581431" progId="Visio.Drawing.15">
                   <p:embed/>
                 </p:oleObj>
               </mc:Choice>
@@ -9604,7 +10108,7 @@
           <a:p>
             <a:fld id="{66107F58-1174-4786-9E6A-C888AF396E87}" type="slidenum">
               <a:rPr lang="en-US" smtClean="0"/>
-              <a:t>21</a:t>
+              <a:t>20</a:t>
             </a:fld>
             <a:endParaRPr lang="en-US"/>
           </a:p>
@@ -11042,8 +11546,8 @@
           </a:p>
         </p:txBody>
       </p:sp>
-      <mc:AlternateContent xmlns:mc="http://schemas.openxmlformats.org/markup-compatibility/2006">
-        <mc:Choice xmlns:a14="http://schemas.microsoft.com/office/drawing/2010/main" Requires="a14">
+      <mc:AlternateContent xmlns:mc="http://schemas.openxmlformats.org/markup-compatibility/2006" xmlns:a14="http://schemas.microsoft.com/office/drawing/2010/main">
+        <mc:Choice Requires="a14">
           <p:sp>
             <p:nvSpPr>
               <p:cNvPr id="13" name="Content Placeholder 2"/>
@@ -11448,7 +11952,7 @@
             </p:txBody>
           </p:sp>
         </mc:Choice>
-        <mc:Fallback>
+        <mc:Fallback xmlns="">
           <p:sp>
             <p:nvSpPr>
               <p:cNvPr id="13" name="Content Placeholder 2"/>
@@ -11519,642 +12023,6 @@
       </p:grpSpPr>
       <p:sp>
         <p:nvSpPr>
-          <p:cNvPr id="2" name="Title 1"/>
-          <p:cNvSpPr>
-            <a:spLocks noGrp="1"/>
-          </p:cNvSpPr>
-          <p:nvPr>
-            <p:ph type="title"/>
-          </p:nvPr>
-        </p:nvSpPr>
-        <p:spPr>
-          <a:xfrm>
-            <a:off x="96589" y="82593"/>
-            <a:ext cx="8596668" cy="792231"/>
-          </a:xfrm>
-        </p:spPr>
-        <p:txBody>
-          <a:bodyPr/>
-          <a:lstStyle/>
-          <a:p>
-            <a:r>
-              <a:rPr lang="en-CA" dirty="0"/>
-              <a:t>1. Introduction: Project Objectives</a:t>
-            </a:r>
-          </a:p>
-        </p:txBody>
-      </p:sp>
-      <p:pic>
-        <p:nvPicPr>
-          <p:cNvPr id="4" name="Picture 3"/>
-          <p:cNvPicPr>
-            <a:picLocks noChangeAspect="1"/>
-          </p:cNvPicPr>
-          <p:nvPr/>
-        </p:nvPicPr>
-        <p:blipFill>
-          <a:blip r:embed="rId3">
-            <a:extLst>
-              <a:ext uri="{28A0092B-C50C-407E-A947-70E740481C1C}">
-                <a14:useLocalDpi xmlns:a14="http://schemas.microsoft.com/office/drawing/2010/main" val="0"/>
-              </a:ext>
-            </a:extLst>
-          </a:blip>
-          <a:stretch>
-            <a:fillRect/>
-          </a:stretch>
-        </p:blipFill>
-        <p:spPr>
-          <a:xfrm>
-            <a:off x="4424234" y="3136394"/>
-            <a:ext cx="3376757" cy="2272510"/>
-          </a:xfrm>
-          <a:prstGeom prst="rect">
-            <a:avLst/>
-          </a:prstGeom>
-          <a:ln>
-            <a:noFill/>
-          </a:ln>
-          <a:effectLst>
-            <a:softEdge rad="112500"/>
-          </a:effectLst>
-        </p:spPr>
-      </p:pic>
-      <p:sp>
-        <p:nvSpPr>
-          <p:cNvPr id="5" name="TextBox 4"/>
-          <p:cNvSpPr txBox="1"/>
-          <p:nvPr/>
-        </p:nvSpPr>
-        <p:spPr>
-          <a:xfrm>
-            <a:off x="4974301" y="4789855"/>
-            <a:ext cx="2054490" cy="523220"/>
-          </a:xfrm>
-          <a:prstGeom prst="rect">
-            <a:avLst/>
-          </a:prstGeom>
-          <a:noFill/>
-        </p:spPr>
-        <p:txBody>
-          <a:bodyPr wrap="square" rtlCol="0">
-            <a:spAutoFit/>
-          </a:bodyPr>
-          <a:lstStyle/>
-          <a:p>
-            <a:r>
-              <a:rPr lang="en-CA" sz="2800" b="1" dirty="0">
-                <a:solidFill>
-                  <a:schemeClr val="tx1">
-                    <a:lumMod val="75000"/>
-                    <a:lumOff val="25000"/>
-                  </a:schemeClr>
-                </a:solidFill>
-              </a:rPr>
-              <a:t>Challenges</a:t>
-            </a:r>
-            <a:r>
-              <a:rPr lang="en-CA" sz="2400" dirty="0"/>
-              <a:t> </a:t>
-            </a:r>
-          </a:p>
-        </p:txBody>
-      </p:sp>
-      <p:sp>
-        <p:nvSpPr>
-          <p:cNvPr id="7" name="Oval Callout 6"/>
-          <p:cNvSpPr/>
-          <p:nvPr/>
-        </p:nvSpPr>
-        <p:spPr>
-          <a:xfrm>
-            <a:off x="7752923" y="1735557"/>
-            <a:ext cx="2724728" cy="1708727"/>
-          </a:xfrm>
-          <a:prstGeom prst="wedgeEllipseCallout">
-            <a:avLst>
-              <a:gd name="adj1" fmla="val -87613"/>
-              <a:gd name="adj2" fmla="val 61959"/>
-            </a:avLst>
-          </a:prstGeom>
-          <a:effectLst>
-            <a:outerShdw blurRad="50800" dist="38100" dir="5400000" algn="t" rotWithShape="0">
-              <a:prstClr val="black">
-                <a:alpha val="40000"/>
-              </a:prstClr>
-            </a:outerShdw>
-          </a:effectLst>
-        </p:spPr>
-        <p:style>
-          <a:lnRef idx="2">
-            <a:schemeClr val="accent1"/>
-          </a:lnRef>
-          <a:fillRef idx="1">
-            <a:schemeClr val="lt1"/>
-          </a:fillRef>
-          <a:effectRef idx="0">
-            <a:schemeClr val="accent1"/>
-          </a:effectRef>
-          <a:fontRef idx="minor">
-            <a:schemeClr val="dk1"/>
-          </a:fontRef>
-        </p:style>
-        <p:txBody>
-          <a:bodyPr rtlCol="0" anchor="ctr"/>
-          <a:lstStyle/>
-          <a:p>
-            <a:pPr marL="0" lvl="1" algn="ctr"/>
-            <a:r>
-              <a:rPr lang="en-CA" sz="2000" b="1" dirty="0"/>
-              <a:t>Compression efficiency </a:t>
-            </a:r>
-            <a:r>
-              <a:rPr lang="en-CA" sz="2000" dirty="0"/>
-              <a:t>should be 3:1 or 2:1.</a:t>
-            </a:r>
-          </a:p>
-          <a:p>
-            <a:pPr algn="ctr"/>
-            <a:endParaRPr lang="en-CA" dirty="0"/>
-          </a:p>
-        </p:txBody>
-      </p:sp>
-      <p:sp>
-        <p:nvSpPr>
-          <p:cNvPr id="8" name="Oval Callout 7"/>
-          <p:cNvSpPr/>
-          <p:nvPr/>
-        </p:nvSpPr>
-        <p:spPr>
-          <a:xfrm flipH="1">
-            <a:off x="1559874" y="1909663"/>
-            <a:ext cx="2835474" cy="1683114"/>
-          </a:xfrm>
-          <a:prstGeom prst="wedgeEllipseCallout">
-            <a:avLst>
-              <a:gd name="adj1" fmla="val -87500"/>
-              <a:gd name="adj2" fmla="val 55473"/>
-            </a:avLst>
-          </a:prstGeom>
-          <a:effectLst>
-            <a:outerShdw blurRad="50800" dist="38100" dir="2700000" algn="tl" rotWithShape="0">
-              <a:prstClr val="black">
-                <a:alpha val="40000"/>
-              </a:prstClr>
-            </a:outerShdw>
-          </a:effectLst>
-        </p:spPr>
-        <p:style>
-          <a:lnRef idx="2">
-            <a:schemeClr val="accent1"/>
-          </a:lnRef>
-          <a:fillRef idx="1">
-            <a:schemeClr val="lt1"/>
-          </a:fillRef>
-          <a:effectRef idx="0">
-            <a:schemeClr val="accent1"/>
-          </a:effectRef>
-          <a:fontRef idx="minor">
-            <a:schemeClr val="dk1"/>
-          </a:fontRef>
-        </p:style>
-        <p:txBody>
-          <a:bodyPr rtlCol="0" anchor="ctr"/>
-          <a:lstStyle/>
-          <a:p>
-            <a:pPr algn="ctr"/>
-            <a:endParaRPr lang="en-CA" dirty="0"/>
-          </a:p>
-        </p:txBody>
-      </p:sp>
-      <p:sp>
-        <p:nvSpPr>
-          <p:cNvPr id="9" name="Oval Callout 8"/>
-          <p:cNvSpPr/>
-          <p:nvPr/>
-        </p:nvSpPr>
-        <p:spPr>
-          <a:xfrm flipH="1" flipV="1">
-            <a:off x="1487071" y="4919779"/>
-            <a:ext cx="2937163" cy="1878529"/>
-          </a:xfrm>
-          <a:prstGeom prst="wedgeEllipseCallout">
-            <a:avLst>
-              <a:gd name="adj1" fmla="val -82783"/>
-              <a:gd name="adj2" fmla="val 88068"/>
-            </a:avLst>
-          </a:prstGeom>
-          <a:effectLst>
-            <a:outerShdw blurRad="50800" dist="38100" dir="18900000" algn="bl" rotWithShape="0">
-              <a:prstClr val="black">
-                <a:alpha val="40000"/>
-              </a:prstClr>
-            </a:outerShdw>
-          </a:effectLst>
-        </p:spPr>
-        <p:style>
-          <a:lnRef idx="2">
-            <a:schemeClr val="accent1"/>
-          </a:lnRef>
-          <a:fillRef idx="1">
-            <a:schemeClr val="lt1"/>
-          </a:fillRef>
-          <a:effectRef idx="0">
-            <a:schemeClr val="accent1"/>
-          </a:effectRef>
-          <a:fontRef idx="minor">
-            <a:schemeClr val="dk1"/>
-          </a:fontRef>
-        </p:style>
-        <p:txBody>
-          <a:bodyPr rtlCol="0" anchor="ctr"/>
-          <a:lstStyle/>
-          <a:p>
-            <a:pPr algn="ctr"/>
-            <a:endParaRPr lang="en-CA" dirty="0"/>
-          </a:p>
-        </p:txBody>
-      </p:sp>
-      <p:sp>
-        <p:nvSpPr>
-          <p:cNvPr id="10" name="Oval Callout 9"/>
-          <p:cNvSpPr/>
-          <p:nvPr/>
-        </p:nvSpPr>
-        <p:spPr>
-          <a:xfrm flipV="1">
-            <a:off x="7911464" y="4979471"/>
-            <a:ext cx="2826690" cy="1878529"/>
-          </a:xfrm>
-          <a:prstGeom prst="wedgeEllipseCallout">
-            <a:avLst>
-              <a:gd name="adj1" fmla="val -97620"/>
-              <a:gd name="adj2" fmla="val 86101"/>
-            </a:avLst>
-          </a:prstGeom>
-          <a:effectLst>
-            <a:outerShdw blurRad="50800" dist="38100" dir="13500000" algn="br" rotWithShape="0">
-              <a:prstClr val="black">
-                <a:alpha val="40000"/>
-              </a:prstClr>
-            </a:outerShdw>
-          </a:effectLst>
-        </p:spPr>
-        <p:style>
-          <a:lnRef idx="2">
-            <a:schemeClr val="accent1"/>
-          </a:lnRef>
-          <a:fillRef idx="1">
-            <a:schemeClr val="lt1"/>
-          </a:fillRef>
-          <a:effectRef idx="0">
-            <a:schemeClr val="accent1"/>
-          </a:effectRef>
-          <a:fontRef idx="minor">
-            <a:schemeClr val="dk1"/>
-          </a:fontRef>
-        </p:style>
-        <p:txBody>
-          <a:bodyPr rtlCol="0" anchor="ctr"/>
-          <a:lstStyle/>
-          <a:p>
-            <a:pPr algn="ctr"/>
-            <a:endParaRPr lang="en-CA" dirty="0"/>
-          </a:p>
-        </p:txBody>
-      </p:sp>
-      <p:sp>
-        <p:nvSpPr>
-          <p:cNvPr id="11" name="TextBox 10"/>
-          <p:cNvSpPr txBox="1"/>
-          <p:nvPr/>
-        </p:nvSpPr>
-        <p:spPr>
-          <a:xfrm>
-            <a:off x="1428508" y="5437934"/>
-            <a:ext cx="2896676" cy="830997"/>
-          </a:xfrm>
-          <a:prstGeom prst="rect">
-            <a:avLst/>
-          </a:prstGeom>
-          <a:noFill/>
-        </p:spPr>
-        <p:txBody>
-          <a:bodyPr wrap="square" rtlCol="0">
-            <a:spAutoFit/>
-          </a:bodyPr>
-          <a:lstStyle/>
-          <a:p>
-            <a:pPr marL="400050" lvl="1" algn="ctr"/>
-            <a:r>
-              <a:rPr lang="en-CA" sz="2400" b="1" dirty="0"/>
-              <a:t>Efficient implementation</a:t>
-            </a:r>
-          </a:p>
-        </p:txBody>
-      </p:sp>
-      <p:sp>
-        <p:nvSpPr>
-          <p:cNvPr id="12" name="TextBox 11"/>
-          <p:cNvSpPr txBox="1"/>
-          <p:nvPr/>
-        </p:nvSpPr>
-        <p:spPr>
-          <a:xfrm>
-            <a:off x="7800991" y="5313076"/>
-            <a:ext cx="2628591" cy="1323439"/>
-          </a:xfrm>
-          <a:prstGeom prst="rect">
-            <a:avLst/>
-          </a:prstGeom>
-          <a:noFill/>
-        </p:spPr>
-        <p:txBody>
-          <a:bodyPr wrap="square" rtlCol="0">
-            <a:spAutoFit/>
-          </a:bodyPr>
-          <a:lstStyle/>
-          <a:p>
-            <a:pPr marL="400050" lvl="1" algn="ctr"/>
-            <a:r>
-              <a:rPr lang="en-CA" sz="2000" b="1" dirty="0"/>
-              <a:t>UNIVERSAL</a:t>
-            </a:r>
-            <a:r>
-              <a:rPr lang="en-CA" sz="2000" dirty="0"/>
-              <a:t>: </a:t>
-            </a:r>
-          </a:p>
-          <a:p>
-            <a:pPr marL="400050" lvl="1" algn="ctr"/>
-            <a:r>
-              <a:rPr lang="en-CA" sz="2000" dirty="0"/>
-              <a:t>The code responds to different inputs. </a:t>
-            </a:r>
-          </a:p>
-        </p:txBody>
-      </p:sp>
-      <p:sp>
-        <p:nvSpPr>
-          <p:cNvPr id="14" name="TextBox 13"/>
-          <p:cNvSpPr txBox="1"/>
-          <p:nvPr/>
-        </p:nvSpPr>
-        <p:spPr>
-          <a:xfrm>
-            <a:off x="1398809" y="2180059"/>
-            <a:ext cx="2739015" cy="830997"/>
-          </a:xfrm>
-          <a:prstGeom prst="rect">
-            <a:avLst/>
-          </a:prstGeom>
-          <a:noFill/>
-        </p:spPr>
-        <p:txBody>
-          <a:bodyPr wrap="square" rtlCol="0">
-            <a:spAutoFit/>
-          </a:bodyPr>
-          <a:lstStyle/>
-          <a:p>
-            <a:pPr marL="400050" lvl="1" algn="ctr"/>
-            <a:r>
-              <a:rPr lang="en-CA" sz="2400" b="1" dirty="0"/>
-              <a:t>Error free decompression </a:t>
-            </a:r>
-          </a:p>
-        </p:txBody>
-      </p:sp>
-      <p:sp>
-        <p:nvSpPr>
-          <p:cNvPr id="15" name="Content Placeholder 2"/>
-          <p:cNvSpPr>
-            <a:spLocks noGrp="1"/>
-          </p:cNvSpPr>
-          <p:nvPr>
-            <p:ph idx="1"/>
-          </p:nvPr>
-        </p:nvSpPr>
-        <p:spPr>
-          <a:xfrm>
-            <a:off x="158399" y="767704"/>
-            <a:ext cx="11811927" cy="940403"/>
-          </a:xfrm>
-        </p:spPr>
-        <p:txBody>
-          <a:bodyPr>
-            <a:normAutofit fontScale="92500" lnSpcReduction="10000"/>
-          </a:bodyPr>
-          <a:lstStyle/>
-          <a:p>
-            <a:r>
-              <a:rPr lang="en-CA" sz="3000" b="1" dirty="0"/>
-              <a:t>Motivation: </a:t>
-            </a:r>
-          </a:p>
-          <a:p>
-            <a:pPr marL="457200" lvl="1" indent="0">
-              <a:buNone/>
-            </a:pPr>
-            <a:r>
-              <a:rPr lang="en-CA" sz="2400" dirty="0"/>
-              <a:t>Implementations of compression algorithms on information source with/without memory </a:t>
-            </a:r>
-          </a:p>
-        </p:txBody>
-      </p:sp>
-      <p:grpSp>
-        <p:nvGrpSpPr>
-          <p:cNvPr id="16" name="Group 15"/>
-          <p:cNvGrpSpPr/>
-          <p:nvPr/>
-        </p:nvGrpSpPr>
-        <p:grpSpPr>
-          <a:xfrm>
-            <a:off x="10227237" y="163109"/>
-            <a:ext cx="1752327" cy="594909"/>
-            <a:chOff x="10227237" y="163109"/>
-            <a:chExt cx="1752327" cy="594909"/>
-          </a:xfrm>
-        </p:grpSpPr>
-        <p:pic>
-          <p:nvPicPr>
-            <p:cNvPr id="17" name="Picture 16"/>
-            <p:cNvPicPr>
-              <a:picLocks noChangeAspect="1"/>
-            </p:cNvPicPr>
-            <p:nvPr/>
-          </p:nvPicPr>
-          <p:blipFill rotWithShape="1">
-            <a:blip r:embed="rId4" cstate="print">
-              <a:extLst>
-                <a:ext uri="{28A0092B-C50C-407E-A947-70E740481C1C}">
-                  <a14:useLocalDpi xmlns:a14="http://schemas.microsoft.com/office/drawing/2010/main" val="0"/>
-                </a:ext>
-              </a:extLst>
-            </a:blip>
-            <a:srcRect l="24728"/>
-            <a:stretch/>
-          </p:blipFill>
-          <p:spPr>
-            <a:xfrm>
-              <a:off x="10437091" y="163109"/>
-              <a:ext cx="1477818" cy="459861"/>
-            </a:xfrm>
-            <a:prstGeom prst="rect">
-              <a:avLst/>
-            </a:prstGeom>
-          </p:spPr>
-        </p:pic>
-        <p:cxnSp>
-          <p:nvCxnSpPr>
-            <p:cNvPr id="18" name="Straight Connector 17"/>
-            <p:cNvCxnSpPr/>
-            <p:nvPr/>
-          </p:nvCxnSpPr>
-          <p:spPr>
-            <a:xfrm flipH="1">
-              <a:off x="10372145" y="163109"/>
-              <a:ext cx="291" cy="594909"/>
-            </a:xfrm>
-            <a:prstGeom prst="line">
-              <a:avLst/>
-            </a:prstGeom>
-          </p:spPr>
-          <p:style>
-            <a:lnRef idx="2">
-              <a:schemeClr val="dk1"/>
-            </a:lnRef>
-            <a:fillRef idx="0">
-              <a:schemeClr val="dk1"/>
-            </a:fillRef>
-            <a:effectRef idx="1">
-              <a:schemeClr val="dk1"/>
-            </a:effectRef>
-            <a:fontRef idx="minor">
-              <a:schemeClr val="tx1"/>
-            </a:fontRef>
-          </p:style>
-        </p:cxnSp>
-        <p:cxnSp>
-          <p:nvCxnSpPr>
-            <p:cNvPr id="19" name="Straight Connector 18"/>
-            <p:cNvCxnSpPr/>
-            <p:nvPr/>
-          </p:nvCxnSpPr>
-          <p:spPr>
-            <a:xfrm flipH="1" flipV="1">
-              <a:off x="10227237" y="612819"/>
-              <a:ext cx="1752327" cy="10151"/>
-            </a:xfrm>
-            <a:prstGeom prst="line">
-              <a:avLst/>
-            </a:prstGeom>
-          </p:spPr>
-          <p:style>
-            <a:lnRef idx="2">
-              <a:schemeClr val="dk1"/>
-            </a:lnRef>
-            <a:fillRef idx="0">
-              <a:schemeClr val="dk1"/>
-            </a:fillRef>
-            <a:effectRef idx="1">
-              <a:schemeClr val="dk1"/>
-            </a:effectRef>
-            <a:fontRef idx="minor">
-              <a:schemeClr val="tx1"/>
-            </a:fontRef>
-          </p:style>
-        </p:cxnSp>
-      </p:grpSp>
-      <p:sp>
-        <p:nvSpPr>
-          <p:cNvPr id="3" name="TextBox 2"/>
-          <p:cNvSpPr txBox="1"/>
-          <p:nvPr/>
-        </p:nvSpPr>
-        <p:spPr>
-          <a:xfrm>
-            <a:off x="4482797" y="5313075"/>
-            <a:ext cx="3219144" cy="307777"/>
-          </a:xfrm>
-          <a:prstGeom prst="rect">
-            <a:avLst/>
-          </a:prstGeom>
-          <a:noFill/>
-        </p:spPr>
-        <p:txBody>
-          <a:bodyPr wrap="square" rtlCol="0">
-            <a:spAutoFit/>
-          </a:bodyPr>
-          <a:lstStyle/>
-          <a:p>
-            <a:r>
-              <a:rPr lang="en-US" sz="1400" dirty="0"/>
-              <a:t>Challenges of compression codes [5]</a:t>
-            </a:r>
-          </a:p>
-        </p:txBody>
-      </p:sp>
-      <p:sp>
-        <p:nvSpPr>
-          <p:cNvPr id="23" name="Slide Number Placeholder 22"/>
-          <p:cNvSpPr>
-            <a:spLocks noGrp="1"/>
-          </p:cNvSpPr>
-          <p:nvPr>
-            <p:ph type="sldNum" sz="quarter" idx="12"/>
-          </p:nvPr>
-        </p:nvSpPr>
-        <p:spPr>
-          <a:xfrm>
-            <a:off x="11296225" y="6247253"/>
-            <a:ext cx="683339" cy="365125"/>
-          </a:xfrm>
-        </p:spPr>
-        <p:txBody>
-          <a:bodyPr/>
-          <a:lstStyle/>
-          <a:p>
-            <a:fld id="{66107F58-1174-4786-9E6A-C888AF396E87}" type="slidenum">
-              <a:rPr lang="en-US" sz="2000" smtClean="0"/>
-              <a:t>5</a:t>
-            </a:fld>
-            <a:endParaRPr lang="en-US" sz="2000" dirty="0"/>
-          </a:p>
-        </p:txBody>
-      </p:sp>
-    </p:spTree>
-    <p:extLst>
-      <p:ext uri="{BB962C8B-B14F-4D97-AF65-F5344CB8AC3E}">
-        <p14:creationId xmlns:p14="http://schemas.microsoft.com/office/powerpoint/2010/main" val="2422886450"/>
-      </p:ext>
-    </p:extLst>
-  </p:cSld>
-  <p:clrMapOvr>
-    <a:masterClrMapping/>
-  </p:clrMapOvr>
-</p:sld>
-</file>
-
-<file path=ppt/slides/slide6.xml><?xml version="1.0" encoding="utf-8"?>
-<p:sld xmlns:a="http://schemas.openxmlformats.org/drawingml/2006/main" xmlns:r="http://schemas.openxmlformats.org/officeDocument/2006/relationships" xmlns:p="http://schemas.openxmlformats.org/presentationml/2006/main" showMasterSp="0">
-  <p:cSld>
-    <p:spTree>
-      <p:nvGrpSpPr>
-        <p:cNvPr id="1" name=""/>
-        <p:cNvGrpSpPr/>
-        <p:nvPr/>
-      </p:nvGrpSpPr>
-      <p:grpSpPr>
-        <a:xfrm>
-          <a:off x="0" y="0"/>
-          <a:ext cx="0" cy="0"/>
-          <a:chOff x="0" y="0"/>
-          <a:chExt cx="0" cy="0"/>
-        </a:xfrm>
-      </p:grpSpPr>
-      <p:sp>
-        <p:nvSpPr>
           <p:cNvPr id="6" name="Title 1"/>
           <p:cNvSpPr>
             <a:spLocks noGrp="1"/>
@@ -12165,7 +12033,7 @@
         </p:nvSpPr>
         <p:spPr>
           <a:xfrm>
-            <a:off x="743075" y="406400"/>
+            <a:off x="605616" y="406400"/>
             <a:ext cx="8596668" cy="1015280"/>
           </a:xfrm>
         </p:spPr>
@@ -12579,7 +12447,7 @@
           <a:p>
             <a:fld id="{66107F58-1174-4786-9E6A-C888AF396E87}" type="slidenum">
               <a:rPr lang="en-US" sz="2000" smtClean="0"/>
-              <a:t>6</a:t>
+              <a:t>5</a:t>
             </a:fld>
             <a:endParaRPr lang="en-US" sz="2000" dirty="0"/>
           </a:p>
@@ -12708,7 +12576,7 @@
 </p:sld>
 </file>
 
-<file path=ppt/slides/slide7.xml><?xml version="1.0" encoding="utf-8"?>
+<file path=ppt/slides/slide6.xml><?xml version="1.0" encoding="utf-8"?>
 <p:sld xmlns:a="http://schemas.openxmlformats.org/drawingml/2006/main" xmlns:r="http://schemas.openxmlformats.org/officeDocument/2006/relationships" xmlns:p="http://schemas.openxmlformats.org/presentationml/2006/main" showMasterSp="0">
   <p:cSld>
     <p:spTree>
@@ -12878,7 +12746,7 @@
           <a:p>
             <a:fld id="{66107F58-1174-4786-9E6A-C888AF396E87}" type="slidenum">
               <a:rPr lang="en-US" sz="2000" smtClean="0"/>
-              <a:t>7</a:t>
+              <a:t>6</a:t>
             </a:fld>
             <a:endParaRPr lang="en-US" sz="2000"/>
           </a:p>
@@ -13120,8 +12988,8 @@
           </p:style>
         </p:cxnSp>
       </p:grpSp>
-      <mc:AlternateContent xmlns:mc="http://schemas.openxmlformats.org/markup-compatibility/2006">
-        <mc:Choice xmlns:a14="http://schemas.microsoft.com/office/drawing/2010/main" Requires="a14">
+      <mc:AlternateContent xmlns:mc="http://schemas.openxmlformats.org/markup-compatibility/2006" xmlns:a14="http://schemas.microsoft.com/office/drawing/2010/main">
+        <mc:Choice Requires="a14">
           <p:sp>
             <p:nvSpPr>
               <p:cNvPr id="29" name="Content Placeholder 2"/>
@@ -13403,7 +13271,7 @@
                     <m:d>
                       <m:dPr>
                         <m:ctrlPr>
-                          <a:rPr lang="en-CA" sz="2400" b="0" i="0" smtClean="0">
+                          <a:rPr lang="en-CA" sz="2400" b="0" i="1" smtClean="0">
                             <a:latin typeface="Cambria Math" panose="02040503050406030204" pitchFamily="18" charset="0"/>
                           </a:rPr>
                         </m:ctrlPr>
@@ -13580,7 +13448,7 @@
             </p:txBody>
           </p:sp>
         </mc:Choice>
-        <mc:Fallback>
+        <mc:Fallback xmlns="">
           <p:sp>
             <p:nvSpPr>
               <p:cNvPr id="29" name="Content Placeholder 2"/>
@@ -14722,7 +14590,7 @@
 </p:sld>
 </file>
 
-<file path=ppt/slides/slide8.xml><?xml version="1.0" encoding="utf-8"?>
+<file path=ppt/slides/slide7.xml><?xml version="1.0" encoding="utf-8"?>
 <p:sld xmlns:a="http://schemas.openxmlformats.org/drawingml/2006/main" xmlns:r="http://schemas.openxmlformats.org/officeDocument/2006/relationships" xmlns:p="http://schemas.openxmlformats.org/presentationml/2006/main">
   <p:cSld>
     <p:spTree>
@@ -14771,14 +14639,31 @@
             <p:ph idx="1"/>
           </p:nvPr>
         </p:nvSpPr>
-        <p:spPr/>
-        <p:txBody>
-          <a:bodyPr/>
+        <p:spPr>
+          <a:xfrm>
+            <a:off x="469006" y="2772211"/>
+            <a:ext cx="7711657" cy="809113"/>
+          </a:xfrm>
+        </p:spPr>
+        <p:txBody>
+          <a:bodyPr>
+            <a:noAutofit/>
+          </a:bodyPr>
           <a:lstStyle/>
           <a:p>
             <a:r>
-              <a:rPr lang="en-CA" dirty="0"/>
-              <a:t>Find matches beyond or below size of n. </a:t>
+              <a:rPr lang="en-CA" sz="2400" dirty="0"/>
+              <a:t>Find matches beyond or below size of match(n):</a:t>
+            </a:r>
+          </a:p>
+          <a:p>
+            <a:pPr lvl="1">
+              <a:buFont typeface="Arial" panose="020B0604020202020204" pitchFamily="34" charset="0"/>
+              <a:buChar char="•"/>
+            </a:pPr>
+            <a:r>
+              <a:rPr lang="en-CA" sz="2200" dirty="0"/>
+              <a:t>Captures evolving source statistics  </a:t>
             </a:r>
           </a:p>
         </p:txBody>
@@ -14793,16 +14678,833 @@
             <p:ph type="sldNum" sz="quarter" idx="12"/>
           </p:nvPr>
         </p:nvSpPr>
-        <p:spPr/>
+        <p:spPr>
+          <a:xfrm>
+            <a:off x="10732971" y="6102322"/>
+            <a:ext cx="683339" cy="365125"/>
+          </a:xfrm>
+        </p:spPr>
         <p:txBody>
           <a:bodyPr/>
           <a:lstStyle/>
           <a:p>
             <a:fld id="{66107F58-1174-4786-9E6A-C888AF396E87}" type="slidenum">
-              <a:rPr lang="en-US" smtClean="0"/>
-              <a:t>8</a:t>
+              <a:rPr lang="en-US" sz="2000" smtClean="0"/>
+              <a:t>7</a:t>
             </a:fld>
-            <a:endParaRPr lang="en-US"/>
+            <a:endParaRPr lang="en-US" sz="2000" dirty="0"/>
+          </a:p>
+        </p:txBody>
+      </p:sp>
+      <p:sp>
+        <p:nvSpPr>
+          <p:cNvPr id="5" name="Content Placeholder 2"/>
+          <p:cNvSpPr txBox="1">
+            <a:spLocks/>
+          </p:cNvSpPr>
+          <p:nvPr/>
+        </p:nvSpPr>
+        <p:spPr>
+          <a:xfrm>
+            <a:off x="469006" y="1651369"/>
+            <a:ext cx="8352777" cy="1109248"/>
+          </a:xfrm>
+          <a:prstGeom prst="rect">
+            <a:avLst/>
+          </a:prstGeom>
+        </p:spPr>
+        <p:txBody>
+          <a:bodyPr vert="horz" lIns="91440" tIns="45720" rIns="91440" bIns="45720" rtlCol="0">
+            <a:noAutofit/>
+          </a:bodyPr>
+          <a:lstStyle>
+            <a:lvl1pPr marL="342900" indent="-342900" algn="l" defTabSz="457200" rtl="0" eaLnBrk="1" latinLnBrk="0" hangingPunct="1">
+              <a:spcBef>
+                <a:spcPts val="1000"/>
+              </a:spcBef>
+              <a:spcAft>
+                <a:spcPts val="0"/>
+              </a:spcAft>
+              <a:buClr>
+                <a:schemeClr val="accent1"/>
+              </a:buClr>
+              <a:buSzPct val="80000"/>
+              <a:buFont typeface="Wingdings 3" charset="2"/>
+              <a:buChar char=""/>
+              <a:defRPr sz="1800" kern="1200">
+                <a:solidFill>
+                  <a:schemeClr val="tx1">
+                    <a:lumMod val="75000"/>
+                    <a:lumOff val="25000"/>
+                  </a:schemeClr>
+                </a:solidFill>
+                <a:latin typeface="+mn-lt"/>
+                <a:ea typeface="+mn-ea"/>
+                <a:cs typeface="+mn-cs"/>
+              </a:defRPr>
+            </a:lvl1pPr>
+            <a:lvl2pPr marL="742950" indent="-285750" algn="l" defTabSz="457200" rtl="0" eaLnBrk="1" latinLnBrk="0" hangingPunct="1">
+              <a:spcBef>
+                <a:spcPts val="1000"/>
+              </a:spcBef>
+              <a:spcAft>
+                <a:spcPts val="0"/>
+              </a:spcAft>
+              <a:buClr>
+                <a:schemeClr val="accent1"/>
+              </a:buClr>
+              <a:buSzPct val="80000"/>
+              <a:buFont typeface="Wingdings 3" charset="2"/>
+              <a:buChar char=""/>
+              <a:defRPr sz="1600" kern="1200">
+                <a:solidFill>
+                  <a:schemeClr val="tx1">
+                    <a:lumMod val="75000"/>
+                    <a:lumOff val="25000"/>
+                  </a:schemeClr>
+                </a:solidFill>
+                <a:latin typeface="+mn-lt"/>
+                <a:ea typeface="+mn-ea"/>
+                <a:cs typeface="+mn-cs"/>
+              </a:defRPr>
+            </a:lvl2pPr>
+            <a:lvl3pPr marL="1143000" indent="-228600" algn="l" defTabSz="457200" rtl="0" eaLnBrk="1" latinLnBrk="0" hangingPunct="1">
+              <a:spcBef>
+                <a:spcPts val="1000"/>
+              </a:spcBef>
+              <a:spcAft>
+                <a:spcPts val="0"/>
+              </a:spcAft>
+              <a:buClr>
+                <a:schemeClr val="accent1"/>
+              </a:buClr>
+              <a:buSzPct val="80000"/>
+              <a:buFont typeface="Wingdings 3" charset="2"/>
+              <a:buChar char=""/>
+              <a:defRPr sz="1400" kern="1200">
+                <a:solidFill>
+                  <a:schemeClr val="tx1">
+                    <a:lumMod val="75000"/>
+                    <a:lumOff val="25000"/>
+                  </a:schemeClr>
+                </a:solidFill>
+                <a:latin typeface="+mn-lt"/>
+                <a:ea typeface="+mn-ea"/>
+                <a:cs typeface="+mn-cs"/>
+              </a:defRPr>
+            </a:lvl3pPr>
+            <a:lvl4pPr marL="1600200" indent="-228600" algn="l" defTabSz="457200" rtl="0" eaLnBrk="1" latinLnBrk="0" hangingPunct="1">
+              <a:spcBef>
+                <a:spcPts val="1000"/>
+              </a:spcBef>
+              <a:spcAft>
+                <a:spcPts val="0"/>
+              </a:spcAft>
+              <a:buClr>
+                <a:schemeClr val="accent1"/>
+              </a:buClr>
+              <a:buSzPct val="80000"/>
+              <a:buFont typeface="Wingdings 3" charset="2"/>
+              <a:buChar char=""/>
+              <a:defRPr sz="1200" kern="1200">
+                <a:solidFill>
+                  <a:schemeClr val="tx1">
+                    <a:lumMod val="75000"/>
+                    <a:lumOff val="25000"/>
+                  </a:schemeClr>
+                </a:solidFill>
+                <a:latin typeface="+mn-lt"/>
+                <a:ea typeface="+mn-ea"/>
+                <a:cs typeface="+mn-cs"/>
+              </a:defRPr>
+            </a:lvl4pPr>
+            <a:lvl5pPr marL="2057400" indent="-228600" algn="l" defTabSz="457200" rtl="0" eaLnBrk="1" latinLnBrk="0" hangingPunct="1">
+              <a:spcBef>
+                <a:spcPts val="1000"/>
+              </a:spcBef>
+              <a:spcAft>
+                <a:spcPts val="0"/>
+              </a:spcAft>
+              <a:buClr>
+                <a:schemeClr val="accent1"/>
+              </a:buClr>
+              <a:buSzPct val="80000"/>
+              <a:buFont typeface="Wingdings 3" charset="2"/>
+              <a:buChar char=""/>
+              <a:defRPr sz="1200" kern="1200">
+                <a:solidFill>
+                  <a:schemeClr val="tx1">
+                    <a:lumMod val="75000"/>
+                    <a:lumOff val="25000"/>
+                  </a:schemeClr>
+                </a:solidFill>
+                <a:latin typeface="+mn-lt"/>
+                <a:ea typeface="+mn-ea"/>
+                <a:cs typeface="+mn-cs"/>
+              </a:defRPr>
+            </a:lvl5pPr>
+            <a:lvl6pPr marL="2514600" indent="-228600" algn="l" defTabSz="457200" rtl="0" eaLnBrk="1" latinLnBrk="0" hangingPunct="1">
+              <a:spcBef>
+                <a:spcPts val="1000"/>
+              </a:spcBef>
+              <a:spcAft>
+                <a:spcPts val="0"/>
+              </a:spcAft>
+              <a:buClr>
+                <a:schemeClr val="accent1"/>
+              </a:buClr>
+              <a:buSzPct val="80000"/>
+              <a:buFont typeface="Wingdings 3" charset="2"/>
+              <a:buChar char=""/>
+              <a:defRPr sz="1200" kern="1200">
+                <a:solidFill>
+                  <a:schemeClr val="tx1">
+                    <a:lumMod val="75000"/>
+                    <a:lumOff val="25000"/>
+                  </a:schemeClr>
+                </a:solidFill>
+                <a:latin typeface="+mn-lt"/>
+                <a:ea typeface="+mn-ea"/>
+                <a:cs typeface="+mn-cs"/>
+              </a:defRPr>
+            </a:lvl6pPr>
+            <a:lvl7pPr marL="2971800" indent="-228600" algn="l" defTabSz="457200" rtl="0" eaLnBrk="1" latinLnBrk="0" hangingPunct="1">
+              <a:spcBef>
+                <a:spcPts val="1000"/>
+              </a:spcBef>
+              <a:spcAft>
+                <a:spcPts val="0"/>
+              </a:spcAft>
+              <a:buClr>
+                <a:schemeClr val="accent1"/>
+              </a:buClr>
+              <a:buSzPct val="80000"/>
+              <a:buFont typeface="Wingdings 3" charset="2"/>
+              <a:buChar char=""/>
+              <a:defRPr sz="1200" kern="1200">
+                <a:solidFill>
+                  <a:schemeClr val="tx1">
+                    <a:lumMod val="75000"/>
+                    <a:lumOff val="25000"/>
+                  </a:schemeClr>
+                </a:solidFill>
+                <a:latin typeface="+mn-lt"/>
+                <a:ea typeface="+mn-ea"/>
+                <a:cs typeface="+mn-cs"/>
+              </a:defRPr>
+            </a:lvl7pPr>
+            <a:lvl8pPr marL="3429000" indent="-228600" algn="l" defTabSz="457200" rtl="0" eaLnBrk="1" latinLnBrk="0" hangingPunct="1">
+              <a:spcBef>
+                <a:spcPts val="1000"/>
+              </a:spcBef>
+              <a:spcAft>
+                <a:spcPts val="0"/>
+              </a:spcAft>
+              <a:buClr>
+                <a:schemeClr val="accent1"/>
+              </a:buClr>
+              <a:buSzPct val="80000"/>
+              <a:buFont typeface="Wingdings 3" charset="2"/>
+              <a:buChar char=""/>
+              <a:defRPr sz="1200" kern="1200">
+                <a:solidFill>
+                  <a:schemeClr val="tx1">
+                    <a:lumMod val="75000"/>
+                    <a:lumOff val="25000"/>
+                  </a:schemeClr>
+                </a:solidFill>
+                <a:latin typeface="+mn-lt"/>
+                <a:ea typeface="+mn-ea"/>
+                <a:cs typeface="+mn-cs"/>
+              </a:defRPr>
+            </a:lvl8pPr>
+            <a:lvl9pPr marL="3886200" indent="-228600" algn="l" defTabSz="457200" rtl="0" eaLnBrk="1" latinLnBrk="0" hangingPunct="1">
+              <a:spcBef>
+                <a:spcPts val="1000"/>
+              </a:spcBef>
+              <a:spcAft>
+                <a:spcPts val="0"/>
+              </a:spcAft>
+              <a:buClr>
+                <a:schemeClr val="accent1"/>
+              </a:buClr>
+              <a:buSzPct val="80000"/>
+              <a:buFont typeface="Wingdings 3" charset="2"/>
+              <a:buChar char=""/>
+              <a:defRPr sz="1200" kern="1200">
+                <a:solidFill>
+                  <a:schemeClr val="tx1">
+                    <a:lumMod val="75000"/>
+                    <a:lumOff val="25000"/>
+                  </a:schemeClr>
+                </a:solidFill>
+                <a:latin typeface="+mn-lt"/>
+                <a:ea typeface="+mn-ea"/>
+                <a:cs typeface="+mn-cs"/>
+              </a:defRPr>
+            </a:lvl9pPr>
+          </a:lstStyle>
+          <a:p>
+            <a:r>
+              <a:rPr lang="en-CA" sz="2400" dirty="0"/>
+              <a:t>Sliding window implementation extended from version 3 implementation </a:t>
+            </a:r>
+            <a:endParaRPr lang="en-CA" sz="2200" dirty="0"/>
+          </a:p>
+        </p:txBody>
+      </p:sp>
+      <p:sp>
+        <p:nvSpPr>
+          <p:cNvPr id="6" name="TextBox 5"/>
+          <p:cNvSpPr txBox="1"/>
+          <p:nvPr/>
+        </p:nvSpPr>
+        <p:spPr>
+          <a:xfrm>
+            <a:off x="2058309" y="4493212"/>
+            <a:ext cx="7281644" cy="369332"/>
+          </a:xfrm>
+          <a:prstGeom prst="rect">
+            <a:avLst/>
+          </a:prstGeom>
+          <a:noFill/>
+        </p:spPr>
+        <p:txBody>
+          <a:bodyPr wrap="square" rtlCol="0">
+            <a:spAutoFit/>
+          </a:bodyPr>
+          <a:lstStyle/>
+          <a:p>
+            <a:r>
+              <a:rPr lang="en-CA" dirty="0"/>
+              <a:t>0 0 0 1 0 1 1 0 1 0 1 1 1 0 1 1 0 0 0 1 0 1 1 0 0 1 0 1 1 0 1 1 1 </a:t>
+            </a:r>
+          </a:p>
+        </p:txBody>
+      </p:sp>
+      <p:sp>
+        <p:nvSpPr>
+          <p:cNvPr id="7" name="Rectangle 6"/>
+          <p:cNvSpPr/>
+          <p:nvPr/>
+        </p:nvSpPr>
+        <p:spPr>
+          <a:xfrm>
+            <a:off x="2471835" y="4367566"/>
+            <a:ext cx="4018328" cy="604008"/>
+          </a:xfrm>
+          <a:prstGeom prst="rect">
+            <a:avLst/>
+          </a:prstGeom>
+          <a:noFill/>
+        </p:spPr>
+        <p:style>
+          <a:lnRef idx="2">
+            <a:schemeClr val="accent1">
+              <a:shade val="50000"/>
+            </a:schemeClr>
+          </a:lnRef>
+          <a:fillRef idx="1">
+            <a:schemeClr val="accent1"/>
+          </a:fillRef>
+          <a:effectRef idx="0">
+            <a:schemeClr val="accent1"/>
+          </a:effectRef>
+          <a:fontRef idx="minor">
+            <a:schemeClr val="lt1"/>
+          </a:fontRef>
+        </p:style>
+        <p:txBody>
+          <a:bodyPr rtlCol="0" anchor="ctr"/>
+          <a:lstStyle/>
+          <a:p>
+            <a:pPr algn="ctr"/>
+            <a:endParaRPr lang="en-CA" dirty="0"/>
+          </a:p>
+        </p:txBody>
+      </p:sp>
+      <p:grpSp>
+        <p:nvGrpSpPr>
+          <p:cNvPr id="8" name="Group 7"/>
+          <p:cNvGrpSpPr/>
+          <p:nvPr/>
+        </p:nvGrpSpPr>
+        <p:grpSpPr>
+          <a:xfrm>
+            <a:off x="3166622" y="4761822"/>
+            <a:ext cx="4379757" cy="318782"/>
+            <a:chOff x="2583809" y="3204594"/>
+            <a:chExt cx="3280096" cy="318782"/>
+          </a:xfrm>
+        </p:grpSpPr>
+        <p:cxnSp>
+          <p:nvCxnSpPr>
+            <p:cNvPr id="9" name="Straight Arrow Connector 8"/>
+            <p:cNvCxnSpPr/>
+            <p:nvPr/>
+          </p:nvCxnSpPr>
+          <p:spPr>
+            <a:xfrm flipV="1">
+              <a:off x="2583809" y="3204594"/>
+              <a:ext cx="0" cy="318782"/>
+            </a:xfrm>
+            <a:prstGeom prst="straightConnector1">
+              <a:avLst/>
+            </a:prstGeom>
+            <a:ln w="9525">
+              <a:solidFill>
+                <a:srgbClr val="FF0000"/>
+              </a:solidFill>
+              <a:tailEnd type="triangle"/>
+            </a:ln>
+          </p:spPr>
+          <p:style>
+            <a:lnRef idx="1">
+              <a:schemeClr val="accent1"/>
+            </a:lnRef>
+            <a:fillRef idx="0">
+              <a:schemeClr val="accent1"/>
+            </a:fillRef>
+            <a:effectRef idx="0">
+              <a:schemeClr val="accent1"/>
+            </a:effectRef>
+            <a:fontRef idx="minor">
+              <a:schemeClr val="tx1"/>
+            </a:fontRef>
+          </p:style>
+        </p:cxnSp>
+        <p:sp>
+          <p:nvSpPr>
+            <p:cNvPr id="10" name="Right Bracket 9"/>
+            <p:cNvSpPr/>
+            <p:nvPr/>
+          </p:nvSpPr>
+          <p:spPr>
+            <a:xfrm rot="5400000">
+              <a:off x="5728557" y="3169969"/>
+              <a:ext cx="50277" cy="220418"/>
+            </a:xfrm>
+            <a:prstGeom prst="rightBracket">
+              <a:avLst/>
+            </a:prstGeom>
+            <a:ln>
+              <a:solidFill>
+                <a:srgbClr val="FF0000"/>
+              </a:solidFill>
+            </a:ln>
+          </p:spPr>
+          <p:style>
+            <a:lnRef idx="1">
+              <a:schemeClr val="accent1"/>
+            </a:lnRef>
+            <a:fillRef idx="0">
+              <a:schemeClr val="accent1"/>
+            </a:fillRef>
+            <a:effectRef idx="0">
+              <a:schemeClr val="accent1"/>
+            </a:effectRef>
+            <a:fontRef idx="minor">
+              <a:schemeClr val="tx1"/>
+            </a:fontRef>
+          </p:style>
+          <p:txBody>
+            <a:bodyPr rtlCol="0" anchor="ctr"/>
+            <a:lstStyle/>
+            <a:p>
+              <a:pPr algn="ctr"/>
+              <a:endParaRPr lang="en-CA"/>
+            </a:p>
+          </p:txBody>
+        </p:sp>
+        <p:cxnSp>
+          <p:nvCxnSpPr>
+            <p:cNvPr id="11" name="Straight Connector 10"/>
+            <p:cNvCxnSpPr/>
+            <p:nvPr/>
+          </p:nvCxnSpPr>
+          <p:spPr>
+            <a:xfrm>
+              <a:off x="2583809" y="3523376"/>
+              <a:ext cx="3140371" cy="0"/>
+            </a:xfrm>
+            <a:prstGeom prst="line">
+              <a:avLst/>
+            </a:prstGeom>
+            <a:ln>
+              <a:solidFill>
+                <a:srgbClr val="FF0000"/>
+              </a:solidFill>
+            </a:ln>
+          </p:spPr>
+          <p:style>
+            <a:lnRef idx="1">
+              <a:schemeClr val="accent1"/>
+            </a:lnRef>
+            <a:fillRef idx="0">
+              <a:schemeClr val="accent1"/>
+            </a:fillRef>
+            <a:effectRef idx="0">
+              <a:schemeClr val="accent1"/>
+            </a:effectRef>
+            <a:fontRef idx="minor">
+              <a:schemeClr val="tx1"/>
+            </a:fontRef>
+          </p:style>
+        </p:cxnSp>
+        <p:cxnSp>
+          <p:nvCxnSpPr>
+            <p:cNvPr id="12" name="Straight Connector 11"/>
+            <p:cNvCxnSpPr>
+              <a:stCxn id="10" idx="2"/>
+            </p:cNvCxnSpPr>
+            <p:nvPr/>
+          </p:nvCxnSpPr>
+          <p:spPr>
+            <a:xfrm flipH="1">
+              <a:off x="5724180" y="3305317"/>
+              <a:ext cx="29516" cy="218059"/>
+            </a:xfrm>
+            <a:prstGeom prst="line">
+              <a:avLst/>
+            </a:prstGeom>
+            <a:ln>
+              <a:solidFill>
+                <a:srgbClr val="FF0000"/>
+              </a:solidFill>
+            </a:ln>
+          </p:spPr>
+          <p:style>
+            <a:lnRef idx="1">
+              <a:schemeClr val="accent1"/>
+            </a:lnRef>
+            <a:fillRef idx="0">
+              <a:schemeClr val="accent1"/>
+            </a:fillRef>
+            <a:effectRef idx="0">
+              <a:schemeClr val="accent1"/>
+            </a:effectRef>
+            <a:fontRef idx="minor">
+              <a:schemeClr val="tx1"/>
+            </a:fontRef>
+          </p:style>
+        </p:cxnSp>
+      </p:grpSp>
+      <p:grpSp>
+        <p:nvGrpSpPr>
+          <p:cNvPr id="16" name="Group 15"/>
+          <p:cNvGrpSpPr/>
+          <p:nvPr/>
+        </p:nvGrpSpPr>
+        <p:grpSpPr>
+          <a:xfrm>
+            <a:off x="2551877" y="4708551"/>
+            <a:ext cx="4660777" cy="318782"/>
+            <a:chOff x="2583809" y="3204594"/>
+            <a:chExt cx="3490558" cy="318782"/>
+          </a:xfrm>
+        </p:grpSpPr>
+        <p:cxnSp>
+          <p:nvCxnSpPr>
+            <p:cNvPr id="17" name="Straight Arrow Connector 16"/>
+            <p:cNvCxnSpPr/>
+            <p:nvPr/>
+          </p:nvCxnSpPr>
+          <p:spPr>
+            <a:xfrm flipV="1">
+              <a:off x="2583809" y="3204594"/>
+              <a:ext cx="0" cy="318782"/>
+            </a:xfrm>
+            <a:prstGeom prst="straightConnector1">
+              <a:avLst/>
+            </a:prstGeom>
+            <a:ln w="9525">
+              <a:solidFill>
+                <a:srgbClr val="FF0000"/>
+              </a:solidFill>
+              <a:tailEnd type="triangle"/>
+            </a:ln>
+          </p:spPr>
+          <p:style>
+            <a:lnRef idx="1">
+              <a:schemeClr val="accent1"/>
+            </a:lnRef>
+            <a:fillRef idx="0">
+              <a:schemeClr val="accent1"/>
+            </a:fillRef>
+            <a:effectRef idx="0">
+              <a:schemeClr val="accent1"/>
+            </a:effectRef>
+            <a:fontRef idx="minor">
+              <a:schemeClr val="tx1"/>
+            </a:fontRef>
+          </p:style>
+        </p:cxnSp>
+        <p:sp>
+          <p:nvSpPr>
+            <p:cNvPr id="18" name="Right Bracket 17"/>
+            <p:cNvSpPr/>
+            <p:nvPr/>
+          </p:nvSpPr>
+          <p:spPr>
+            <a:xfrm rot="5400000">
+              <a:off x="5800205" y="3098321"/>
+              <a:ext cx="117444" cy="430880"/>
+            </a:xfrm>
+            <a:prstGeom prst="rightBracket">
+              <a:avLst/>
+            </a:prstGeom>
+            <a:ln>
+              <a:solidFill>
+                <a:srgbClr val="FF0000"/>
+              </a:solidFill>
+            </a:ln>
+          </p:spPr>
+          <p:style>
+            <a:lnRef idx="1">
+              <a:schemeClr val="accent1"/>
+            </a:lnRef>
+            <a:fillRef idx="0">
+              <a:schemeClr val="accent1"/>
+            </a:fillRef>
+            <a:effectRef idx="0">
+              <a:schemeClr val="accent1"/>
+            </a:effectRef>
+            <a:fontRef idx="minor">
+              <a:schemeClr val="tx1"/>
+            </a:fontRef>
+          </p:style>
+          <p:txBody>
+            <a:bodyPr rtlCol="0" anchor="ctr"/>
+            <a:lstStyle/>
+            <a:p>
+              <a:pPr algn="ctr"/>
+              <a:endParaRPr lang="en-CA"/>
+            </a:p>
+          </p:txBody>
+        </p:sp>
+        <p:cxnSp>
+          <p:nvCxnSpPr>
+            <p:cNvPr id="19" name="Straight Connector 18"/>
+            <p:cNvCxnSpPr/>
+            <p:nvPr/>
+          </p:nvCxnSpPr>
+          <p:spPr>
+            <a:xfrm>
+              <a:off x="2583809" y="3523376"/>
+              <a:ext cx="3280096" cy="0"/>
+            </a:xfrm>
+            <a:prstGeom prst="line">
+              <a:avLst/>
+            </a:prstGeom>
+            <a:ln>
+              <a:solidFill>
+                <a:srgbClr val="FF0000"/>
+              </a:solidFill>
+            </a:ln>
+          </p:spPr>
+          <p:style>
+            <a:lnRef idx="1">
+              <a:schemeClr val="accent1"/>
+            </a:lnRef>
+            <a:fillRef idx="0">
+              <a:schemeClr val="accent1"/>
+            </a:fillRef>
+            <a:effectRef idx="0">
+              <a:schemeClr val="accent1"/>
+            </a:effectRef>
+            <a:fontRef idx="minor">
+              <a:schemeClr val="tx1"/>
+            </a:fontRef>
+          </p:style>
+        </p:cxnSp>
+        <p:cxnSp>
+          <p:nvCxnSpPr>
+            <p:cNvPr id="20" name="Straight Connector 19"/>
+            <p:cNvCxnSpPr>
+              <a:stCxn id="18" idx="2"/>
+            </p:cNvCxnSpPr>
+            <p:nvPr/>
+          </p:nvCxnSpPr>
+          <p:spPr>
+            <a:xfrm>
+              <a:off x="5858927" y="3372483"/>
+              <a:ext cx="4979" cy="150893"/>
+            </a:xfrm>
+            <a:prstGeom prst="line">
+              <a:avLst/>
+            </a:prstGeom>
+            <a:ln>
+              <a:solidFill>
+                <a:srgbClr val="FF0000"/>
+              </a:solidFill>
+            </a:ln>
+          </p:spPr>
+          <p:style>
+            <a:lnRef idx="1">
+              <a:schemeClr val="accent1"/>
+            </a:lnRef>
+            <a:fillRef idx="0">
+              <a:schemeClr val="accent1"/>
+            </a:fillRef>
+            <a:effectRef idx="0">
+              <a:schemeClr val="accent1"/>
+            </a:effectRef>
+            <a:fontRef idx="minor">
+              <a:schemeClr val="tx1"/>
+            </a:fontRef>
+          </p:style>
+        </p:cxnSp>
+      </p:grpSp>
+      <p:cxnSp>
+        <p:nvCxnSpPr>
+          <p:cNvPr id="14" name="Straight Arrow Connector 13"/>
+          <p:cNvCxnSpPr/>
+          <p:nvPr/>
+        </p:nvCxnSpPr>
+        <p:spPr>
+          <a:xfrm flipV="1">
+            <a:off x="6931634" y="5184559"/>
+            <a:ext cx="0" cy="355107"/>
+          </a:xfrm>
+          <a:prstGeom prst="straightConnector1">
+            <a:avLst/>
+          </a:prstGeom>
+          <a:ln>
+            <a:tailEnd type="triangle"/>
+          </a:ln>
+        </p:spPr>
+        <p:style>
+          <a:lnRef idx="1">
+            <a:schemeClr val="accent1"/>
+          </a:lnRef>
+          <a:fillRef idx="0">
+            <a:schemeClr val="accent1"/>
+          </a:fillRef>
+          <a:effectRef idx="0">
+            <a:schemeClr val="accent1"/>
+          </a:effectRef>
+          <a:fontRef idx="minor">
+            <a:schemeClr val="tx1"/>
+          </a:fontRef>
+        </p:style>
+      </p:cxnSp>
+      <p:cxnSp>
+        <p:nvCxnSpPr>
+          <p:cNvPr id="21" name="Straight Arrow Connector 20"/>
+          <p:cNvCxnSpPr/>
+          <p:nvPr/>
+        </p:nvCxnSpPr>
+        <p:spPr>
+          <a:xfrm flipH="1" flipV="1">
+            <a:off x="7379516" y="5191292"/>
+            <a:ext cx="406482" cy="260625"/>
+          </a:xfrm>
+          <a:prstGeom prst="straightConnector1">
+            <a:avLst/>
+          </a:prstGeom>
+          <a:ln>
+            <a:tailEnd type="triangle"/>
+          </a:ln>
+        </p:spPr>
+        <p:style>
+          <a:lnRef idx="1">
+            <a:schemeClr val="accent1"/>
+          </a:lnRef>
+          <a:fillRef idx="0">
+            <a:schemeClr val="accent1"/>
+          </a:fillRef>
+          <a:effectRef idx="0">
+            <a:schemeClr val="accent1"/>
+          </a:effectRef>
+          <a:fontRef idx="minor">
+            <a:schemeClr val="tx1"/>
+          </a:fontRef>
+        </p:style>
+      </p:cxnSp>
+      <p:sp>
+        <p:nvSpPr>
+          <p:cNvPr id="24" name="TextBox 23"/>
+          <p:cNvSpPr txBox="1"/>
+          <p:nvPr/>
+        </p:nvSpPr>
+        <p:spPr>
+          <a:xfrm>
+            <a:off x="6110674" y="5539666"/>
+            <a:ext cx="1410963" cy="369332"/>
+          </a:xfrm>
+          <a:prstGeom prst="rect">
+            <a:avLst/>
+          </a:prstGeom>
+          <a:noFill/>
+        </p:spPr>
+        <p:txBody>
+          <a:bodyPr wrap="square" rtlCol="0">
+            <a:spAutoFit/>
+          </a:bodyPr>
+          <a:lstStyle/>
+          <a:p>
+            <a:r>
+              <a:rPr lang="en-CA" dirty="0"/>
+              <a:t>length = 3</a:t>
+            </a:r>
+          </a:p>
+        </p:txBody>
+      </p:sp>
+      <p:sp>
+        <p:nvSpPr>
+          <p:cNvPr id="25" name="TextBox 24"/>
+          <p:cNvSpPr txBox="1"/>
+          <p:nvPr/>
+        </p:nvSpPr>
+        <p:spPr>
+          <a:xfrm>
+            <a:off x="7475181" y="5519333"/>
+            <a:ext cx="1410963" cy="369332"/>
+          </a:xfrm>
+          <a:prstGeom prst="rect">
+            <a:avLst/>
+          </a:prstGeom>
+          <a:noFill/>
+        </p:spPr>
+        <p:txBody>
+          <a:bodyPr wrap="square" rtlCol="0">
+            <a:spAutoFit/>
+          </a:bodyPr>
+          <a:lstStyle/>
+          <a:p>
+            <a:r>
+              <a:rPr lang="en-CA" dirty="0"/>
+              <a:t>length = 2</a:t>
+            </a:r>
+          </a:p>
+        </p:txBody>
+      </p:sp>
+      <p:sp>
+        <p:nvSpPr>
+          <p:cNvPr id="26" name="TextBox 25"/>
+          <p:cNvSpPr txBox="1"/>
+          <p:nvPr/>
+        </p:nvSpPr>
+        <p:spPr>
+          <a:xfrm>
+            <a:off x="1580225" y="5996747"/>
+            <a:ext cx="5459871" cy="371312"/>
+          </a:xfrm>
+          <a:prstGeom prst="rect">
+            <a:avLst/>
+          </a:prstGeom>
+          <a:noFill/>
+        </p:spPr>
+        <p:txBody>
+          <a:bodyPr wrap="square" rtlCol="0">
+            <a:spAutoFit/>
+          </a:bodyPr>
+          <a:lstStyle/>
+          <a:p>
+            <a:r>
+              <a:rPr lang="en-CA" dirty="0"/>
+              <a:t>Encode codeword to : [Flag, Pointer, Length] </a:t>
+            </a:r>
           </a:p>
         </p:txBody>
       </p:sp>
@@ -14819,7 +15521,7 @@
 </p:sld>
 </file>
 
-<file path=ppt/slides/slide9.xml><?xml version="1.0" encoding="utf-8"?>
+<file path=ppt/slides/slide8.xml><?xml version="1.0" encoding="utf-8"?>
 <p:sld xmlns:a="http://schemas.openxmlformats.org/drawingml/2006/main" xmlns:r="http://schemas.openxmlformats.org/officeDocument/2006/relationships" xmlns:p="http://schemas.openxmlformats.org/presentationml/2006/main">
   <p:cSld>
     <p:spTree>
@@ -14984,7 +15686,7 @@
           <a:p>
             <a:fld id="{66107F58-1174-4786-9E6A-C888AF396E87}" type="slidenum">
               <a:rPr lang="en-US" sz="2000" smtClean="0"/>
-              <a:t>9</a:t>
+              <a:t>8</a:t>
             </a:fld>
             <a:endParaRPr lang="en-US" sz="2000" dirty="0"/>
           </a:p>
@@ -14998,7 +15700,7 @@
         </p:nvSpPr>
         <p:spPr>
           <a:xfrm>
-            <a:off x="2112887" y="2228296"/>
+            <a:off x="1999197" y="1687652"/>
             <a:ext cx="2041864" cy="1384916"/>
           </a:xfrm>
           <a:prstGeom prst="rect">
@@ -15041,7 +15743,7 @@
         </p:nvSpPr>
         <p:spPr>
           <a:xfrm>
-            <a:off x="6846162" y="2228296"/>
+            <a:off x="6732472" y="1687652"/>
             <a:ext cx="2108244" cy="1384916"/>
           </a:xfrm>
           <a:prstGeom prst="rect">
@@ -15087,7 +15789,7 @@
         </p:nvCxnSpPr>
         <p:spPr>
           <a:xfrm>
-            <a:off x="4154751" y="2920754"/>
+            <a:off x="4041061" y="2380110"/>
             <a:ext cx="2691411" cy="0"/>
           </a:xfrm>
           <a:prstGeom prst="straightConnector1">
@@ -15120,7 +15822,7 @@
         </p:nvSpPr>
         <p:spPr>
           <a:xfrm>
-            <a:off x="4502358" y="2618913"/>
+            <a:off x="4388668" y="2078269"/>
             <a:ext cx="2478348" cy="369332"/>
           </a:xfrm>
           <a:prstGeom prst="rect">
@@ -15151,7 +15853,7 @@
         </p:nvCxnSpPr>
         <p:spPr>
           <a:xfrm>
-            <a:off x="239697" y="2920754"/>
+            <a:off x="126007" y="2380110"/>
             <a:ext cx="1873190" cy="0"/>
           </a:xfrm>
           <a:prstGeom prst="straightConnector1">
@@ -15184,7 +15886,7 @@
         </p:nvSpPr>
         <p:spPr>
           <a:xfrm>
-            <a:off x="239697" y="2484398"/>
+            <a:off x="126007" y="1943754"/>
             <a:ext cx="2041864" cy="369332"/>
           </a:xfrm>
           <a:prstGeom prst="rect">
@@ -15213,7 +15915,7 @@
         </p:nvSpPr>
         <p:spPr>
           <a:xfrm>
-            <a:off x="8992943" y="2551422"/>
+            <a:off x="8879253" y="2010778"/>
             <a:ext cx="3312747" cy="369332"/>
           </a:xfrm>
           <a:prstGeom prst="rect">
@@ -15242,7 +15944,7 @@
         </p:nvCxnSpPr>
         <p:spPr>
           <a:xfrm>
-            <a:off x="8954406" y="2920754"/>
+            <a:off x="8840716" y="2380110"/>
             <a:ext cx="2889190" cy="0"/>
           </a:xfrm>
           <a:prstGeom prst="straightConnector1">
@@ -15267,10 +15969,646 @@
           </a:fontRef>
         </p:style>
       </p:cxnSp>
+      <p:pic>
+        <p:nvPicPr>
+          <p:cNvPr id="4" name="Picture 3"/>
+          <p:cNvPicPr>
+            <a:picLocks noChangeAspect="1"/>
+          </p:cNvPicPr>
+          <p:nvPr/>
+        </p:nvPicPr>
+        <p:blipFill>
+          <a:blip r:embed="rId3">
+            <a:extLst>
+              <a:ext uri="{28A0092B-C50C-407E-A947-70E740481C1C}">
+                <a14:useLocalDpi xmlns:a14="http://schemas.microsoft.com/office/drawing/2010/main" val="0"/>
+              </a:ext>
+            </a:extLst>
+          </a:blip>
+          <a:stretch>
+            <a:fillRect/>
+          </a:stretch>
+        </p:blipFill>
+        <p:spPr>
+          <a:xfrm>
+            <a:off x="914746" y="3520854"/>
+            <a:ext cx="4060921" cy="3045691"/>
+          </a:xfrm>
+          <a:prstGeom prst="rect">
+            <a:avLst/>
+          </a:prstGeom>
+        </p:spPr>
+      </p:pic>
+      <p:pic>
+        <p:nvPicPr>
+          <p:cNvPr id="5" name="Picture 4"/>
+          <p:cNvPicPr>
+            <a:picLocks noChangeAspect="1"/>
+          </p:cNvPicPr>
+          <p:nvPr/>
+        </p:nvPicPr>
+        <p:blipFill>
+          <a:blip r:embed="rId4">
+            <a:extLst>
+              <a:ext uri="{28A0092B-C50C-407E-A947-70E740481C1C}">
+                <a14:useLocalDpi xmlns:a14="http://schemas.microsoft.com/office/drawing/2010/main" val="0"/>
+              </a:ext>
+            </a:extLst>
+          </a:blip>
+          <a:stretch>
+            <a:fillRect/>
+          </a:stretch>
+        </p:blipFill>
+        <p:spPr>
+          <a:xfrm>
+            <a:off x="5959365" y="3522278"/>
+            <a:ext cx="4060921" cy="3045691"/>
+          </a:xfrm>
+          <a:prstGeom prst="rect">
+            <a:avLst/>
+          </a:prstGeom>
+        </p:spPr>
+      </p:pic>
     </p:spTree>
     <p:extLst>
       <p:ext uri="{BB962C8B-B14F-4D97-AF65-F5344CB8AC3E}">
         <p14:creationId xmlns:p14="http://schemas.microsoft.com/office/powerpoint/2010/main" val="908139826"/>
+      </p:ext>
+    </p:extLst>
+  </p:cSld>
+  <p:clrMapOvr>
+    <a:masterClrMapping/>
+  </p:clrMapOvr>
+</p:sld>
+</file>
+
+<file path=ppt/slides/slide9.xml><?xml version="1.0" encoding="utf-8"?>
+<p:sld xmlns:a="http://schemas.openxmlformats.org/drawingml/2006/main" xmlns:r="http://schemas.openxmlformats.org/officeDocument/2006/relationships" xmlns:p="http://schemas.openxmlformats.org/presentationml/2006/main">
+  <p:cSld>
+    <p:spTree>
+      <p:nvGrpSpPr>
+        <p:cNvPr id="1" name=""/>
+        <p:cNvGrpSpPr/>
+        <p:nvPr/>
+      </p:nvGrpSpPr>
+      <p:grpSpPr>
+        <a:xfrm>
+          <a:off x="0" y="0"/>
+          <a:ext cx="0" cy="0"/>
+          <a:chOff x="0" y="0"/>
+          <a:chExt cx="0" cy="0"/>
+        </a:xfrm>
+      </p:grpSpPr>
+      <p:sp>
+        <p:nvSpPr>
+          <p:cNvPr id="2" name="Title 1"/>
+          <p:cNvSpPr>
+            <a:spLocks noGrp="1"/>
+          </p:cNvSpPr>
+          <p:nvPr>
+            <p:ph type="title"/>
+          </p:nvPr>
+        </p:nvSpPr>
+        <p:spPr>
+          <a:xfrm>
+            <a:off x="443418" y="256325"/>
+            <a:ext cx="8596668" cy="1320800"/>
+          </a:xfrm>
+        </p:spPr>
+        <p:txBody>
+          <a:bodyPr/>
+          <a:lstStyle/>
+          <a:p>
+            <a:r>
+              <a:rPr lang="en-CA" dirty="0"/>
+              <a:t>Testing Results </a:t>
+            </a:r>
+          </a:p>
+        </p:txBody>
+      </p:sp>
+      <p:sp>
+        <p:nvSpPr>
+          <p:cNvPr id="3" name="Content Placeholder 2"/>
+          <p:cNvSpPr>
+            <a:spLocks noGrp="1"/>
+          </p:cNvSpPr>
+          <p:nvPr>
+            <p:ph idx="1"/>
+          </p:nvPr>
+        </p:nvSpPr>
+        <p:spPr>
+          <a:xfrm>
+            <a:off x="153552" y="929765"/>
+            <a:ext cx="11680382" cy="715775"/>
+          </a:xfrm>
+        </p:spPr>
+        <p:txBody>
+          <a:bodyPr/>
+          <a:lstStyle/>
+          <a:p>
+            <a:r>
+              <a:rPr lang="en-CA" dirty="0"/>
+              <a:t> Running simulations for </a:t>
+            </a:r>
+            <a:r>
+              <a:rPr lang="en-CA" dirty="0" err="1"/>
+              <a:t>i.i.d</a:t>
+            </a:r>
+            <a:r>
+              <a:rPr lang="en-CA" dirty="0"/>
+              <a:t> source with P</a:t>
+            </a:r>
+            <a:r>
+              <a:rPr lang="en-CA" baseline="-25000" dirty="0"/>
+              <a:t>0</a:t>
+            </a:r>
+            <a:r>
+              <a:rPr lang="en-CA" dirty="0"/>
+              <a:t> = 0.90 for different matches of n = 2, 5, 10, 20, 25, 50, 80, 100  with input file size 10</a:t>
+            </a:r>
+            <a:r>
+              <a:rPr lang="en-CA" baseline="30000" dirty="0"/>
+              <a:t>4</a:t>
+            </a:r>
+            <a:endParaRPr lang="en-CA" dirty="0"/>
+          </a:p>
+        </p:txBody>
+      </p:sp>
+      <p:sp>
+        <p:nvSpPr>
+          <p:cNvPr id="4" name="Slide Number Placeholder 3"/>
+          <p:cNvSpPr>
+            <a:spLocks noGrp="1"/>
+          </p:cNvSpPr>
+          <p:nvPr>
+            <p:ph type="sldNum" sz="quarter" idx="12"/>
+          </p:nvPr>
+        </p:nvSpPr>
+        <p:spPr/>
+        <p:txBody>
+          <a:bodyPr/>
+          <a:lstStyle/>
+          <a:p>
+            <a:fld id="{66107F58-1174-4786-9E6A-C888AF396E87}" type="slidenum">
+              <a:rPr lang="en-US" smtClean="0"/>
+              <a:t>9</a:t>
+            </a:fld>
+            <a:endParaRPr lang="en-US"/>
+          </a:p>
+        </p:txBody>
+      </p:sp>
+      <p:pic>
+        <p:nvPicPr>
+          <p:cNvPr id="9" name="Picture 8"/>
+          <p:cNvPicPr>
+            <a:picLocks noChangeAspect="1"/>
+          </p:cNvPicPr>
+          <p:nvPr/>
+        </p:nvPicPr>
+        <p:blipFill>
+          <a:blip r:embed="rId2">
+            <a:extLst>
+              <a:ext uri="{28A0092B-C50C-407E-A947-70E740481C1C}">
+                <a14:useLocalDpi xmlns:a14="http://schemas.microsoft.com/office/drawing/2010/main" val="0"/>
+              </a:ext>
+            </a:extLst>
+          </a:blip>
+          <a:stretch>
+            <a:fillRect/>
+          </a:stretch>
+        </p:blipFill>
+        <p:spPr>
+          <a:xfrm>
+            <a:off x="443418" y="2001035"/>
+            <a:ext cx="5276898" cy="3957672"/>
+          </a:xfrm>
+          <a:prstGeom prst="rect">
+            <a:avLst/>
+          </a:prstGeom>
+        </p:spPr>
+      </p:pic>
+      <p:pic>
+        <p:nvPicPr>
+          <p:cNvPr id="10" name="Picture 9"/>
+          <p:cNvPicPr>
+            <a:picLocks noChangeAspect="1"/>
+          </p:cNvPicPr>
+          <p:nvPr/>
+        </p:nvPicPr>
+        <p:blipFill>
+          <a:blip r:embed="rId3">
+            <a:extLst>
+              <a:ext uri="{28A0092B-C50C-407E-A947-70E740481C1C}">
+                <a14:useLocalDpi xmlns:a14="http://schemas.microsoft.com/office/drawing/2010/main" val="0"/>
+              </a:ext>
+            </a:extLst>
+          </a:blip>
+          <a:stretch>
+            <a:fillRect/>
+          </a:stretch>
+        </p:blipFill>
+        <p:spPr>
+          <a:xfrm>
+            <a:off x="6195635" y="2001035"/>
+            <a:ext cx="5276896" cy="3957672"/>
+          </a:xfrm>
+          <a:prstGeom prst="rect">
+            <a:avLst/>
+          </a:prstGeom>
+        </p:spPr>
+      </p:pic>
+      <p:sp>
+        <p:nvSpPr>
+          <p:cNvPr id="7" name="Content Placeholder 2"/>
+          <p:cNvSpPr txBox="1">
+            <a:spLocks/>
+          </p:cNvSpPr>
+          <p:nvPr/>
+        </p:nvSpPr>
+        <p:spPr>
+          <a:xfrm>
+            <a:off x="355444" y="6048599"/>
+            <a:ext cx="11680382" cy="715775"/>
+          </a:xfrm>
+          <a:prstGeom prst="rect">
+            <a:avLst/>
+          </a:prstGeom>
+        </p:spPr>
+        <p:txBody>
+          <a:bodyPr vert="horz" lIns="91440" tIns="45720" rIns="91440" bIns="45720" rtlCol="0">
+            <a:normAutofit/>
+          </a:bodyPr>
+          <a:lstStyle>
+            <a:lvl1pPr marL="342900" indent="-342900" algn="l" defTabSz="457200" rtl="0" eaLnBrk="1" latinLnBrk="0" hangingPunct="1">
+              <a:spcBef>
+                <a:spcPts val="1000"/>
+              </a:spcBef>
+              <a:spcAft>
+                <a:spcPts val="0"/>
+              </a:spcAft>
+              <a:buClr>
+                <a:schemeClr val="accent1"/>
+              </a:buClr>
+              <a:buSzPct val="80000"/>
+              <a:buFont typeface="Wingdings 3" charset="2"/>
+              <a:buChar char=""/>
+              <a:defRPr sz="1800" kern="1200">
+                <a:solidFill>
+                  <a:schemeClr val="tx1">
+                    <a:lumMod val="75000"/>
+                    <a:lumOff val="25000"/>
+                  </a:schemeClr>
+                </a:solidFill>
+                <a:latin typeface="+mn-lt"/>
+                <a:ea typeface="+mn-ea"/>
+                <a:cs typeface="+mn-cs"/>
+              </a:defRPr>
+            </a:lvl1pPr>
+            <a:lvl2pPr marL="742950" indent="-285750" algn="l" defTabSz="457200" rtl="0" eaLnBrk="1" latinLnBrk="0" hangingPunct="1">
+              <a:spcBef>
+                <a:spcPts val="1000"/>
+              </a:spcBef>
+              <a:spcAft>
+                <a:spcPts val="0"/>
+              </a:spcAft>
+              <a:buClr>
+                <a:schemeClr val="accent1"/>
+              </a:buClr>
+              <a:buSzPct val="80000"/>
+              <a:buFont typeface="Wingdings 3" charset="2"/>
+              <a:buChar char=""/>
+              <a:defRPr sz="1600" kern="1200">
+                <a:solidFill>
+                  <a:schemeClr val="tx1">
+                    <a:lumMod val="75000"/>
+                    <a:lumOff val="25000"/>
+                  </a:schemeClr>
+                </a:solidFill>
+                <a:latin typeface="+mn-lt"/>
+                <a:ea typeface="+mn-ea"/>
+                <a:cs typeface="+mn-cs"/>
+              </a:defRPr>
+            </a:lvl2pPr>
+            <a:lvl3pPr marL="1143000" indent="-228600" algn="l" defTabSz="457200" rtl="0" eaLnBrk="1" latinLnBrk="0" hangingPunct="1">
+              <a:spcBef>
+                <a:spcPts val="1000"/>
+              </a:spcBef>
+              <a:spcAft>
+                <a:spcPts val="0"/>
+              </a:spcAft>
+              <a:buClr>
+                <a:schemeClr val="accent1"/>
+              </a:buClr>
+              <a:buSzPct val="80000"/>
+              <a:buFont typeface="Wingdings 3" charset="2"/>
+              <a:buChar char=""/>
+              <a:defRPr sz="1400" kern="1200">
+                <a:solidFill>
+                  <a:schemeClr val="tx1">
+                    <a:lumMod val="75000"/>
+                    <a:lumOff val="25000"/>
+                  </a:schemeClr>
+                </a:solidFill>
+                <a:latin typeface="+mn-lt"/>
+                <a:ea typeface="+mn-ea"/>
+                <a:cs typeface="+mn-cs"/>
+              </a:defRPr>
+            </a:lvl3pPr>
+            <a:lvl4pPr marL="1600200" indent="-228600" algn="l" defTabSz="457200" rtl="0" eaLnBrk="1" latinLnBrk="0" hangingPunct="1">
+              <a:spcBef>
+                <a:spcPts val="1000"/>
+              </a:spcBef>
+              <a:spcAft>
+                <a:spcPts val="0"/>
+              </a:spcAft>
+              <a:buClr>
+                <a:schemeClr val="accent1"/>
+              </a:buClr>
+              <a:buSzPct val="80000"/>
+              <a:buFont typeface="Wingdings 3" charset="2"/>
+              <a:buChar char=""/>
+              <a:defRPr sz="1200" kern="1200">
+                <a:solidFill>
+                  <a:schemeClr val="tx1">
+                    <a:lumMod val="75000"/>
+                    <a:lumOff val="25000"/>
+                  </a:schemeClr>
+                </a:solidFill>
+                <a:latin typeface="+mn-lt"/>
+                <a:ea typeface="+mn-ea"/>
+                <a:cs typeface="+mn-cs"/>
+              </a:defRPr>
+            </a:lvl4pPr>
+            <a:lvl5pPr marL="2057400" indent="-228600" algn="l" defTabSz="457200" rtl="0" eaLnBrk="1" latinLnBrk="0" hangingPunct="1">
+              <a:spcBef>
+                <a:spcPts val="1000"/>
+              </a:spcBef>
+              <a:spcAft>
+                <a:spcPts val="0"/>
+              </a:spcAft>
+              <a:buClr>
+                <a:schemeClr val="accent1"/>
+              </a:buClr>
+              <a:buSzPct val="80000"/>
+              <a:buFont typeface="Wingdings 3" charset="2"/>
+              <a:buChar char=""/>
+              <a:defRPr sz="1200" kern="1200">
+                <a:solidFill>
+                  <a:schemeClr val="tx1">
+                    <a:lumMod val="75000"/>
+                    <a:lumOff val="25000"/>
+                  </a:schemeClr>
+                </a:solidFill>
+                <a:latin typeface="+mn-lt"/>
+                <a:ea typeface="+mn-ea"/>
+                <a:cs typeface="+mn-cs"/>
+              </a:defRPr>
+            </a:lvl5pPr>
+            <a:lvl6pPr marL="2514600" indent="-228600" algn="l" defTabSz="457200" rtl="0" eaLnBrk="1" latinLnBrk="0" hangingPunct="1">
+              <a:spcBef>
+                <a:spcPts val="1000"/>
+              </a:spcBef>
+              <a:spcAft>
+                <a:spcPts val="0"/>
+              </a:spcAft>
+              <a:buClr>
+                <a:schemeClr val="accent1"/>
+              </a:buClr>
+              <a:buSzPct val="80000"/>
+              <a:buFont typeface="Wingdings 3" charset="2"/>
+              <a:buChar char=""/>
+              <a:defRPr sz="1200" kern="1200">
+                <a:solidFill>
+                  <a:schemeClr val="tx1">
+                    <a:lumMod val="75000"/>
+                    <a:lumOff val="25000"/>
+                  </a:schemeClr>
+                </a:solidFill>
+                <a:latin typeface="+mn-lt"/>
+                <a:ea typeface="+mn-ea"/>
+                <a:cs typeface="+mn-cs"/>
+              </a:defRPr>
+            </a:lvl6pPr>
+            <a:lvl7pPr marL="2971800" indent="-228600" algn="l" defTabSz="457200" rtl="0" eaLnBrk="1" latinLnBrk="0" hangingPunct="1">
+              <a:spcBef>
+                <a:spcPts val="1000"/>
+              </a:spcBef>
+              <a:spcAft>
+                <a:spcPts val="0"/>
+              </a:spcAft>
+              <a:buClr>
+                <a:schemeClr val="accent1"/>
+              </a:buClr>
+              <a:buSzPct val="80000"/>
+              <a:buFont typeface="Wingdings 3" charset="2"/>
+              <a:buChar char=""/>
+              <a:defRPr sz="1200" kern="1200">
+                <a:solidFill>
+                  <a:schemeClr val="tx1">
+                    <a:lumMod val="75000"/>
+                    <a:lumOff val="25000"/>
+                  </a:schemeClr>
+                </a:solidFill>
+                <a:latin typeface="+mn-lt"/>
+                <a:ea typeface="+mn-ea"/>
+                <a:cs typeface="+mn-cs"/>
+              </a:defRPr>
+            </a:lvl7pPr>
+            <a:lvl8pPr marL="3429000" indent="-228600" algn="l" defTabSz="457200" rtl="0" eaLnBrk="1" latinLnBrk="0" hangingPunct="1">
+              <a:spcBef>
+                <a:spcPts val="1000"/>
+              </a:spcBef>
+              <a:spcAft>
+                <a:spcPts val="0"/>
+              </a:spcAft>
+              <a:buClr>
+                <a:schemeClr val="accent1"/>
+              </a:buClr>
+              <a:buSzPct val="80000"/>
+              <a:buFont typeface="Wingdings 3" charset="2"/>
+              <a:buChar char=""/>
+              <a:defRPr sz="1200" kern="1200">
+                <a:solidFill>
+                  <a:schemeClr val="tx1">
+                    <a:lumMod val="75000"/>
+                    <a:lumOff val="25000"/>
+                  </a:schemeClr>
+                </a:solidFill>
+                <a:latin typeface="+mn-lt"/>
+                <a:ea typeface="+mn-ea"/>
+                <a:cs typeface="+mn-cs"/>
+              </a:defRPr>
+            </a:lvl8pPr>
+            <a:lvl9pPr marL="3886200" indent="-228600" algn="l" defTabSz="457200" rtl="0" eaLnBrk="1" latinLnBrk="0" hangingPunct="1">
+              <a:spcBef>
+                <a:spcPts val="1000"/>
+              </a:spcBef>
+              <a:spcAft>
+                <a:spcPts val="0"/>
+              </a:spcAft>
+              <a:buClr>
+                <a:schemeClr val="accent1"/>
+              </a:buClr>
+              <a:buSzPct val="80000"/>
+              <a:buFont typeface="Wingdings 3" charset="2"/>
+              <a:buChar char=""/>
+              <a:defRPr sz="1200" kern="1200">
+                <a:solidFill>
+                  <a:schemeClr val="tx1">
+                    <a:lumMod val="75000"/>
+                    <a:lumOff val="25000"/>
+                  </a:schemeClr>
+                </a:solidFill>
+                <a:latin typeface="+mn-lt"/>
+                <a:ea typeface="+mn-ea"/>
+                <a:cs typeface="+mn-cs"/>
+              </a:defRPr>
+            </a:lvl9pPr>
+          </a:lstStyle>
+          <a:p>
+            <a:r>
+              <a:rPr lang="en-CA" dirty="0"/>
+              <a:t> </a:t>
+            </a:r>
+            <a:r>
+              <a:rPr lang="en-CA" b="1" dirty="0"/>
+              <a:t>Observation: </a:t>
+            </a:r>
+            <a:r>
+              <a:rPr lang="en-CA" dirty="0"/>
+              <a:t>Although the probability of matches is high for n= 2, 5, 10, the pointer is larger than the original symbol size</a:t>
+            </a:r>
+          </a:p>
+        </p:txBody>
+      </p:sp>
+      <p:sp>
+        <p:nvSpPr>
+          <p:cNvPr id="8" name="Slide Number Placeholder 12"/>
+          <p:cNvSpPr txBox="1">
+            <a:spLocks/>
+          </p:cNvSpPr>
+          <p:nvPr/>
+        </p:nvSpPr>
+        <p:spPr>
+          <a:xfrm>
+            <a:off x="11303578" y="6314202"/>
+            <a:ext cx="683339" cy="365125"/>
+          </a:xfrm>
+          <a:prstGeom prst="rect">
+            <a:avLst/>
+          </a:prstGeom>
+        </p:spPr>
+        <p:txBody>
+          <a:bodyPr vert="horz" lIns="91440" tIns="45720" rIns="91440" bIns="45720" rtlCol="0" anchor="ctr"/>
+          <a:lstStyle>
+            <a:defPPr>
+              <a:defRPr lang="en-US"/>
+            </a:defPPr>
+            <a:lvl1pPr marL="0" algn="r" defTabSz="914400" rtl="0" eaLnBrk="1" latinLnBrk="0" hangingPunct="1">
+              <a:defRPr sz="900" kern="1200">
+                <a:solidFill>
+                  <a:schemeClr val="accent1"/>
+                </a:solidFill>
+                <a:latin typeface="+mn-lt"/>
+                <a:ea typeface="+mn-ea"/>
+                <a:cs typeface="+mn-cs"/>
+              </a:defRPr>
+            </a:lvl1pPr>
+            <a:lvl2pPr marL="457200" algn="l" defTabSz="914400" rtl="0" eaLnBrk="1" latinLnBrk="0" hangingPunct="1">
+              <a:defRPr sz="1800" kern="1200">
+                <a:solidFill>
+                  <a:schemeClr val="tx1"/>
+                </a:solidFill>
+                <a:latin typeface="+mn-lt"/>
+                <a:ea typeface="+mn-ea"/>
+                <a:cs typeface="+mn-cs"/>
+              </a:defRPr>
+            </a:lvl2pPr>
+            <a:lvl3pPr marL="914400" algn="l" defTabSz="914400" rtl="0" eaLnBrk="1" latinLnBrk="0" hangingPunct="1">
+              <a:defRPr sz="1800" kern="1200">
+                <a:solidFill>
+                  <a:schemeClr val="tx1"/>
+                </a:solidFill>
+                <a:latin typeface="+mn-lt"/>
+                <a:ea typeface="+mn-ea"/>
+                <a:cs typeface="+mn-cs"/>
+              </a:defRPr>
+            </a:lvl3pPr>
+            <a:lvl4pPr marL="1371600" algn="l" defTabSz="914400" rtl="0" eaLnBrk="1" latinLnBrk="0" hangingPunct="1">
+              <a:defRPr sz="1800" kern="1200">
+                <a:solidFill>
+                  <a:schemeClr val="tx1"/>
+                </a:solidFill>
+                <a:latin typeface="+mn-lt"/>
+                <a:ea typeface="+mn-ea"/>
+                <a:cs typeface="+mn-cs"/>
+              </a:defRPr>
+            </a:lvl4pPr>
+            <a:lvl5pPr marL="1828800" algn="l" defTabSz="914400" rtl="0" eaLnBrk="1" latinLnBrk="0" hangingPunct="1">
+              <a:defRPr sz="1800" kern="1200">
+                <a:solidFill>
+                  <a:schemeClr val="tx1"/>
+                </a:solidFill>
+                <a:latin typeface="+mn-lt"/>
+                <a:ea typeface="+mn-ea"/>
+                <a:cs typeface="+mn-cs"/>
+              </a:defRPr>
+            </a:lvl5pPr>
+            <a:lvl6pPr marL="2286000" algn="l" defTabSz="914400" rtl="0" eaLnBrk="1" latinLnBrk="0" hangingPunct="1">
+              <a:defRPr sz="1800" kern="1200">
+                <a:solidFill>
+                  <a:schemeClr val="tx1"/>
+                </a:solidFill>
+                <a:latin typeface="+mn-lt"/>
+                <a:ea typeface="+mn-ea"/>
+                <a:cs typeface="+mn-cs"/>
+              </a:defRPr>
+            </a:lvl6pPr>
+            <a:lvl7pPr marL="2743200" algn="l" defTabSz="914400" rtl="0" eaLnBrk="1" latinLnBrk="0" hangingPunct="1">
+              <a:defRPr sz="1800" kern="1200">
+                <a:solidFill>
+                  <a:schemeClr val="tx1"/>
+                </a:solidFill>
+                <a:latin typeface="+mn-lt"/>
+                <a:ea typeface="+mn-ea"/>
+                <a:cs typeface="+mn-cs"/>
+              </a:defRPr>
+            </a:lvl7pPr>
+            <a:lvl8pPr marL="3200400" algn="l" defTabSz="914400" rtl="0" eaLnBrk="1" latinLnBrk="0" hangingPunct="1">
+              <a:defRPr sz="1800" kern="1200">
+                <a:solidFill>
+                  <a:schemeClr val="tx1"/>
+                </a:solidFill>
+                <a:latin typeface="+mn-lt"/>
+                <a:ea typeface="+mn-ea"/>
+                <a:cs typeface="+mn-cs"/>
+              </a:defRPr>
+            </a:lvl8pPr>
+            <a:lvl9pPr marL="3657600" algn="l" defTabSz="914400" rtl="0" eaLnBrk="1" latinLnBrk="0" hangingPunct="1">
+              <a:defRPr sz="1800" kern="1200">
+                <a:solidFill>
+                  <a:schemeClr val="tx1"/>
+                </a:solidFill>
+                <a:latin typeface="+mn-lt"/>
+                <a:ea typeface="+mn-ea"/>
+                <a:cs typeface="+mn-cs"/>
+              </a:defRPr>
+            </a:lvl9pPr>
+          </a:lstStyle>
+          <a:p>
+            <a:fld id="{66107F58-1174-4786-9E6A-C888AF396E87}" type="slidenum">
+              <a:rPr lang="en-US" sz="2000" smtClean="0"/>
+              <a:pPr/>
+              <a:t>9</a:t>
+            </a:fld>
+            <a:endParaRPr lang="en-US" sz="2000" dirty="0"/>
+          </a:p>
+        </p:txBody>
+      </p:sp>
+    </p:spTree>
+    <p:extLst>
+      <p:ext uri="{BB962C8B-B14F-4D97-AF65-F5344CB8AC3E}">
+        <p14:creationId xmlns:p14="http://schemas.microsoft.com/office/powerpoint/2010/main" val="377734463"/>
       </p:ext>
     </p:extLst>
   </p:cSld>

--- a/finalProject/GROUP33_Presentation_FINAL.pptx
+++ b/finalProject/GROUP33_Presentation_FINAL.pptx
@@ -6611,7 +6611,7 @@
           <a:p>
             <a:r>
               <a:rPr lang="en-CA" dirty="0"/>
-              <a:t>Testing Results </a:t>
+              <a:t>3.2 Testing Results</a:t>
             </a:r>
           </a:p>
         </p:txBody>
@@ -7195,7 +7195,7 @@
           <a:p>
             <a:r>
               <a:rPr lang="en-CA" dirty="0"/>
-              <a:t>Testing Results </a:t>
+              <a:t>3.2 Testing Results </a:t>
             </a:r>
           </a:p>
         </p:txBody>
@@ -7758,7 +7758,7 @@
           <a:p>
             <a:r>
               <a:rPr lang="en-CA" dirty="0"/>
-              <a:t>3. Conclusion</a:t>
+              <a:t>4. Conclusion</a:t>
             </a:r>
           </a:p>
         </p:txBody>
@@ -8749,7 +8749,7 @@
           <a:graphicData uri="http://schemas.openxmlformats.org/presentationml/2006/ole">
             <mc:AlternateContent xmlns:mc="http://schemas.openxmlformats.org/markup-compatibility/2006">
               <mc:Choice xmlns:v="urn:schemas-microsoft-com:vml" Requires="v">
-                <p:oleObj spid="_x0000_s11397" name="Visio" r:id="rId3" imgW="6831252" imgH="2312601" progId="Visio.Drawing.15">
+                <p:oleObj spid="_x0000_s11398" name="Visio" r:id="rId3" imgW="6831252" imgH="2312601" progId="Visio.Drawing.15">
                   <p:embed/>
                 </p:oleObj>
               </mc:Choice>
@@ -8981,7 +8981,7 @@
           <a:graphicData uri="http://schemas.openxmlformats.org/presentationml/2006/ole">
             <mc:AlternateContent xmlns:mc="http://schemas.openxmlformats.org/markup-compatibility/2006">
               <mc:Choice xmlns:v="urn:schemas-microsoft-com:vml" Requires="v">
-                <p:oleObj spid="_x0000_s12421" name="Visio" r:id="rId3" imgW="8858276" imgH="3272721" progId="Visio.Drawing.15">
+                <p:oleObj spid="_x0000_s12422" name="Visio" r:id="rId3" imgW="8858276" imgH="3272721" progId="Visio.Drawing.15">
                   <p:embed/>
                 </p:oleObj>
               </mc:Choice>
@@ -9222,7 +9222,7 @@
           <a:graphicData uri="http://schemas.openxmlformats.org/presentationml/2006/ole">
             <mc:AlternateContent xmlns:mc="http://schemas.openxmlformats.org/markup-compatibility/2006">
               <mc:Choice xmlns:v="urn:schemas-microsoft-com:vml" Requires="v">
-                <p:oleObj spid="_x0000_s13445" name="Visio" r:id="rId3" imgW="6181809" imgH="2914768" progId="Visio.Drawing.15">
+                <p:oleObj spid="_x0000_s13446" name="Visio" r:id="rId3" imgW="6181809" imgH="2914768" progId="Visio.Drawing.15">
                   <p:embed/>
                 </p:oleObj>
               </mc:Choice>
@@ -9744,6 +9744,27 @@
               <a:t>Results</a:t>
             </a:r>
           </a:p>
+          <a:p>
+            <a:pPr marL="457200" indent="-457200">
+              <a:buFont typeface="+mj-lt"/>
+              <a:buAutoNum type="arabicPeriod"/>
+            </a:pPr>
+            <a:r>
+              <a:rPr lang="en-CA" sz="2400" b="1" dirty="0"/>
+              <a:t>Conclusion</a:t>
+            </a:r>
+          </a:p>
+          <a:p>
+            <a:pPr marL="457200" indent="-457200">
+              <a:buFont typeface="+mj-lt"/>
+              <a:buAutoNum type="arabicPeriod"/>
+            </a:pPr>
+            <a:r>
+              <a:rPr lang="en-CA" sz="2400" b="1" dirty="0"/>
+              <a:t>References</a:t>
+            </a:r>
+            <a:endParaRPr lang="en-CA" sz="2200" b="1" dirty="0"/>
+          </a:p>
         </p:txBody>
       </p:sp>
       <p:grpSp>
@@ -9952,7 +9973,7 @@
           <a:graphicData uri="http://schemas.openxmlformats.org/presentationml/2006/ole">
             <mc:AlternateContent xmlns:mc="http://schemas.openxmlformats.org/markup-compatibility/2006">
               <mc:Choice xmlns:v="urn:schemas-microsoft-com:vml" Requires="v">
-                <p:oleObj spid="_x0000_s16499" name="Visio" r:id="rId3" imgW="11953994" imgH="3581431" progId="Visio.Drawing.15">
+                <p:oleObj spid="_x0000_s16500" name="Visio" r:id="rId3" imgW="11953994" imgH="3581431" progId="Visio.Drawing.15">
                   <p:embed/>
                 </p:oleObj>
               </mc:Choice>
@@ -11218,7 +11239,7 @@
                   </a:ext>
                 </a:extLst>
               </a:tr>
-              <a:tr h="629285">
+              <a:tr h="640080">
                 <a:tc>
                   <a:txBody>
                     <a:bodyPr/>
@@ -11282,7 +11303,7 @@
                   </a:ext>
                 </a:extLst>
               </a:tr>
-              <a:tr h="370840">
+              <a:tr h="640080">
                 <a:tc>
                   <a:txBody>
                     <a:bodyPr/>
@@ -16081,7 +16102,7 @@
           <a:p>
             <a:r>
               <a:rPr lang="en-CA" dirty="0"/>
-              <a:t>Testing Results </a:t>
+              <a:t>3.2 Testing Results </a:t>
             </a:r>
           </a:p>
         </p:txBody>

--- a/finalProject/GROUP33_Presentation_FINAL.pptx
+++ b/finalProject/GROUP33_Presentation_FINAL.pptx
@@ -5,7 +5,7 @@
     <p:sldMasterId id="2147483707" r:id="rId1"/>
   </p:sldMasterIdLst>
   <p:notesMasterIdLst>
-    <p:notesMasterId r:id="rId22"/>
+    <p:notesMasterId r:id="rId24"/>
   </p:notesMasterIdLst>
   <p:sldIdLst>
     <p:sldId id="256" r:id="rId2"/>
@@ -16,18 +16,20 @@
     <p:sldId id="305" r:id="rId7"/>
     <p:sldId id="319" r:id="rId8"/>
     <p:sldId id="317" r:id="rId9"/>
-    <p:sldId id="320" r:id="rId10"/>
-    <p:sldId id="321" r:id="rId11"/>
-    <p:sldId id="322" r:id="rId12"/>
-    <p:sldId id="309" r:id="rId13"/>
-    <p:sldId id="318" r:id="rId14"/>
-    <p:sldId id="310" r:id="rId15"/>
-    <p:sldId id="294" r:id="rId16"/>
-    <p:sldId id="286" r:id="rId17"/>
-    <p:sldId id="288" r:id="rId18"/>
-    <p:sldId id="290" r:id="rId19"/>
-    <p:sldId id="312" r:id="rId20"/>
-    <p:sldId id="298" r:id="rId21"/>
+    <p:sldId id="323" r:id="rId10"/>
+    <p:sldId id="320" r:id="rId11"/>
+    <p:sldId id="321" r:id="rId12"/>
+    <p:sldId id="324" r:id="rId13"/>
+    <p:sldId id="322" r:id="rId14"/>
+    <p:sldId id="309" r:id="rId15"/>
+    <p:sldId id="318" r:id="rId16"/>
+    <p:sldId id="310" r:id="rId17"/>
+    <p:sldId id="294" r:id="rId18"/>
+    <p:sldId id="286" r:id="rId19"/>
+    <p:sldId id="288" r:id="rId20"/>
+    <p:sldId id="290" r:id="rId21"/>
+    <p:sldId id="312" r:id="rId22"/>
+    <p:sldId id="298" r:id="rId23"/>
   </p:sldIdLst>
   <p:sldSz cx="12192000" cy="6858000"/>
   <p:notesSz cx="6858000" cy="9144000"/>
@@ -6611,7 +6613,7 @@
           <a:p>
             <a:r>
               <a:rPr lang="en-CA" dirty="0"/>
-              <a:t>Testing Results </a:t>
+              <a:t>3.2 Testing Results </a:t>
             </a:r>
           </a:p>
         </p:txBody>
@@ -6654,7 +6656,7 @@
             </a:r>
             <a:r>
               <a:rPr lang="en-CA" dirty="0"/>
-              <a:t> = 0.95 for different matches of n = 2, 5, 10, 20, 25, 50, 80, 100  with input file size 10</a:t>
+              <a:t> = 0.90 for different matches of n = 2, 5, 10, 20, 25, 50, 80, 100  with input file size 10</a:t>
             </a:r>
             <a:r>
               <a:rPr lang="en-CA" baseline="30000" dirty="0"/>
@@ -6689,7 +6691,7 @@
       </p:sp>
       <p:pic>
         <p:nvPicPr>
-          <p:cNvPr id="7" name="Picture 6"/>
+          <p:cNvPr id="9" name="Picture 8"/>
           <p:cNvPicPr>
             <a:picLocks noChangeAspect="1"/>
           </p:cNvPicPr>
@@ -6709,8 +6711,8 @@
         </p:blipFill>
         <p:spPr>
           <a:xfrm>
-            <a:off x="5923663" y="1914563"/>
-            <a:ext cx="5334000" cy="4000500"/>
+            <a:off x="443418" y="2001035"/>
+            <a:ext cx="5276898" cy="3957672"/>
           </a:xfrm>
           <a:prstGeom prst="rect">
             <a:avLst/>
@@ -6719,7 +6721,7 @@
       </p:pic>
       <p:pic>
         <p:nvPicPr>
-          <p:cNvPr id="11" name="Picture 10"/>
+          <p:cNvPr id="10" name="Picture 9"/>
           <p:cNvPicPr>
             <a:picLocks noChangeAspect="1"/>
           </p:cNvPicPr>
@@ -6739,8 +6741,8 @@
         </p:blipFill>
         <p:spPr>
           <a:xfrm>
-            <a:off x="260497" y="1914563"/>
-            <a:ext cx="5334000" cy="4000500"/>
+            <a:off x="6195635" y="2001035"/>
+            <a:ext cx="5276896" cy="3957672"/>
           </a:xfrm>
           <a:prstGeom prst="rect">
             <a:avLst/>
@@ -6749,7 +6751,7 @@
       </p:pic>
       <p:sp>
         <p:nvSpPr>
-          <p:cNvPr id="8" name="Content Placeholder 2"/>
+          <p:cNvPr id="7" name="Content Placeholder 2"/>
           <p:cNvSpPr txBox="1">
             <a:spLocks/>
           </p:cNvSpPr>
@@ -7006,22 +7008,14 @@
             </a:r>
             <a:r>
               <a:rPr lang="en-CA" dirty="0"/>
-              <a:t>This </a:t>
-            </a:r>
-            <a:r>
-              <a:rPr lang="en-CA" dirty="0" err="1"/>
-              <a:t>i.i.d</a:t>
-            </a:r>
-            <a:r>
-              <a:rPr lang="en-CA" dirty="0"/>
-              <a:t> source performs better than the last one with probability of 0 of 0.90</a:t>
-            </a:r>
-          </a:p>
-        </p:txBody>
-      </p:sp>
-      <p:sp>
-        <p:nvSpPr>
-          <p:cNvPr id="9" name="Slide Number Placeholder 12"/>
+              <a:t>Although the probability of matches is high for n= 2, 5, 10, the pointer is larger than the original symbol size</a:t>
+            </a:r>
+          </a:p>
+        </p:txBody>
+      </p:sp>
+      <p:sp>
+        <p:nvSpPr>
+          <p:cNvPr id="8" name="Slide Number Placeholder 12"/>
           <p:cNvSpPr txBox="1">
             <a:spLocks/>
           </p:cNvSpPr>
@@ -7029,7 +7023,7 @@
         </p:nvSpPr>
         <p:spPr>
           <a:xfrm>
-            <a:off x="11003984" y="6201420"/>
+            <a:off x="11303578" y="6314202"/>
             <a:ext cx="683339" cy="365125"/>
           </a:xfrm>
           <a:prstGeom prst="rect">
@@ -7146,7 +7140,7 @@
     </p:spTree>
     <p:extLst>
       <p:ext uri="{BB962C8B-B14F-4D97-AF65-F5344CB8AC3E}">
-        <p14:creationId xmlns:p14="http://schemas.microsoft.com/office/powerpoint/2010/main" val="1881029142"/>
+        <p14:creationId xmlns:p14="http://schemas.microsoft.com/office/powerpoint/2010/main" val="377734463"/>
       </p:ext>
     </p:extLst>
   </p:cSld>
@@ -7195,7 +7189,7 @@
           <a:p>
             <a:r>
               <a:rPr lang="en-CA" dirty="0"/>
-              <a:t>Testing Results </a:t>
+              <a:t>3.2 Testing Results </a:t>
             </a:r>
           </a:p>
         </p:txBody>
@@ -7222,6 +7216,1156 @@
           <a:p>
             <a:r>
               <a:rPr lang="en-CA" dirty="0"/>
+              <a:t> Running simulations for </a:t>
+            </a:r>
+            <a:r>
+              <a:rPr lang="en-CA" dirty="0" err="1"/>
+              <a:t>i.i.d</a:t>
+            </a:r>
+            <a:r>
+              <a:rPr lang="en-CA" dirty="0"/>
+              <a:t> source with P</a:t>
+            </a:r>
+            <a:r>
+              <a:rPr lang="en-CA" baseline="-25000" dirty="0"/>
+              <a:t>0</a:t>
+            </a:r>
+            <a:r>
+              <a:rPr lang="en-CA" dirty="0"/>
+              <a:t> = 0.99, 0.95, 0.90 for different matches of n = 2, 5, 10, 20, 25, 50, 80, 100  with input file size 10</a:t>
+            </a:r>
+            <a:r>
+              <a:rPr lang="en-CA" baseline="30000" dirty="0"/>
+              <a:t>4</a:t>
+            </a:r>
+            <a:endParaRPr lang="en-CA" dirty="0"/>
+          </a:p>
+        </p:txBody>
+      </p:sp>
+      <p:pic>
+        <p:nvPicPr>
+          <p:cNvPr id="7" name="Picture 6"/>
+          <p:cNvPicPr>
+            <a:picLocks noChangeAspect="1"/>
+          </p:cNvPicPr>
+          <p:nvPr/>
+        </p:nvPicPr>
+        <p:blipFill>
+          <a:blip r:embed="rId2">
+            <a:extLst>
+              <a:ext uri="{28A0092B-C50C-407E-A947-70E740481C1C}">
+                <a14:useLocalDpi xmlns:a14="http://schemas.microsoft.com/office/drawing/2010/main" val="0"/>
+              </a:ext>
+            </a:extLst>
+          </a:blip>
+          <a:stretch>
+            <a:fillRect/>
+          </a:stretch>
+        </p:blipFill>
+        <p:spPr>
+          <a:xfrm>
+            <a:off x="4086752" y="2030751"/>
+            <a:ext cx="3935312" cy="2951485"/>
+          </a:xfrm>
+          <a:prstGeom prst="rect">
+            <a:avLst/>
+          </a:prstGeom>
+        </p:spPr>
+      </p:pic>
+      <p:sp>
+        <p:nvSpPr>
+          <p:cNvPr id="8" name="Content Placeholder 2"/>
+          <p:cNvSpPr txBox="1">
+            <a:spLocks/>
+          </p:cNvSpPr>
+          <p:nvPr/>
+        </p:nvSpPr>
+        <p:spPr>
+          <a:xfrm>
+            <a:off x="355444" y="5516226"/>
+            <a:ext cx="11331879" cy="685194"/>
+          </a:xfrm>
+          <a:prstGeom prst="rect">
+            <a:avLst/>
+          </a:prstGeom>
+        </p:spPr>
+        <p:txBody>
+          <a:bodyPr vert="horz" lIns="91440" tIns="45720" rIns="91440" bIns="45720" rtlCol="0">
+            <a:normAutofit/>
+          </a:bodyPr>
+          <a:lstStyle>
+            <a:lvl1pPr marL="342900" indent="-342900" algn="l" defTabSz="457200" rtl="0" eaLnBrk="1" latinLnBrk="0" hangingPunct="1">
+              <a:spcBef>
+                <a:spcPts val="1000"/>
+              </a:spcBef>
+              <a:spcAft>
+                <a:spcPts val="0"/>
+              </a:spcAft>
+              <a:buClr>
+                <a:schemeClr val="accent1"/>
+              </a:buClr>
+              <a:buSzPct val="80000"/>
+              <a:buFont typeface="Wingdings 3" charset="2"/>
+              <a:buChar char=""/>
+              <a:defRPr sz="1800" kern="1200">
+                <a:solidFill>
+                  <a:schemeClr val="tx1">
+                    <a:lumMod val="75000"/>
+                    <a:lumOff val="25000"/>
+                  </a:schemeClr>
+                </a:solidFill>
+                <a:latin typeface="+mn-lt"/>
+                <a:ea typeface="+mn-ea"/>
+                <a:cs typeface="+mn-cs"/>
+              </a:defRPr>
+            </a:lvl1pPr>
+            <a:lvl2pPr marL="742950" indent="-285750" algn="l" defTabSz="457200" rtl="0" eaLnBrk="1" latinLnBrk="0" hangingPunct="1">
+              <a:spcBef>
+                <a:spcPts val="1000"/>
+              </a:spcBef>
+              <a:spcAft>
+                <a:spcPts val="0"/>
+              </a:spcAft>
+              <a:buClr>
+                <a:schemeClr val="accent1"/>
+              </a:buClr>
+              <a:buSzPct val="80000"/>
+              <a:buFont typeface="Wingdings 3" charset="2"/>
+              <a:buChar char=""/>
+              <a:defRPr sz="1600" kern="1200">
+                <a:solidFill>
+                  <a:schemeClr val="tx1">
+                    <a:lumMod val="75000"/>
+                    <a:lumOff val="25000"/>
+                  </a:schemeClr>
+                </a:solidFill>
+                <a:latin typeface="+mn-lt"/>
+                <a:ea typeface="+mn-ea"/>
+                <a:cs typeface="+mn-cs"/>
+              </a:defRPr>
+            </a:lvl2pPr>
+            <a:lvl3pPr marL="1143000" indent="-228600" algn="l" defTabSz="457200" rtl="0" eaLnBrk="1" latinLnBrk="0" hangingPunct="1">
+              <a:spcBef>
+                <a:spcPts val="1000"/>
+              </a:spcBef>
+              <a:spcAft>
+                <a:spcPts val="0"/>
+              </a:spcAft>
+              <a:buClr>
+                <a:schemeClr val="accent1"/>
+              </a:buClr>
+              <a:buSzPct val="80000"/>
+              <a:buFont typeface="Wingdings 3" charset="2"/>
+              <a:buChar char=""/>
+              <a:defRPr sz="1400" kern="1200">
+                <a:solidFill>
+                  <a:schemeClr val="tx1">
+                    <a:lumMod val="75000"/>
+                    <a:lumOff val="25000"/>
+                  </a:schemeClr>
+                </a:solidFill>
+                <a:latin typeface="+mn-lt"/>
+                <a:ea typeface="+mn-ea"/>
+                <a:cs typeface="+mn-cs"/>
+              </a:defRPr>
+            </a:lvl3pPr>
+            <a:lvl4pPr marL="1600200" indent="-228600" algn="l" defTabSz="457200" rtl="0" eaLnBrk="1" latinLnBrk="0" hangingPunct="1">
+              <a:spcBef>
+                <a:spcPts val="1000"/>
+              </a:spcBef>
+              <a:spcAft>
+                <a:spcPts val="0"/>
+              </a:spcAft>
+              <a:buClr>
+                <a:schemeClr val="accent1"/>
+              </a:buClr>
+              <a:buSzPct val="80000"/>
+              <a:buFont typeface="Wingdings 3" charset="2"/>
+              <a:buChar char=""/>
+              <a:defRPr sz="1200" kern="1200">
+                <a:solidFill>
+                  <a:schemeClr val="tx1">
+                    <a:lumMod val="75000"/>
+                    <a:lumOff val="25000"/>
+                  </a:schemeClr>
+                </a:solidFill>
+                <a:latin typeface="+mn-lt"/>
+                <a:ea typeface="+mn-ea"/>
+                <a:cs typeface="+mn-cs"/>
+              </a:defRPr>
+            </a:lvl4pPr>
+            <a:lvl5pPr marL="2057400" indent="-228600" algn="l" defTabSz="457200" rtl="0" eaLnBrk="1" latinLnBrk="0" hangingPunct="1">
+              <a:spcBef>
+                <a:spcPts val="1000"/>
+              </a:spcBef>
+              <a:spcAft>
+                <a:spcPts val="0"/>
+              </a:spcAft>
+              <a:buClr>
+                <a:schemeClr val="accent1"/>
+              </a:buClr>
+              <a:buSzPct val="80000"/>
+              <a:buFont typeface="Wingdings 3" charset="2"/>
+              <a:buChar char=""/>
+              <a:defRPr sz="1200" kern="1200">
+                <a:solidFill>
+                  <a:schemeClr val="tx1">
+                    <a:lumMod val="75000"/>
+                    <a:lumOff val="25000"/>
+                  </a:schemeClr>
+                </a:solidFill>
+                <a:latin typeface="+mn-lt"/>
+                <a:ea typeface="+mn-ea"/>
+                <a:cs typeface="+mn-cs"/>
+              </a:defRPr>
+            </a:lvl5pPr>
+            <a:lvl6pPr marL="2514600" indent="-228600" algn="l" defTabSz="457200" rtl="0" eaLnBrk="1" latinLnBrk="0" hangingPunct="1">
+              <a:spcBef>
+                <a:spcPts val="1000"/>
+              </a:spcBef>
+              <a:spcAft>
+                <a:spcPts val="0"/>
+              </a:spcAft>
+              <a:buClr>
+                <a:schemeClr val="accent1"/>
+              </a:buClr>
+              <a:buSzPct val="80000"/>
+              <a:buFont typeface="Wingdings 3" charset="2"/>
+              <a:buChar char=""/>
+              <a:defRPr sz="1200" kern="1200">
+                <a:solidFill>
+                  <a:schemeClr val="tx1">
+                    <a:lumMod val="75000"/>
+                    <a:lumOff val="25000"/>
+                  </a:schemeClr>
+                </a:solidFill>
+                <a:latin typeface="+mn-lt"/>
+                <a:ea typeface="+mn-ea"/>
+                <a:cs typeface="+mn-cs"/>
+              </a:defRPr>
+            </a:lvl6pPr>
+            <a:lvl7pPr marL="2971800" indent="-228600" algn="l" defTabSz="457200" rtl="0" eaLnBrk="1" latinLnBrk="0" hangingPunct="1">
+              <a:spcBef>
+                <a:spcPts val="1000"/>
+              </a:spcBef>
+              <a:spcAft>
+                <a:spcPts val="0"/>
+              </a:spcAft>
+              <a:buClr>
+                <a:schemeClr val="accent1"/>
+              </a:buClr>
+              <a:buSzPct val="80000"/>
+              <a:buFont typeface="Wingdings 3" charset="2"/>
+              <a:buChar char=""/>
+              <a:defRPr sz="1200" kern="1200">
+                <a:solidFill>
+                  <a:schemeClr val="tx1">
+                    <a:lumMod val="75000"/>
+                    <a:lumOff val="25000"/>
+                  </a:schemeClr>
+                </a:solidFill>
+                <a:latin typeface="+mn-lt"/>
+                <a:ea typeface="+mn-ea"/>
+                <a:cs typeface="+mn-cs"/>
+              </a:defRPr>
+            </a:lvl7pPr>
+            <a:lvl8pPr marL="3429000" indent="-228600" algn="l" defTabSz="457200" rtl="0" eaLnBrk="1" latinLnBrk="0" hangingPunct="1">
+              <a:spcBef>
+                <a:spcPts val="1000"/>
+              </a:spcBef>
+              <a:spcAft>
+                <a:spcPts val="0"/>
+              </a:spcAft>
+              <a:buClr>
+                <a:schemeClr val="accent1"/>
+              </a:buClr>
+              <a:buSzPct val="80000"/>
+              <a:buFont typeface="Wingdings 3" charset="2"/>
+              <a:buChar char=""/>
+              <a:defRPr sz="1200" kern="1200">
+                <a:solidFill>
+                  <a:schemeClr val="tx1">
+                    <a:lumMod val="75000"/>
+                    <a:lumOff val="25000"/>
+                  </a:schemeClr>
+                </a:solidFill>
+                <a:latin typeface="+mn-lt"/>
+                <a:ea typeface="+mn-ea"/>
+                <a:cs typeface="+mn-cs"/>
+              </a:defRPr>
+            </a:lvl8pPr>
+            <a:lvl9pPr marL="3886200" indent="-228600" algn="l" defTabSz="457200" rtl="0" eaLnBrk="1" latinLnBrk="0" hangingPunct="1">
+              <a:spcBef>
+                <a:spcPts val="1000"/>
+              </a:spcBef>
+              <a:spcAft>
+                <a:spcPts val="0"/>
+              </a:spcAft>
+              <a:buClr>
+                <a:schemeClr val="accent1"/>
+              </a:buClr>
+              <a:buSzPct val="80000"/>
+              <a:buFont typeface="Wingdings 3" charset="2"/>
+              <a:buChar char=""/>
+              <a:defRPr sz="1200" kern="1200">
+                <a:solidFill>
+                  <a:schemeClr val="tx1">
+                    <a:lumMod val="75000"/>
+                    <a:lumOff val="25000"/>
+                  </a:schemeClr>
+                </a:solidFill>
+                <a:latin typeface="+mn-lt"/>
+                <a:ea typeface="+mn-ea"/>
+                <a:cs typeface="+mn-cs"/>
+              </a:defRPr>
+            </a:lvl9pPr>
+          </a:lstStyle>
+          <a:p>
+            <a:r>
+              <a:rPr lang="en-CA" dirty="0"/>
+              <a:t> </a:t>
+            </a:r>
+            <a:r>
+              <a:rPr lang="en-CA" b="1" dirty="0"/>
+              <a:t>Observation: </a:t>
+            </a:r>
+            <a:r>
+              <a:rPr lang="en-CA" dirty="0"/>
+              <a:t>This </a:t>
+            </a:r>
+            <a:r>
+              <a:rPr lang="en-CA" dirty="0" err="1"/>
+              <a:t>i.i.d</a:t>
+            </a:r>
+            <a:r>
+              <a:rPr lang="en-CA" dirty="0"/>
+              <a:t> source performs slightly better than the last one with probability of 0 of 0.99</a:t>
+            </a:r>
+          </a:p>
+        </p:txBody>
+      </p:sp>
+      <p:sp>
+        <p:nvSpPr>
+          <p:cNvPr id="9" name="Slide Number Placeholder 12"/>
+          <p:cNvSpPr txBox="1">
+            <a:spLocks/>
+          </p:cNvSpPr>
+          <p:nvPr/>
+        </p:nvSpPr>
+        <p:spPr>
+          <a:xfrm>
+            <a:off x="11003984" y="6201420"/>
+            <a:ext cx="683339" cy="365125"/>
+          </a:xfrm>
+          <a:prstGeom prst="rect">
+            <a:avLst/>
+          </a:prstGeom>
+        </p:spPr>
+        <p:txBody>
+          <a:bodyPr vert="horz" lIns="91440" tIns="45720" rIns="91440" bIns="45720" rtlCol="0" anchor="ctr"/>
+          <a:lstStyle>
+            <a:defPPr>
+              <a:defRPr lang="en-US"/>
+            </a:defPPr>
+            <a:lvl1pPr marL="0" algn="r" defTabSz="914400" rtl="0" eaLnBrk="1" latinLnBrk="0" hangingPunct="1">
+              <a:defRPr sz="900" kern="1200">
+                <a:solidFill>
+                  <a:schemeClr val="accent1"/>
+                </a:solidFill>
+                <a:latin typeface="+mn-lt"/>
+                <a:ea typeface="+mn-ea"/>
+                <a:cs typeface="+mn-cs"/>
+              </a:defRPr>
+            </a:lvl1pPr>
+            <a:lvl2pPr marL="457200" algn="l" defTabSz="914400" rtl="0" eaLnBrk="1" latinLnBrk="0" hangingPunct="1">
+              <a:defRPr sz="1800" kern="1200">
+                <a:solidFill>
+                  <a:schemeClr val="tx1"/>
+                </a:solidFill>
+                <a:latin typeface="+mn-lt"/>
+                <a:ea typeface="+mn-ea"/>
+                <a:cs typeface="+mn-cs"/>
+              </a:defRPr>
+            </a:lvl2pPr>
+            <a:lvl3pPr marL="914400" algn="l" defTabSz="914400" rtl="0" eaLnBrk="1" latinLnBrk="0" hangingPunct="1">
+              <a:defRPr sz="1800" kern="1200">
+                <a:solidFill>
+                  <a:schemeClr val="tx1"/>
+                </a:solidFill>
+                <a:latin typeface="+mn-lt"/>
+                <a:ea typeface="+mn-ea"/>
+                <a:cs typeface="+mn-cs"/>
+              </a:defRPr>
+            </a:lvl3pPr>
+            <a:lvl4pPr marL="1371600" algn="l" defTabSz="914400" rtl="0" eaLnBrk="1" latinLnBrk="0" hangingPunct="1">
+              <a:defRPr sz="1800" kern="1200">
+                <a:solidFill>
+                  <a:schemeClr val="tx1"/>
+                </a:solidFill>
+                <a:latin typeface="+mn-lt"/>
+                <a:ea typeface="+mn-ea"/>
+                <a:cs typeface="+mn-cs"/>
+              </a:defRPr>
+            </a:lvl4pPr>
+            <a:lvl5pPr marL="1828800" algn="l" defTabSz="914400" rtl="0" eaLnBrk="1" latinLnBrk="0" hangingPunct="1">
+              <a:defRPr sz="1800" kern="1200">
+                <a:solidFill>
+                  <a:schemeClr val="tx1"/>
+                </a:solidFill>
+                <a:latin typeface="+mn-lt"/>
+                <a:ea typeface="+mn-ea"/>
+                <a:cs typeface="+mn-cs"/>
+              </a:defRPr>
+            </a:lvl5pPr>
+            <a:lvl6pPr marL="2286000" algn="l" defTabSz="914400" rtl="0" eaLnBrk="1" latinLnBrk="0" hangingPunct="1">
+              <a:defRPr sz="1800" kern="1200">
+                <a:solidFill>
+                  <a:schemeClr val="tx1"/>
+                </a:solidFill>
+                <a:latin typeface="+mn-lt"/>
+                <a:ea typeface="+mn-ea"/>
+                <a:cs typeface="+mn-cs"/>
+              </a:defRPr>
+            </a:lvl6pPr>
+            <a:lvl7pPr marL="2743200" algn="l" defTabSz="914400" rtl="0" eaLnBrk="1" latinLnBrk="0" hangingPunct="1">
+              <a:defRPr sz="1800" kern="1200">
+                <a:solidFill>
+                  <a:schemeClr val="tx1"/>
+                </a:solidFill>
+                <a:latin typeface="+mn-lt"/>
+                <a:ea typeface="+mn-ea"/>
+                <a:cs typeface="+mn-cs"/>
+              </a:defRPr>
+            </a:lvl7pPr>
+            <a:lvl8pPr marL="3200400" algn="l" defTabSz="914400" rtl="0" eaLnBrk="1" latinLnBrk="0" hangingPunct="1">
+              <a:defRPr sz="1800" kern="1200">
+                <a:solidFill>
+                  <a:schemeClr val="tx1"/>
+                </a:solidFill>
+                <a:latin typeface="+mn-lt"/>
+                <a:ea typeface="+mn-ea"/>
+                <a:cs typeface="+mn-cs"/>
+              </a:defRPr>
+            </a:lvl8pPr>
+            <a:lvl9pPr marL="3657600" algn="l" defTabSz="914400" rtl="0" eaLnBrk="1" latinLnBrk="0" hangingPunct="1">
+              <a:defRPr sz="1800" kern="1200">
+                <a:solidFill>
+                  <a:schemeClr val="tx1"/>
+                </a:solidFill>
+                <a:latin typeface="+mn-lt"/>
+                <a:ea typeface="+mn-ea"/>
+                <a:cs typeface="+mn-cs"/>
+              </a:defRPr>
+            </a:lvl9pPr>
+          </a:lstStyle>
+          <a:p>
+            <a:fld id="{66107F58-1174-4786-9E6A-C888AF396E87}" type="slidenum">
+              <a:rPr lang="en-US" sz="2000" smtClean="0"/>
+              <a:pPr/>
+              <a:t>11</a:t>
+            </a:fld>
+            <a:endParaRPr lang="en-US" sz="2000" dirty="0"/>
+          </a:p>
+        </p:txBody>
+      </p:sp>
+      <p:pic>
+        <p:nvPicPr>
+          <p:cNvPr id="5" name="Picture 4"/>
+          <p:cNvPicPr>
+            <a:picLocks noChangeAspect="1"/>
+          </p:cNvPicPr>
+          <p:nvPr/>
+        </p:nvPicPr>
+        <p:blipFill>
+          <a:blip r:embed="rId3">
+            <a:extLst>
+              <a:ext uri="{28A0092B-C50C-407E-A947-70E740481C1C}">
+                <a14:useLocalDpi xmlns:a14="http://schemas.microsoft.com/office/drawing/2010/main" val="0"/>
+              </a:ext>
+            </a:extLst>
+          </a:blip>
+          <a:stretch>
+            <a:fillRect/>
+          </a:stretch>
+        </p:blipFill>
+        <p:spPr>
+          <a:xfrm>
+            <a:off x="108486" y="2048454"/>
+            <a:ext cx="3911710" cy="2933782"/>
+          </a:xfrm>
+          <a:prstGeom prst="rect">
+            <a:avLst/>
+          </a:prstGeom>
+        </p:spPr>
+      </p:pic>
+      <p:pic>
+        <p:nvPicPr>
+          <p:cNvPr id="6" name="Picture 5"/>
+          <p:cNvPicPr>
+            <a:picLocks noChangeAspect="1"/>
+          </p:cNvPicPr>
+          <p:nvPr/>
+        </p:nvPicPr>
+        <p:blipFill>
+          <a:blip r:embed="rId4">
+            <a:extLst>
+              <a:ext uri="{28A0092B-C50C-407E-A947-70E740481C1C}">
+                <a14:useLocalDpi xmlns:a14="http://schemas.microsoft.com/office/drawing/2010/main" val="0"/>
+              </a:ext>
+            </a:extLst>
+          </a:blip>
+          <a:stretch>
+            <a:fillRect/>
+          </a:stretch>
+        </p:blipFill>
+        <p:spPr>
+          <a:xfrm>
+            <a:off x="8155176" y="2030751"/>
+            <a:ext cx="3935313" cy="2951485"/>
+          </a:xfrm>
+          <a:prstGeom prst="rect">
+            <a:avLst/>
+          </a:prstGeom>
+        </p:spPr>
+      </p:pic>
+    </p:spTree>
+    <p:extLst>
+      <p:ext uri="{BB962C8B-B14F-4D97-AF65-F5344CB8AC3E}">
+        <p14:creationId xmlns:p14="http://schemas.microsoft.com/office/powerpoint/2010/main" val="1881029142"/>
+      </p:ext>
+    </p:extLst>
+  </p:cSld>
+  <p:clrMapOvr>
+    <a:masterClrMapping/>
+  </p:clrMapOvr>
+</p:sld>
+</file>
+
+<file path=ppt/slides/slide12.xml><?xml version="1.0" encoding="utf-8"?>
+<p:sld xmlns:a="http://schemas.openxmlformats.org/drawingml/2006/main" xmlns:r="http://schemas.openxmlformats.org/officeDocument/2006/relationships" xmlns:p="http://schemas.openxmlformats.org/presentationml/2006/main">
+  <p:cSld>
+    <p:spTree>
+      <p:nvGrpSpPr>
+        <p:cNvPr id="1" name=""/>
+        <p:cNvGrpSpPr/>
+        <p:nvPr/>
+      </p:nvGrpSpPr>
+      <p:grpSpPr>
+        <a:xfrm>
+          <a:off x="0" y="0"/>
+          <a:ext cx="0" cy="0"/>
+          <a:chOff x="0" y="0"/>
+          <a:chExt cx="0" cy="0"/>
+        </a:xfrm>
+      </p:grpSpPr>
+      <p:sp>
+        <p:nvSpPr>
+          <p:cNvPr id="2" name="Title 1"/>
+          <p:cNvSpPr>
+            <a:spLocks noGrp="1"/>
+          </p:cNvSpPr>
+          <p:nvPr>
+            <p:ph type="title"/>
+          </p:nvPr>
+        </p:nvSpPr>
+        <p:spPr/>
+        <p:txBody>
+          <a:bodyPr/>
+          <a:lstStyle/>
+          <a:p>
+            <a:r>
+              <a:rPr lang="en-CA" dirty="0"/>
+              <a:t>3.2 Testing Results </a:t>
+            </a:r>
+          </a:p>
+        </p:txBody>
+      </p:sp>
+      <p:sp>
+        <p:nvSpPr>
+          <p:cNvPr id="3" name="Content Placeholder 2"/>
+          <p:cNvSpPr>
+            <a:spLocks noGrp="1"/>
+          </p:cNvSpPr>
+          <p:nvPr>
+            <p:ph idx="1"/>
+          </p:nvPr>
+        </p:nvSpPr>
+        <p:spPr>
+          <a:xfrm>
+            <a:off x="677334" y="1525843"/>
+            <a:ext cx="10765249" cy="809114"/>
+          </a:xfrm>
+        </p:spPr>
+        <p:txBody>
+          <a:bodyPr/>
+          <a:lstStyle/>
+          <a:p>
+            <a:r>
+              <a:rPr lang="en-CA" dirty="0"/>
+              <a:t> Running simulations for </a:t>
+            </a:r>
+            <a:r>
+              <a:rPr lang="en-CA" dirty="0" err="1"/>
+              <a:t>i.i.d</a:t>
+            </a:r>
+            <a:r>
+              <a:rPr lang="en-CA" dirty="0"/>
+              <a:t> source with P</a:t>
+            </a:r>
+            <a:r>
+              <a:rPr lang="en-CA" baseline="-25000" dirty="0"/>
+              <a:t>0</a:t>
+            </a:r>
+            <a:r>
+              <a:rPr lang="en-CA" dirty="0"/>
+              <a:t> = 0.99, 0.95, 0.90 for different matches of n = 2, 5, 10, 20, 25, 50, 80, 100  with input file size 10</a:t>
+            </a:r>
+            <a:r>
+              <a:rPr lang="en-CA" baseline="30000" dirty="0"/>
+              <a:t>4</a:t>
+            </a:r>
+            <a:endParaRPr lang="en-CA" dirty="0"/>
+          </a:p>
+          <a:p>
+            <a:endParaRPr lang="en-CA" dirty="0"/>
+          </a:p>
+        </p:txBody>
+      </p:sp>
+      <p:pic>
+        <p:nvPicPr>
+          <p:cNvPr id="5" name="Picture 4"/>
+          <p:cNvPicPr>
+            <a:picLocks noChangeAspect="1"/>
+          </p:cNvPicPr>
+          <p:nvPr/>
+        </p:nvPicPr>
+        <p:blipFill>
+          <a:blip r:embed="rId2">
+            <a:extLst>
+              <a:ext uri="{28A0092B-C50C-407E-A947-70E740481C1C}">
+                <a14:useLocalDpi xmlns:a14="http://schemas.microsoft.com/office/drawing/2010/main" val="0"/>
+              </a:ext>
+            </a:extLst>
+          </a:blip>
+          <a:stretch>
+            <a:fillRect/>
+          </a:stretch>
+        </p:blipFill>
+        <p:spPr>
+          <a:xfrm>
+            <a:off x="5912822" y="2334957"/>
+            <a:ext cx="4941873" cy="3706405"/>
+          </a:xfrm>
+          <a:prstGeom prst="rect">
+            <a:avLst/>
+          </a:prstGeom>
+        </p:spPr>
+      </p:pic>
+      <p:pic>
+        <p:nvPicPr>
+          <p:cNvPr id="6" name="Picture 5"/>
+          <p:cNvPicPr>
+            <a:picLocks noChangeAspect="1"/>
+          </p:cNvPicPr>
+          <p:nvPr/>
+        </p:nvPicPr>
+        <p:blipFill>
+          <a:blip r:embed="rId3">
+            <a:extLst>
+              <a:ext uri="{28A0092B-C50C-407E-A947-70E740481C1C}">
+                <a14:useLocalDpi xmlns:a14="http://schemas.microsoft.com/office/drawing/2010/main" val="0"/>
+              </a:ext>
+            </a:extLst>
+          </a:blip>
+          <a:stretch>
+            <a:fillRect/>
+          </a:stretch>
+        </p:blipFill>
+        <p:spPr>
+          <a:xfrm>
+            <a:off x="234427" y="2334956"/>
+            <a:ext cx="4941873" cy="3706405"/>
+          </a:xfrm>
+          <a:prstGeom prst="rect">
+            <a:avLst/>
+          </a:prstGeom>
+        </p:spPr>
+      </p:pic>
+      <p:sp>
+        <p:nvSpPr>
+          <p:cNvPr id="7" name="Slide Number Placeholder 12"/>
+          <p:cNvSpPr txBox="1">
+            <a:spLocks/>
+          </p:cNvSpPr>
+          <p:nvPr/>
+        </p:nvSpPr>
+        <p:spPr>
+          <a:xfrm>
+            <a:off x="11003984" y="6201420"/>
+            <a:ext cx="683339" cy="365125"/>
+          </a:xfrm>
+          <a:prstGeom prst="rect">
+            <a:avLst/>
+          </a:prstGeom>
+        </p:spPr>
+        <p:txBody>
+          <a:bodyPr vert="horz" lIns="91440" tIns="45720" rIns="91440" bIns="45720" rtlCol="0" anchor="ctr"/>
+          <a:lstStyle>
+            <a:defPPr>
+              <a:defRPr lang="en-US"/>
+            </a:defPPr>
+            <a:lvl1pPr marL="0" algn="r" defTabSz="914400" rtl="0" eaLnBrk="1" latinLnBrk="0" hangingPunct="1">
+              <a:defRPr sz="900" kern="1200">
+                <a:solidFill>
+                  <a:schemeClr val="accent1"/>
+                </a:solidFill>
+                <a:latin typeface="+mn-lt"/>
+                <a:ea typeface="+mn-ea"/>
+                <a:cs typeface="+mn-cs"/>
+              </a:defRPr>
+            </a:lvl1pPr>
+            <a:lvl2pPr marL="457200" algn="l" defTabSz="914400" rtl="0" eaLnBrk="1" latinLnBrk="0" hangingPunct="1">
+              <a:defRPr sz="1800" kern="1200">
+                <a:solidFill>
+                  <a:schemeClr val="tx1"/>
+                </a:solidFill>
+                <a:latin typeface="+mn-lt"/>
+                <a:ea typeface="+mn-ea"/>
+                <a:cs typeface="+mn-cs"/>
+              </a:defRPr>
+            </a:lvl2pPr>
+            <a:lvl3pPr marL="914400" algn="l" defTabSz="914400" rtl="0" eaLnBrk="1" latinLnBrk="0" hangingPunct="1">
+              <a:defRPr sz="1800" kern="1200">
+                <a:solidFill>
+                  <a:schemeClr val="tx1"/>
+                </a:solidFill>
+                <a:latin typeface="+mn-lt"/>
+                <a:ea typeface="+mn-ea"/>
+                <a:cs typeface="+mn-cs"/>
+              </a:defRPr>
+            </a:lvl3pPr>
+            <a:lvl4pPr marL="1371600" algn="l" defTabSz="914400" rtl="0" eaLnBrk="1" latinLnBrk="0" hangingPunct="1">
+              <a:defRPr sz="1800" kern="1200">
+                <a:solidFill>
+                  <a:schemeClr val="tx1"/>
+                </a:solidFill>
+                <a:latin typeface="+mn-lt"/>
+                <a:ea typeface="+mn-ea"/>
+                <a:cs typeface="+mn-cs"/>
+              </a:defRPr>
+            </a:lvl4pPr>
+            <a:lvl5pPr marL="1828800" algn="l" defTabSz="914400" rtl="0" eaLnBrk="1" latinLnBrk="0" hangingPunct="1">
+              <a:defRPr sz="1800" kern="1200">
+                <a:solidFill>
+                  <a:schemeClr val="tx1"/>
+                </a:solidFill>
+                <a:latin typeface="+mn-lt"/>
+                <a:ea typeface="+mn-ea"/>
+                <a:cs typeface="+mn-cs"/>
+              </a:defRPr>
+            </a:lvl5pPr>
+            <a:lvl6pPr marL="2286000" algn="l" defTabSz="914400" rtl="0" eaLnBrk="1" latinLnBrk="0" hangingPunct="1">
+              <a:defRPr sz="1800" kern="1200">
+                <a:solidFill>
+                  <a:schemeClr val="tx1"/>
+                </a:solidFill>
+                <a:latin typeface="+mn-lt"/>
+                <a:ea typeface="+mn-ea"/>
+                <a:cs typeface="+mn-cs"/>
+              </a:defRPr>
+            </a:lvl6pPr>
+            <a:lvl7pPr marL="2743200" algn="l" defTabSz="914400" rtl="0" eaLnBrk="1" latinLnBrk="0" hangingPunct="1">
+              <a:defRPr sz="1800" kern="1200">
+                <a:solidFill>
+                  <a:schemeClr val="tx1"/>
+                </a:solidFill>
+                <a:latin typeface="+mn-lt"/>
+                <a:ea typeface="+mn-ea"/>
+                <a:cs typeface="+mn-cs"/>
+              </a:defRPr>
+            </a:lvl7pPr>
+            <a:lvl8pPr marL="3200400" algn="l" defTabSz="914400" rtl="0" eaLnBrk="1" latinLnBrk="0" hangingPunct="1">
+              <a:defRPr sz="1800" kern="1200">
+                <a:solidFill>
+                  <a:schemeClr val="tx1"/>
+                </a:solidFill>
+                <a:latin typeface="+mn-lt"/>
+                <a:ea typeface="+mn-ea"/>
+                <a:cs typeface="+mn-cs"/>
+              </a:defRPr>
+            </a:lvl8pPr>
+            <a:lvl9pPr marL="3657600" algn="l" defTabSz="914400" rtl="0" eaLnBrk="1" latinLnBrk="0" hangingPunct="1">
+              <a:defRPr sz="1800" kern="1200">
+                <a:solidFill>
+                  <a:schemeClr val="tx1"/>
+                </a:solidFill>
+                <a:latin typeface="+mn-lt"/>
+                <a:ea typeface="+mn-ea"/>
+                <a:cs typeface="+mn-cs"/>
+              </a:defRPr>
+            </a:lvl9pPr>
+          </a:lstStyle>
+          <a:p>
+            <a:fld id="{66107F58-1174-4786-9E6A-C888AF396E87}" type="slidenum">
+              <a:rPr lang="en-US" sz="2000" smtClean="0"/>
+              <a:pPr/>
+              <a:t>12</a:t>
+            </a:fld>
+            <a:endParaRPr lang="en-US" sz="2000" dirty="0"/>
+          </a:p>
+        </p:txBody>
+      </p:sp>
+      <p:sp>
+        <p:nvSpPr>
+          <p:cNvPr id="8" name="Content Placeholder 2"/>
+          <p:cNvSpPr txBox="1">
+            <a:spLocks/>
+          </p:cNvSpPr>
+          <p:nvPr/>
+        </p:nvSpPr>
+        <p:spPr>
+          <a:xfrm>
+            <a:off x="234427" y="6103320"/>
+            <a:ext cx="11331879" cy="685194"/>
+          </a:xfrm>
+          <a:prstGeom prst="rect">
+            <a:avLst/>
+          </a:prstGeom>
+        </p:spPr>
+        <p:txBody>
+          <a:bodyPr vert="horz" lIns="91440" tIns="45720" rIns="91440" bIns="45720" rtlCol="0">
+            <a:normAutofit/>
+          </a:bodyPr>
+          <a:lstStyle>
+            <a:lvl1pPr marL="342900" indent="-342900" algn="l" defTabSz="457200" rtl="0" eaLnBrk="1" latinLnBrk="0" hangingPunct="1">
+              <a:spcBef>
+                <a:spcPts val="1000"/>
+              </a:spcBef>
+              <a:spcAft>
+                <a:spcPts val="0"/>
+              </a:spcAft>
+              <a:buClr>
+                <a:schemeClr val="accent1"/>
+              </a:buClr>
+              <a:buSzPct val="80000"/>
+              <a:buFont typeface="Wingdings 3" charset="2"/>
+              <a:buChar char=""/>
+              <a:defRPr sz="1800" kern="1200">
+                <a:solidFill>
+                  <a:schemeClr val="tx1">
+                    <a:lumMod val="75000"/>
+                    <a:lumOff val="25000"/>
+                  </a:schemeClr>
+                </a:solidFill>
+                <a:latin typeface="+mn-lt"/>
+                <a:ea typeface="+mn-ea"/>
+                <a:cs typeface="+mn-cs"/>
+              </a:defRPr>
+            </a:lvl1pPr>
+            <a:lvl2pPr marL="742950" indent="-285750" algn="l" defTabSz="457200" rtl="0" eaLnBrk="1" latinLnBrk="0" hangingPunct="1">
+              <a:spcBef>
+                <a:spcPts val="1000"/>
+              </a:spcBef>
+              <a:spcAft>
+                <a:spcPts val="0"/>
+              </a:spcAft>
+              <a:buClr>
+                <a:schemeClr val="accent1"/>
+              </a:buClr>
+              <a:buSzPct val="80000"/>
+              <a:buFont typeface="Wingdings 3" charset="2"/>
+              <a:buChar char=""/>
+              <a:defRPr sz="1600" kern="1200">
+                <a:solidFill>
+                  <a:schemeClr val="tx1">
+                    <a:lumMod val="75000"/>
+                    <a:lumOff val="25000"/>
+                  </a:schemeClr>
+                </a:solidFill>
+                <a:latin typeface="+mn-lt"/>
+                <a:ea typeface="+mn-ea"/>
+                <a:cs typeface="+mn-cs"/>
+              </a:defRPr>
+            </a:lvl2pPr>
+            <a:lvl3pPr marL="1143000" indent="-228600" algn="l" defTabSz="457200" rtl="0" eaLnBrk="1" latinLnBrk="0" hangingPunct="1">
+              <a:spcBef>
+                <a:spcPts val="1000"/>
+              </a:spcBef>
+              <a:spcAft>
+                <a:spcPts val="0"/>
+              </a:spcAft>
+              <a:buClr>
+                <a:schemeClr val="accent1"/>
+              </a:buClr>
+              <a:buSzPct val="80000"/>
+              <a:buFont typeface="Wingdings 3" charset="2"/>
+              <a:buChar char=""/>
+              <a:defRPr sz="1400" kern="1200">
+                <a:solidFill>
+                  <a:schemeClr val="tx1">
+                    <a:lumMod val="75000"/>
+                    <a:lumOff val="25000"/>
+                  </a:schemeClr>
+                </a:solidFill>
+                <a:latin typeface="+mn-lt"/>
+                <a:ea typeface="+mn-ea"/>
+                <a:cs typeface="+mn-cs"/>
+              </a:defRPr>
+            </a:lvl3pPr>
+            <a:lvl4pPr marL="1600200" indent="-228600" algn="l" defTabSz="457200" rtl="0" eaLnBrk="1" latinLnBrk="0" hangingPunct="1">
+              <a:spcBef>
+                <a:spcPts val="1000"/>
+              </a:spcBef>
+              <a:spcAft>
+                <a:spcPts val="0"/>
+              </a:spcAft>
+              <a:buClr>
+                <a:schemeClr val="accent1"/>
+              </a:buClr>
+              <a:buSzPct val="80000"/>
+              <a:buFont typeface="Wingdings 3" charset="2"/>
+              <a:buChar char=""/>
+              <a:defRPr sz="1200" kern="1200">
+                <a:solidFill>
+                  <a:schemeClr val="tx1">
+                    <a:lumMod val="75000"/>
+                    <a:lumOff val="25000"/>
+                  </a:schemeClr>
+                </a:solidFill>
+                <a:latin typeface="+mn-lt"/>
+                <a:ea typeface="+mn-ea"/>
+                <a:cs typeface="+mn-cs"/>
+              </a:defRPr>
+            </a:lvl4pPr>
+            <a:lvl5pPr marL="2057400" indent="-228600" algn="l" defTabSz="457200" rtl="0" eaLnBrk="1" latinLnBrk="0" hangingPunct="1">
+              <a:spcBef>
+                <a:spcPts val="1000"/>
+              </a:spcBef>
+              <a:spcAft>
+                <a:spcPts val="0"/>
+              </a:spcAft>
+              <a:buClr>
+                <a:schemeClr val="accent1"/>
+              </a:buClr>
+              <a:buSzPct val="80000"/>
+              <a:buFont typeface="Wingdings 3" charset="2"/>
+              <a:buChar char=""/>
+              <a:defRPr sz="1200" kern="1200">
+                <a:solidFill>
+                  <a:schemeClr val="tx1">
+                    <a:lumMod val="75000"/>
+                    <a:lumOff val="25000"/>
+                  </a:schemeClr>
+                </a:solidFill>
+                <a:latin typeface="+mn-lt"/>
+                <a:ea typeface="+mn-ea"/>
+                <a:cs typeface="+mn-cs"/>
+              </a:defRPr>
+            </a:lvl5pPr>
+            <a:lvl6pPr marL="2514600" indent="-228600" algn="l" defTabSz="457200" rtl="0" eaLnBrk="1" latinLnBrk="0" hangingPunct="1">
+              <a:spcBef>
+                <a:spcPts val="1000"/>
+              </a:spcBef>
+              <a:spcAft>
+                <a:spcPts val="0"/>
+              </a:spcAft>
+              <a:buClr>
+                <a:schemeClr val="accent1"/>
+              </a:buClr>
+              <a:buSzPct val="80000"/>
+              <a:buFont typeface="Wingdings 3" charset="2"/>
+              <a:buChar char=""/>
+              <a:defRPr sz="1200" kern="1200">
+                <a:solidFill>
+                  <a:schemeClr val="tx1">
+                    <a:lumMod val="75000"/>
+                    <a:lumOff val="25000"/>
+                  </a:schemeClr>
+                </a:solidFill>
+                <a:latin typeface="+mn-lt"/>
+                <a:ea typeface="+mn-ea"/>
+                <a:cs typeface="+mn-cs"/>
+              </a:defRPr>
+            </a:lvl6pPr>
+            <a:lvl7pPr marL="2971800" indent="-228600" algn="l" defTabSz="457200" rtl="0" eaLnBrk="1" latinLnBrk="0" hangingPunct="1">
+              <a:spcBef>
+                <a:spcPts val="1000"/>
+              </a:spcBef>
+              <a:spcAft>
+                <a:spcPts val="0"/>
+              </a:spcAft>
+              <a:buClr>
+                <a:schemeClr val="accent1"/>
+              </a:buClr>
+              <a:buSzPct val="80000"/>
+              <a:buFont typeface="Wingdings 3" charset="2"/>
+              <a:buChar char=""/>
+              <a:defRPr sz="1200" kern="1200">
+                <a:solidFill>
+                  <a:schemeClr val="tx1">
+                    <a:lumMod val="75000"/>
+                    <a:lumOff val="25000"/>
+                  </a:schemeClr>
+                </a:solidFill>
+                <a:latin typeface="+mn-lt"/>
+                <a:ea typeface="+mn-ea"/>
+                <a:cs typeface="+mn-cs"/>
+              </a:defRPr>
+            </a:lvl7pPr>
+            <a:lvl8pPr marL="3429000" indent="-228600" algn="l" defTabSz="457200" rtl="0" eaLnBrk="1" latinLnBrk="0" hangingPunct="1">
+              <a:spcBef>
+                <a:spcPts val="1000"/>
+              </a:spcBef>
+              <a:spcAft>
+                <a:spcPts val="0"/>
+              </a:spcAft>
+              <a:buClr>
+                <a:schemeClr val="accent1"/>
+              </a:buClr>
+              <a:buSzPct val="80000"/>
+              <a:buFont typeface="Wingdings 3" charset="2"/>
+              <a:buChar char=""/>
+              <a:defRPr sz="1200" kern="1200">
+                <a:solidFill>
+                  <a:schemeClr val="tx1">
+                    <a:lumMod val="75000"/>
+                    <a:lumOff val="25000"/>
+                  </a:schemeClr>
+                </a:solidFill>
+                <a:latin typeface="+mn-lt"/>
+                <a:ea typeface="+mn-ea"/>
+                <a:cs typeface="+mn-cs"/>
+              </a:defRPr>
+            </a:lvl8pPr>
+            <a:lvl9pPr marL="3886200" indent="-228600" algn="l" defTabSz="457200" rtl="0" eaLnBrk="1" latinLnBrk="0" hangingPunct="1">
+              <a:spcBef>
+                <a:spcPts val="1000"/>
+              </a:spcBef>
+              <a:spcAft>
+                <a:spcPts val="0"/>
+              </a:spcAft>
+              <a:buClr>
+                <a:schemeClr val="accent1"/>
+              </a:buClr>
+              <a:buSzPct val="80000"/>
+              <a:buFont typeface="Wingdings 3" charset="2"/>
+              <a:buChar char=""/>
+              <a:defRPr sz="1200" kern="1200">
+                <a:solidFill>
+                  <a:schemeClr val="tx1">
+                    <a:lumMod val="75000"/>
+                    <a:lumOff val="25000"/>
+                  </a:schemeClr>
+                </a:solidFill>
+                <a:latin typeface="+mn-lt"/>
+                <a:ea typeface="+mn-ea"/>
+                <a:cs typeface="+mn-cs"/>
+              </a:defRPr>
+            </a:lvl9pPr>
+          </a:lstStyle>
+          <a:p>
+            <a:r>
+              <a:rPr lang="en-CA" dirty="0"/>
+              <a:t> </a:t>
+            </a:r>
+            <a:r>
+              <a:rPr lang="en-CA" b="1" dirty="0"/>
+              <a:t>Observation: </a:t>
+            </a:r>
+            <a:r>
+              <a:rPr lang="en-CA" dirty="0"/>
+              <a:t>This </a:t>
+            </a:r>
+            <a:r>
+              <a:rPr lang="en-CA" dirty="0" err="1"/>
+              <a:t>i.i.d</a:t>
+            </a:r>
+            <a:r>
+              <a:rPr lang="en-CA" dirty="0"/>
+              <a:t> source has more matches probability of 0(bias) increases from 0.9 to of 0.99</a:t>
+            </a:r>
+          </a:p>
+        </p:txBody>
+      </p:sp>
+    </p:spTree>
+    <p:extLst>
+      <p:ext uri="{BB962C8B-B14F-4D97-AF65-F5344CB8AC3E}">
+        <p14:creationId xmlns:p14="http://schemas.microsoft.com/office/powerpoint/2010/main" val="2461207678"/>
+      </p:ext>
+    </p:extLst>
+  </p:cSld>
+  <p:clrMapOvr>
+    <a:masterClrMapping/>
+  </p:clrMapOvr>
+</p:sld>
+</file>
+
+<file path=ppt/slides/slide13.xml><?xml version="1.0" encoding="utf-8"?>
+<p:sld xmlns:a="http://schemas.openxmlformats.org/drawingml/2006/main" xmlns:r="http://schemas.openxmlformats.org/officeDocument/2006/relationships" xmlns:p="http://schemas.openxmlformats.org/presentationml/2006/main">
+  <p:cSld>
+    <p:spTree>
+      <p:nvGrpSpPr>
+        <p:cNvPr id="1" name=""/>
+        <p:cNvGrpSpPr/>
+        <p:nvPr/>
+      </p:nvGrpSpPr>
+      <p:grpSpPr>
+        <a:xfrm>
+          <a:off x="0" y="0"/>
+          <a:ext cx="0" cy="0"/>
+          <a:chOff x="0" y="0"/>
+          <a:chExt cx="0" cy="0"/>
+        </a:xfrm>
+      </p:grpSpPr>
+      <p:sp>
+        <p:nvSpPr>
+          <p:cNvPr id="2" name="Title 1"/>
+          <p:cNvSpPr>
+            <a:spLocks noGrp="1"/>
+          </p:cNvSpPr>
+          <p:nvPr>
+            <p:ph type="title"/>
+          </p:nvPr>
+        </p:nvSpPr>
+        <p:spPr>
+          <a:xfrm>
+            <a:off x="443418" y="256325"/>
+            <a:ext cx="8596668" cy="1320800"/>
+          </a:xfrm>
+        </p:spPr>
+        <p:txBody>
+          <a:bodyPr/>
+          <a:lstStyle/>
+          <a:p>
+            <a:r>
+              <a:rPr lang="en-CA" dirty="0"/>
+              <a:t>3.2 Testing Results </a:t>
+            </a:r>
+          </a:p>
+        </p:txBody>
+      </p:sp>
+      <p:sp>
+        <p:nvSpPr>
+          <p:cNvPr id="3" name="Content Placeholder 2"/>
+          <p:cNvSpPr>
+            <a:spLocks noGrp="1"/>
+          </p:cNvSpPr>
+          <p:nvPr>
+            <p:ph idx="1"/>
+          </p:nvPr>
+        </p:nvSpPr>
+        <p:spPr>
+          <a:xfrm>
+            <a:off x="153552" y="929765"/>
+            <a:ext cx="11680382" cy="715775"/>
+          </a:xfrm>
+        </p:spPr>
+        <p:txBody>
+          <a:bodyPr/>
+          <a:lstStyle/>
+          <a:p>
+            <a:r>
+              <a:rPr lang="en-CA" dirty="0"/>
               <a:t> Running simulations for Markov source with P</a:t>
             </a:r>
             <a:r>
@@ -7257,7 +8401,7 @@
           <a:p>
             <a:fld id="{66107F58-1174-4786-9E6A-C888AF396E87}" type="slidenum">
               <a:rPr lang="en-US" smtClean="0"/>
-              <a:t>11</a:t>
+              <a:t>13</a:t>
             </a:fld>
             <a:endParaRPr lang="en-US"/>
           </a:p>
@@ -7705,7 +8849,7 @@
             <a:fld id="{66107F58-1174-4786-9E6A-C888AF396E87}" type="slidenum">
               <a:rPr lang="en-US" sz="2000" smtClean="0"/>
               <a:pPr/>
-              <a:t>11</a:t>
+              <a:t>13</a:t>
             </a:fld>
             <a:endParaRPr lang="en-US" sz="2000" dirty="0"/>
           </a:p>
@@ -7724,7 +8868,7 @@
 </p:sld>
 </file>
 
-<file path=ppt/slides/slide12.xml><?xml version="1.0" encoding="utf-8"?>
+<file path=ppt/slides/slide14.xml><?xml version="1.0" encoding="utf-8"?>
 <p:sld xmlns:a="http://schemas.openxmlformats.org/drawingml/2006/main" xmlns:r="http://schemas.openxmlformats.org/officeDocument/2006/relationships" xmlns:p="http://schemas.openxmlformats.org/presentationml/2006/main" showMasterSp="0">
   <p:cSld>
     <p:spTree>
@@ -7758,7 +8902,7 @@
           <a:p>
             <a:r>
               <a:rPr lang="en-CA" dirty="0"/>
-              <a:t>3. Conclusion</a:t>
+              <a:t>4. Conclusion</a:t>
             </a:r>
           </a:p>
         </p:txBody>
@@ -7790,14 +8934,6 @@
                 <a:latin typeface="Calibri" panose="020F0502020204030204" pitchFamily="34" charset="0"/>
               </a:rPr>
               <a:t>Learnt and implemented adaptive Lempel-Ziv compression</a:t>
-            </a:r>
-          </a:p>
-          <a:p>
-            <a:r>
-              <a:rPr lang="en-CA" sz="3100" dirty="0">
-                <a:latin typeface="Calibri" panose="020F0502020204030204" pitchFamily="34" charset="0"/>
-              </a:rPr>
-              <a:t>Learnt design and implementation of signal processing functions in MATLAB</a:t>
             </a:r>
           </a:p>
           <a:p>
@@ -7953,7 +9089,7 @@
           <a:p>
             <a:fld id="{66107F58-1174-4786-9E6A-C888AF396E87}" type="slidenum">
               <a:rPr lang="en-US" sz="2000" smtClean="0"/>
-              <a:t>12</a:t>
+              <a:t>14</a:t>
             </a:fld>
             <a:endParaRPr lang="en-US" sz="2000" dirty="0"/>
           </a:p>
@@ -7972,7 +9108,7 @@
 </p:sld>
 </file>
 
-<file path=ppt/slides/slide13.xml><?xml version="1.0" encoding="utf-8"?>
+<file path=ppt/slides/slide15.xml><?xml version="1.0" encoding="utf-8"?>
 <p:sld xmlns:a="http://schemas.openxmlformats.org/drawingml/2006/main" xmlns:r="http://schemas.openxmlformats.org/officeDocument/2006/relationships" xmlns:p="http://schemas.openxmlformats.org/presentationml/2006/main">
   <p:cSld>
     <p:spTree>
@@ -8257,7 +9393,7 @@
           <a:p>
             <a:fld id="{66107F58-1174-4786-9E6A-C888AF396E87}" type="slidenum">
               <a:rPr lang="en-US" sz="2000" smtClean="0"/>
-              <a:t>13</a:t>
+              <a:t>15</a:t>
             </a:fld>
             <a:endParaRPr lang="en-US" sz="2000"/>
           </a:p>
@@ -8377,7 +9513,7 @@
 </p:sld>
 </file>
 
-<file path=ppt/slides/slide14.xml><?xml version="1.0" encoding="utf-8"?>
+<file path=ppt/slides/slide16.xml><?xml version="1.0" encoding="utf-8"?>
 <p:sld xmlns:a="http://schemas.openxmlformats.org/drawingml/2006/main" xmlns:r="http://schemas.openxmlformats.org/officeDocument/2006/relationships" xmlns:p="http://schemas.openxmlformats.org/presentationml/2006/main" showMasterSp="0">
   <p:cSld>
     <p:spTree>
@@ -8433,7 +9569,7 @@
           <a:p>
             <a:fld id="{66107F58-1174-4786-9E6A-C888AF396E87}" type="slidenum">
               <a:rPr lang="en-US" smtClean="0"/>
-              <a:t>14</a:t>
+              <a:t>16</a:t>
             </a:fld>
             <a:endParaRPr lang="en-US"/>
           </a:p>
@@ -8452,7 +9588,7 @@
 </p:sld>
 </file>
 
-<file path=ppt/slides/slide15.xml><?xml version="1.0" encoding="utf-8"?>
+<file path=ppt/slides/slide17.xml><?xml version="1.0" encoding="utf-8"?>
 <p:sld xmlns:a="http://schemas.openxmlformats.org/drawingml/2006/main" xmlns:r="http://schemas.openxmlformats.org/officeDocument/2006/relationships" xmlns:p="http://schemas.openxmlformats.org/presentationml/2006/main" showMasterSp="0">
   <p:cSld>
     <p:spTree>
@@ -8673,7 +9809,7 @@
           <a:p>
             <a:fld id="{66107F58-1174-4786-9E6A-C888AF396E87}" type="slidenum">
               <a:rPr lang="en-US" smtClean="0"/>
-              <a:t>15</a:t>
+              <a:t>17</a:t>
             </a:fld>
             <a:endParaRPr lang="en-US"/>
           </a:p>
@@ -8692,7 +9828,7 @@
 </p:sld>
 </file>
 
-<file path=ppt/slides/slide16.xml><?xml version="1.0" encoding="utf-8"?>
+<file path=ppt/slides/slide18.xml><?xml version="1.0" encoding="utf-8"?>
 <p:sld xmlns:a="http://schemas.openxmlformats.org/drawingml/2006/main" xmlns:r="http://schemas.openxmlformats.org/officeDocument/2006/relationships" xmlns:p="http://schemas.openxmlformats.org/presentationml/2006/main" showMasterSp="0">
   <p:cSld>
     <p:spTree>
@@ -8749,7 +9885,7 @@
           <a:graphicData uri="http://schemas.openxmlformats.org/presentationml/2006/ole">
             <mc:AlternateContent xmlns:mc="http://schemas.openxmlformats.org/markup-compatibility/2006">
               <mc:Choice xmlns:v="urn:schemas-microsoft-com:vml" Requires="v">
-                <p:oleObj spid="_x0000_s11397" name="Visio" r:id="rId3" imgW="6831252" imgH="2312601" progId="Visio.Drawing.15">
+                <p:oleObj spid="_x0000_s11401" name="Visio" r:id="rId3" imgW="6831252" imgH="2312601" progId="Visio.Drawing.15">
                   <p:embed/>
                 </p:oleObj>
               </mc:Choice>
@@ -8905,7 +10041,7 @@
           <a:p>
             <a:fld id="{66107F58-1174-4786-9E6A-C888AF396E87}" type="slidenum">
               <a:rPr lang="en-US" smtClean="0"/>
-              <a:t>16</a:t>
+              <a:t>18</a:t>
             </a:fld>
             <a:endParaRPr lang="en-US"/>
           </a:p>
@@ -8924,7 +10060,7 @@
 </p:sld>
 </file>
 
-<file path=ppt/slides/slide17.xml><?xml version="1.0" encoding="utf-8"?>
+<file path=ppt/slides/slide19.xml><?xml version="1.0" encoding="utf-8"?>
 <p:sld xmlns:a="http://schemas.openxmlformats.org/drawingml/2006/main" xmlns:r="http://schemas.openxmlformats.org/officeDocument/2006/relationships" xmlns:p="http://schemas.openxmlformats.org/presentationml/2006/main" showMasterSp="0">
   <p:cSld>
     <p:spTree>
@@ -8981,7 +10117,7 @@
           <a:graphicData uri="http://schemas.openxmlformats.org/presentationml/2006/ole">
             <mc:AlternateContent xmlns:mc="http://schemas.openxmlformats.org/markup-compatibility/2006">
               <mc:Choice xmlns:v="urn:schemas-microsoft-com:vml" Requires="v">
-                <p:oleObj spid="_x0000_s12421" name="Visio" r:id="rId3" imgW="8858276" imgH="3272721" progId="Visio.Drawing.15">
+                <p:oleObj spid="_x0000_s12425" name="Visio" r:id="rId3" imgW="8858276" imgH="3272721" progId="Visio.Drawing.15">
                   <p:embed/>
                 </p:oleObj>
               </mc:Choice>
@@ -9137,7 +10273,7 @@
           <a:p>
             <a:fld id="{66107F58-1174-4786-9E6A-C888AF396E87}" type="slidenum">
               <a:rPr lang="en-US" smtClean="0"/>
-              <a:t>17</a:t>
+              <a:t>19</a:t>
             </a:fld>
             <a:endParaRPr lang="en-US"/>
           </a:p>
@@ -9156,7 +10292,316 @@
 </p:sld>
 </file>
 
-<file path=ppt/slides/slide18.xml><?xml version="1.0" encoding="utf-8"?>
+<file path=ppt/slides/slide2.xml><?xml version="1.0" encoding="utf-8"?>
+<p:sld xmlns:a="http://schemas.openxmlformats.org/drawingml/2006/main" xmlns:r="http://schemas.openxmlformats.org/officeDocument/2006/relationships" xmlns:p="http://schemas.openxmlformats.org/presentationml/2006/main" showMasterSp="0">
+  <p:cSld>
+    <p:spTree>
+      <p:nvGrpSpPr>
+        <p:cNvPr id="1" name=""/>
+        <p:cNvGrpSpPr/>
+        <p:nvPr/>
+      </p:nvGrpSpPr>
+      <p:grpSpPr>
+        <a:xfrm>
+          <a:off x="0" y="0"/>
+          <a:ext cx="0" cy="0"/>
+          <a:chOff x="0" y="0"/>
+          <a:chExt cx="0" cy="0"/>
+        </a:xfrm>
+      </p:grpSpPr>
+      <p:sp>
+        <p:nvSpPr>
+          <p:cNvPr id="2" name="Title 1"/>
+          <p:cNvSpPr>
+            <a:spLocks noGrp="1"/>
+          </p:cNvSpPr>
+          <p:nvPr>
+            <p:ph type="title"/>
+          </p:nvPr>
+        </p:nvSpPr>
+        <p:spPr>
+          <a:xfrm>
+            <a:off x="677334" y="609600"/>
+            <a:ext cx="8596668" cy="757382"/>
+          </a:xfrm>
+        </p:spPr>
+        <p:txBody>
+          <a:bodyPr/>
+          <a:lstStyle/>
+          <a:p>
+            <a:r>
+              <a:rPr lang="en-CA" dirty="0"/>
+              <a:t>Overview			</a:t>
+            </a:r>
+          </a:p>
+        </p:txBody>
+      </p:sp>
+      <p:sp>
+        <p:nvSpPr>
+          <p:cNvPr id="3" name="Content Placeholder 2"/>
+          <p:cNvSpPr>
+            <a:spLocks noGrp="1"/>
+          </p:cNvSpPr>
+          <p:nvPr>
+            <p:ph idx="1"/>
+          </p:nvPr>
+        </p:nvSpPr>
+        <p:spPr>
+          <a:xfrm>
+            <a:off x="693251" y="1251236"/>
+            <a:ext cx="10879988" cy="5491018"/>
+          </a:xfrm>
+        </p:spPr>
+        <p:txBody>
+          <a:bodyPr>
+            <a:noAutofit/>
+          </a:bodyPr>
+          <a:lstStyle/>
+          <a:p>
+            <a:pPr>
+              <a:buFont typeface="+mj-lt"/>
+              <a:buAutoNum type="arabicPeriod"/>
+            </a:pPr>
+            <a:r>
+              <a:rPr lang="en-CA" sz="2400" b="1" dirty="0"/>
+              <a:t>Introduction</a:t>
+            </a:r>
+          </a:p>
+          <a:p>
+            <a:pPr lvl="1"/>
+            <a:r>
+              <a:rPr lang="en-CA" sz="2000" dirty="0"/>
+              <a:t>Background </a:t>
+            </a:r>
+          </a:p>
+          <a:p>
+            <a:pPr lvl="1"/>
+            <a:r>
+              <a:rPr lang="en-CA" sz="2000" dirty="0"/>
+              <a:t>Project Objectives</a:t>
+            </a:r>
+          </a:p>
+          <a:p>
+            <a:pPr>
+              <a:buFont typeface="+mj-lt"/>
+              <a:buAutoNum type="arabicPeriod"/>
+            </a:pPr>
+            <a:r>
+              <a:rPr lang="en-CA" sz="2400" b="1" dirty="0"/>
+              <a:t>Lempel-Ziv Compression Algorithm </a:t>
+            </a:r>
+          </a:p>
+          <a:p>
+            <a:pPr lvl="1"/>
+            <a:r>
+              <a:rPr lang="en-CA" sz="2000" dirty="0"/>
+              <a:t>Theory</a:t>
+            </a:r>
+          </a:p>
+          <a:p>
+            <a:pPr lvl="1"/>
+            <a:r>
+              <a:rPr lang="en-CA" sz="2000" dirty="0"/>
+              <a:t>Extension	</a:t>
+            </a:r>
+          </a:p>
+          <a:p>
+            <a:pPr>
+              <a:buFont typeface="+mj-lt"/>
+              <a:buAutoNum type="arabicPeriod"/>
+            </a:pPr>
+            <a:r>
+              <a:rPr lang="en-CA" sz="2400" b="1" dirty="0"/>
+              <a:t>Implementation and Results</a:t>
+            </a:r>
+            <a:endParaRPr lang="en-CA" sz="2000" dirty="0"/>
+          </a:p>
+          <a:p>
+            <a:pPr lvl="1"/>
+            <a:r>
+              <a:rPr lang="en-CA" sz="2000" dirty="0"/>
+              <a:t>Implementation</a:t>
+            </a:r>
+          </a:p>
+          <a:p>
+            <a:pPr lvl="1"/>
+            <a:r>
+              <a:rPr lang="en-CA" sz="2000" dirty="0"/>
+              <a:t>Results</a:t>
+            </a:r>
+          </a:p>
+          <a:p>
+            <a:pPr marL="514350" indent="-457200">
+              <a:buFont typeface="+mj-lt"/>
+              <a:buAutoNum type="arabicPeriod"/>
+            </a:pPr>
+            <a:r>
+              <a:rPr lang="en-CA" sz="2400" b="1" dirty="0"/>
+              <a:t>Conclusion</a:t>
+            </a:r>
+            <a:r>
+              <a:rPr lang="en-CA" sz="2200" dirty="0"/>
+              <a:t> </a:t>
+            </a:r>
+          </a:p>
+          <a:p>
+            <a:pPr marL="514350" indent="-457200">
+              <a:buFont typeface="+mj-lt"/>
+              <a:buAutoNum type="arabicPeriod"/>
+            </a:pPr>
+            <a:r>
+              <a:rPr lang="en-CA" sz="2400" b="1" dirty="0"/>
+              <a:t>References</a:t>
+            </a:r>
+          </a:p>
+        </p:txBody>
+      </p:sp>
+      <p:grpSp>
+        <p:nvGrpSpPr>
+          <p:cNvPr id="4" name="Group 3"/>
+          <p:cNvGrpSpPr/>
+          <p:nvPr/>
+        </p:nvGrpSpPr>
+        <p:grpSpPr>
+          <a:xfrm>
+            <a:off x="10227237" y="163109"/>
+            <a:ext cx="1752327" cy="594909"/>
+            <a:chOff x="10227237" y="163109"/>
+            <a:chExt cx="1752327" cy="594909"/>
+          </a:xfrm>
+        </p:grpSpPr>
+        <p:pic>
+          <p:nvPicPr>
+            <p:cNvPr id="5" name="Picture 4"/>
+            <p:cNvPicPr>
+              <a:picLocks noChangeAspect="1"/>
+            </p:cNvPicPr>
+            <p:nvPr/>
+          </p:nvPicPr>
+          <p:blipFill rotWithShape="1">
+            <a:blip r:embed="rId2" cstate="print">
+              <a:extLst>
+                <a:ext uri="{28A0092B-C50C-407E-A947-70E740481C1C}">
+                  <a14:useLocalDpi xmlns:a14="http://schemas.microsoft.com/office/drawing/2010/main" val="0"/>
+                </a:ext>
+              </a:extLst>
+            </a:blip>
+            <a:srcRect l="24728"/>
+            <a:stretch/>
+          </p:blipFill>
+          <p:spPr>
+            <a:xfrm>
+              <a:off x="10437091" y="163109"/>
+              <a:ext cx="1477818" cy="459861"/>
+            </a:xfrm>
+            <a:prstGeom prst="rect">
+              <a:avLst/>
+            </a:prstGeom>
+          </p:spPr>
+        </p:pic>
+        <p:cxnSp>
+          <p:nvCxnSpPr>
+            <p:cNvPr id="6" name="Straight Connector 5"/>
+            <p:cNvCxnSpPr/>
+            <p:nvPr/>
+          </p:nvCxnSpPr>
+          <p:spPr>
+            <a:xfrm flipH="1">
+              <a:off x="10372145" y="163109"/>
+              <a:ext cx="291" cy="594909"/>
+            </a:xfrm>
+            <a:prstGeom prst="line">
+              <a:avLst/>
+            </a:prstGeom>
+          </p:spPr>
+          <p:style>
+            <a:lnRef idx="2">
+              <a:schemeClr val="dk1"/>
+            </a:lnRef>
+            <a:fillRef idx="0">
+              <a:schemeClr val="dk1"/>
+            </a:fillRef>
+            <a:effectRef idx="1">
+              <a:schemeClr val="dk1"/>
+            </a:effectRef>
+            <a:fontRef idx="minor">
+              <a:schemeClr val="tx1"/>
+            </a:fontRef>
+          </p:style>
+        </p:cxnSp>
+        <p:cxnSp>
+          <p:nvCxnSpPr>
+            <p:cNvPr id="7" name="Straight Connector 6"/>
+            <p:cNvCxnSpPr/>
+            <p:nvPr/>
+          </p:nvCxnSpPr>
+          <p:spPr>
+            <a:xfrm flipH="1" flipV="1">
+              <a:off x="10227237" y="612819"/>
+              <a:ext cx="1752327" cy="10151"/>
+            </a:xfrm>
+            <a:prstGeom prst="line">
+              <a:avLst/>
+            </a:prstGeom>
+          </p:spPr>
+          <p:style>
+            <a:lnRef idx="2">
+              <a:schemeClr val="dk1"/>
+            </a:lnRef>
+            <a:fillRef idx="0">
+              <a:schemeClr val="dk1"/>
+            </a:fillRef>
+            <a:effectRef idx="1">
+              <a:schemeClr val="dk1"/>
+            </a:effectRef>
+            <a:fontRef idx="minor">
+              <a:schemeClr val="tx1"/>
+            </a:fontRef>
+          </p:style>
+        </p:cxnSp>
+      </p:grpSp>
+      <p:sp>
+        <p:nvSpPr>
+          <p:cNvPr id="11" name="Slide Number Placeholder 10"/>
+          <p:cNvSpPr>
+            <a:spLocks noGrp="1"/>
+          </p:cNvSpPr>
+          <p:nvPr>
+            <p:ph type="sldNum" sz="quarter" idx="12"/>
+          </p:nvPr>
+        </p:nvSpPr>
+        <p:spPr>
+          <a:xfrm>
+            <a:off x="11231570" y="6023195"/>
+            <a:ext cx="683339" cy="365125"/>
+          </a:xfrm>
+        </p:spPr>
+        <p:txBody>
+          <a:bodyPr/>
+          <a:lstStyle/>
+          <a:p>
+            <a:fld id="{66107F58-1174-4786-9E6A-C888AF396E87}" type="slidenum">
+              <a:rPr lang="en-US" sz="2000" smtClean="0"/>
+              <a:t>2</a:t>
+            </a:fld>
+            <a:endParaRPr lang="en-US" sz="2000" dirty="0"/>
+          </a:p>
+        </p:txBody>
+      </p:sp>
+    </p:spTree>
+    <p:extLst>
+      <p:ext uri="{BB962C8B-B14F-4D97-AF65-F5344CB8AC3E}">
+        <p14:creationId xmlns:p14="http://schemas.microsoft.com/office/powerpoint/2010/main" val="410224409"/>
+      </p:ext>
+    </p:extLst>
+  </p:cSld>
+  <p:clrMapOvr>
+    <a:masterClrMapping/>
+  </p:clrMapOvr>
+</p:sld>
+</file>
+
+<file path=ppt/slides/slide20.xml><?xml version="1.0" encoding="utf-8"?>
 <p:sld xmlns:a="http://schemas.openxmlformats.org/drawingml/2006/main" xmlns:r="http://schemas.openxmlformats.org/officeDocument/2006/relationships" xmlns:p="http://schemas.openxmlformats.org/presentationml/2006/main" showMasterSp="0">
   <p:cSld>
     <p:spTree>
@@ -9222,7 +10667,7 @@
           <a:graphicData uri="http://schemas.openxmlformats.org/presentationml/2006/ole">
             <mc:AlternateContent xmlns:mc="http://schemas.openxmlformats.org/markup-compatibility/2006">
               <mc:Choice xmlns:v="urn:schemas-microsoft-com:vml" Requires="v">
-                <p:oleObj spid="_x0000_s13445" name="Visio" r:id="rId3" imgW="6181809" imgH="2914768" progId="Visio.Drawing.15">
+                <p:oleObj spid="_x0000_s13449" name="Visio" r:id="rId3" imgW="6181809" imgH="2914768" progId="Visio.Drawing.15">
                   <p:embed/>
                 </p:oleObj>
               </mc:Choice>
@@ -9378,7 +10823,7 @@
           <a:p>
             <a:fld id="{66107F58-1174-4786-9E6A-C888AF396E87}" type="slidenum">
               <a:rPr lang="en-US" smtClean="0"/>
-              <a:t>18</a:t>
+              <a:t>20</a:t>
             </a:fld>
             <a:endParaRPr lang="en-US"/>
           </a:p>
@@ -9397,7 +10842,7 @@
 </p:sld>
 </file>
 
-<file path=ppt/slides/slide19.xml><?xml version="1.0" encoding="utf-8"?>
+<file path=ppt/slides/slide21.xml><?xml version="1.0" encoding="utf-8"?>
 <p:sld xmlns:a="http://schemas.openxmlformats.org/drawingml/2006/main" xmlns:r="http://schemas.openxmlformats.org/officeDocument/2006/relationships" xmlns:p="http://schemas.openxmlformats.org/presentationml/2006/main" showMasterSp="0">
   <p:cSld>
     <p:spTree>
@@ -9587,7 +11032,7 @@
           <a:p>
             <a:fld id="{66107F58-1174-4786-9E6A-C888AF396E87}" type="slidenum">
               <a:rPr lang="en-US" smtClean="0"/>
-              <a:t>19</a:t>
+              <a:t>21</a:t>
             </a:fld>
             <a:endParaRPr lang="en-US"/>
           </a:p>
@@ -9606,292 +11051,7 @@
 </p:sld>
 </file>
 
-<file path=ppt/slides/slide2.xml><?xml version="1.0" encoding="utf-8"?>
-<p:sld xmlns:a="http://schemas.openxmlformats.org/drawingml/2006/main" xmlns:r="http://schemas.openxmlformats.org/officeDocument/2006/relationships" xmlns:p="http://schemas.openxmlformats.org/presentationml/2006/main" showMasterSp="0">
-  <p:cSld>
-    <p:spTree>
-      <p:nvGrpSpPr>
-        <p:cNvPr id="1" name=""/>
-        <p:cNvGrpSpPr/>
-        <p:nvPr/>
-      </p:nvGrpSpPr>
-      <p:grpSpPr>
-        <a:xfrm>
-          <a:off x="0" y="0"/>
-          <a:ext cx="0" cy="0"/>
-          <a:chOff x="0" y="0"/>
-          <a:chExt cx="0" cy="0"/>
-        </a:xfrm>
-      </p:grpSpPr>
-      <p:sp>
-        <p:nvSpPr>
-          <p:cNvPr id="2" name="Title 1"/>
-          <p:cNvSpPr>
-            <a:spLocks noGrp="1"/>
-          </p:cNvSpPr>
-          <p:nvPr>
-            <p:ph type="title"/>
-          </p:nvPr>
-        </p:nvSpPr>
-        <p:spPr>
-          <a:xfrm>
-            <a:off x="677334" y="609600"/>
-            <a:ext cx="8596668" cy="757382"/>
-          </a:xfrm>
-        </p:spPr>
-        <p:txBody>
-          <a:bodyPr/>
-          <a:lstStyle/>
-          <a:p>
-            <a:r>
-              <a:rPr lang="en-CA" dirty="0"/>
-              <a:t>Overview			</a:t>
-            </a:r>
-          </a:p>
-        </p:txBody>
-      </p:sp>
-      <p:sp>
-        <p:nvSpPr>
-          <p:cNvPr id="3" name="Content Placeholder 2"/>
-          <p:cNvSpPr>
-            <a:spLocks noGrp="1"/>
-          </p:cNvSpPr>
-          <p:nvPr>
-            <p:ph idx="1"/>
-          </p:nvPr>
-        </p:nvSpPr>
-        <p:spPr>
-          <a:xfrm>
-            <a:off x="693251" y="1251236"/>
-            <a:ext cx="10879988" cy="5491018"/>
-          </a:xfrm>
-        </p:spPr>
-        <p:txBody>
-          <a:bodyPr>
-            <a:noAutofit/>
-          </a:bodyPr>
-          <a:lstStyle/>
-          <a:p>
-            <a:pPr>
-              <a:buFont typeface="+mj-lt"/>
-              <a:buAutoNum type="arabicPeriod"/>
-            </a:pPr>
-            <a:r>
-              <a:rPr lang="en-CA" sz="2400" b="1" dirty="0"/>
-              <a:t>Introduction</a:t>
-            </a:r>
-          </a:p>
-          <a:p>
-            <a:pPr lvl="1"/>
-            <a:r>
-              <a:rPr lang="en-CA" sz="2000" dirty="0"/>
-              <a:t>Background </a:t>
-            </a:r>
-          </a:p>
-          <a:p>
-            <a:pPr lvl="1"/>
-            <a:r>
-              <a:rPr lang="en-CA" sz="2000" dirty="0"/>
-              <a:t>Project Objectives</a:t>
-            </a:r>
-          </a:p>
-          <a:p>
-            <a:pPr>
-              <a:buFont typeface="+mj-lt"/>
-              <a:buAutoNum type="arabicPeriod"/>
-            </a:pPr>
-            <a:r>
-              <a:rPr lang="en-CA" sz="2400" b="1" dirty="0"/>
-              <a:t>Lempel-Ziv Compression Algorithm </a:t>
-            </a:r>
-          </a:p>
-          <a:p>
-            <a:pPr lvl="1"/>
-            <a:r>
-              <a:rPr lang="en-CA" sz="2000" dirty="0"/>
-              <a:t>Theory</a:t>
-            </a:r>
-          </a:p>
-          <a:p>
-            <a:pPr lvl="1"/>
-            <a:r>
-              <a:rPr lang="en-CA" sz="2000" dirty="0"/>
-              <a:t>Extension	</a:t>
-            </a:r>
-          </a:p>
-          <a:p>
-            <a:pPr>
-              <a:buFont typeface="+mj-lt"/>
-              <a:buAutoNum type="arabicPeriod"/>
-            </a:pPr>
-            <a:r>
-              <a:rPr lang="en-CA" sz="2400" b="1" dirty="0"/>
-              <a:t>Implementation and Results</a:t>
-            </a:r>
-            <a:endParaRPr lang="en-CA" sz="2000" dirty="0"/>
-          </a:p>
-          <a:p>
-            <a:pPr lvl="1"/>
-            <a:r>
-              <a:rPr lang="en-CA" sz="2000" dirty="0"/>
-              <a:t>Implementation</a:t>
-            </a:r>
-          </a:p>
-          <a:p>
-            <a:pPr lvl="1"/>
-            <a:r>
-              <a:rPr lang="en-CA" sz="2000" dirty="0"/>
-              <a:t>Results</a:t>
-            </a:r>
-          </a:p>
-        </p:txBody>
-      </p:sp>
-      <p:grpSp>
-        <p:nvGrpSpPr>
-          <p:cNvPr id="4" name="Group 3"/>
-          <p:cNvGrpSpPr/>
-          <p:nvPr/>
-        </p:nvGrpSpPr>
-        <p:grpSpPr>
-          <a:xfrm>
-            <a:off x="10227237" y="163109"/>
-            <a:ext cx="1752327" cy="594909"/>
-            <a:chOff x="10227237" y="163109"/>
-            <a:chExt cx="1752327" cy="594909"/>
-          </a:xfrm>
-        </p:grpSpPr>
-        <p:pic>
-          <p:nvPicPr>
-            <p:cNvPr id="5" name="Picture 4"/>
-            <p:cNvPicPr>
-              <a:picLocks noChangeAspect="1"/>
-            </p:cNvPicPr>
-            <p:nvPr/>
-          </p:nvPicPr>
-          <p:blipFill rotWithShape="1">
-            <a:blip r:embed="rId2" cstate="print">
-              <a:extLst>
-                <a:ext uri="{28A0092B-C50C-407E-A947-70E740481C1C}">
-                  <a14:useLocalDpi xmlns:a14="http://schemas.microsoft.com/office/drawing/2010/main" val="0"/>
-                </a:ext>
-              </a:extLst>
-            </a:blip>
-            <a:srcRect l="24728"/>
-            <a:stretch/>
-          </p:blipFill>
-          <p:spPr>
-            <a:xfrm>
-              <a:off x="10437091" y="163109"/>
-              <a:ext cx="1477818" cy="459861"/>
-            </a:xfrm>
-            <a:prstGeom prst="rect">
-              <a:avLst/>
-            </a:prstGeom>
-          </p:spPr>
-        </p:pic>
-        <p:cxnSp>
-          <p:nvCxnSpPr>
-            <p:cNvPr id="6" name="Straight Connector 5"/>
-            <p:cNvCxnSpPr/>
-            <p:nvPr/>
-          </p:nvCxnSpPr>
-          <p:spPr>
-            <a:xfrm flipH="1">
-              <a:off x="10372145" y="163109"/>
-              <a:ext cx="291" cy="594909"/>
-            </a:xfrm>
-            <a:prstGeom prst="line">
-              <a:avLst/>
-            </a:prstGeom>
-          </p:spPr>
-          <p:style>
-            <a:lnRef idx="2">
-              <a:schemeClr val="dk1"/>
-            </a:lnRef>
-            <a:fillRef idx="0">
-              <a:schemeClr val="dk1"/>
-            </a:fillRef>
-            <a:effectRef idx="1">
-              <a:schemeClr val="dk1"/>
-            </a:effectRef>
-            <a:fontRef idx="minor">
-              <a:schemeClr val="tx1"/>
-            </a:fontRef>
-          </p:style>
-        </p:cxnSp>
-        <p:cxnSp>
-          <p:nvCxnSpPr>
-            <p:cNvPr id="7" name="Straight Connector 6"/>
-            <p:cNvCxnSpPr/>
-            <p:nvPr/>
-          </p:nvCxnSpPr>
-          <p:spPr>
-            <a:xfrm flipH="1" flipV="1">
-              <a:off x="10227237" y="612819"/>
-              <a:ext cx="1752327" cy="10151"/>
-            </a:xfrm>
-            <a:prstGeom prst="line">
-              <a:avLst/>
-            </a:prstGeom>
-          </p:spPr>
-          <p:style>
-            <a:lnRef idx="2">
-              <a:schemeClr val="dk1"/>
-            </a:lnRef>
-            <a:fillRef idx="0">
-              <a:schemeClr val="dk1"/>
-            </a:fillRef>
-            <a:effectRef idx="1">
-              <a:schemeClr val="dk1"/>
-            </a:effectRef>
-            <a:fontRef idx="minor">
-              <a:schemeClr val="tx1"/>
-            </a:fontRef>
-          </p:style>
-        </p:cxnSp>
-      </p:grpSp>
-      <p:sp>
-        <p:nvSpPr>
-          <p:cNvPr id="11" name="Slide Number Placeholder 10"/>
-          <p:cNvSpPr>
-            <a:spLocks noGrp="1"/>
-          </p:cNvSpPr>
-          <p:nvPr>
-            <p:ph type="sldNum" sz="quarter" idx="12"/>
-          </p:nvPr>
-        </p:nvSpPr>
-        <p:spPr>
-          <a:xfrm>
-            <a:off x="11231570" y="6023195"/>
-            <a:ext cx="683339" cy="365125"/>
-          </a:xfrm>
-        </p:spPr>
-        <p:txBody>
-          <a:bodyPr/>
-          <a:lstStyle/>
-          <a:p>
-            <a:fld id="{66107F58-1174-4786-9E6A-C888AF396E87}" type="slidenum">
-              <a:rPr lang="en-US" sz="2000" smtClean="0"/>
-              <a:t>2</a:t>
-            </a:fld>
-            <a:endParaRPr lang="en-US" sz="2000" dirty="0"/>
-          </a:p>
-        </p:txBody>
-      </p:sp>
-    </p:spTree>
-    <p:extLst>
-      <p:ext uri="{BB962C8B-B14F-4D97-AF65-F5344CB8AC3E}">
-        <p14:creationId xmlns:p14="http://schemas.microsoft.com/office/powerpoint/2010/main" val="410224409"/>
-      </p:ext>
-    </p:extLst>
-  </p:cSld>
-  <p:clrMapOvr>
-    <a:masterClrMapping/>
-  </p:clrMapOvr>
-</p:sld>
-</file>
-
-<file path=ppt/slides/slide20.xml><?xml version="1.0" encoding="utf-8"?>
+<file path=ppt/slides/slide22.xml><?xml version="1.0" encoding="utf-8"?>
 <p:sld xmlns:a="http://schemas.openxmlformats.org/drawingml/2006/main" xmlns:r="http://schemas.openxmlformats.org/officeDocument/2006/relationships" xmlns:p="http://schemas.openxmlformats.org/presentationml/2006/main" showMasterSp="0">
   <p:cSld>
     <p:spTree>
@@ -9952,7 +11112,7 @@
           <a:graphicData uri="http://schemas.openxmlformats.org/presentationml/2006/ole">
             <mc:AlternateContent xmlns:mc="http://schemas.openxmlformats.org/markup-compatibility/2006">
               <mc:Choice xmlns:v="urn:schemas-microsoft-com:vml" Requires="v">
-                <p:oleObj spid="_x0000_s16499" name="Visio" r:id="rId3" imgW="11953994" imgH="3581431" progId="Visio.Drawing.15">
+                <p:oleObj spid="_x0000_s16503" name="Visio" r:id="rId3" imgW="11953994" imgH="3581431" progId="Visio.Drawing.15">
                   <p:embed/>
                 </p:oleObj>
               </mc:Choice>
@@ -10108,7 +11268,7 @@
           <a:p>
             <a:fld id="{66107F58-1174-4786-9E6A-C888AF396E87}" type="slidenum">
               <a:rPr lang="en-US" smtClean="0"/>
-              <a:t>20</a:t>
+              <a:t>22</a:t>
             </a:fld>
             <a:endParaRPr lang="en-US"/>
           </a:p>
@@ -10656,7 +11816,7 @@
             </a:pPr>
             <a:r>
               <a:rPr lang="en-US" sz="3200" dirty="0"/>
-              <a:t>In 2011, EMC cloud computing company estimated that the data in the world is: </a:t>
+              <a:t>In 2011, EMC cloud computing company estimated that the data in the world is[1]: </a:t>
             </a:r>
           </a:p>
           <a:p>
@@ -10948,7 +12108,7 @@
           <a:p>
             <a:r>
               <a:rPr lang="en-US" sz="3200" dirty="0"/>
-              <a:t>A survey in 2014 concluded that every minute, 72 hours of video content is uploaded on YouTube and Google receives over 4 million search queries.  </a:t>
+              <a:t>A survey in 2014 concluded that every minute, 72 hours of video content is uploaded on YouTube and Google receives over 4 million search queries[2].  </a:t>
             </a:r>
           </a:p>
           <a:p>
@@ -12988,8 +14148,8 @@
           </p:style>
         </p:cxnSp>
       </p:grpSp>
-      <mc:AlternateContent xmlns:mc="http://schemas.openxmlformats.org/markup-compatibility/2006" xmlns:a14="http://schemas.microsoft.com/office/drawing/2010/main">
-        <mc:Choice Requires="a14">
+      <mc:AlternateContent xmlns:mc="http://schemas.openxmlformats.org/markup-compatibility/2006">
+        <mc:Choice xmlns:a14="http://schemas.microsoft.com/office/drawing/2010/main" Requires="a14">
           <p:sp>
             <p:nvSpPr>
               <p:cNvPr id="29" name="Content Placeholder 2"/>
@@ -13009,7 +14169,7 @@
             </p:spPr>
             <p:txBody>
               <a:bodyPr vert="horz" lIns="91440" tIns="45720" rIns="91440" bIns="45720" rtlCol="0">
-                <a:normAutofit/>
+                <a:normAutofit fontScale="92500" lnSpcReduction="20000"/>
               </a:bodyPr>
               <a:lstStyle>
                 <a:lvl1pPr marL="342900" indent="-342900" algn="l" defTabSz="457200" rtl="0" eaLnBrk="1" latinLnBrk="0" hangingPunct="1">
@@ -13418,6 +14578,188 @@
               <a:p>
                 <a:r>
                   <a:rPr lang="en-CA" sz="2400" dirty="0"/>
+                  <a:t>E(L) is given by: </a:t>
+                </a:r>
+                <a:r>
+                  <a:rPr lang="en-CA" sz="2400" dirty="0" err="1"/>
+                  <a:t>P</a:t>
+                </a:r>
+                <a:r>
+                  <a:rPr lang="en-CA" sz="2400" baseline="-25000" dirty="0" err="1"/>
+                  <a:t>match</a:t>
+                </a:r>
+                <a:r>
+                  <a:rPr lang="en-CA" sz="2400" dirty="0"/>
+                  <a:t> ×(</a:t>
+                </a:r>
+                <a14:m>
+                  <m:oMath xmlns:m="http://schemas.openxmlformats.org/officeDocument/2006/math">
+                    <m:f>
+                      <m:fPr>
+                        <m:ctrlPr>
+                          <a:rPr lang="en-CA" sz="2400" b="0" i="1" smtClean="0">
+                            <a:latin typeface="Cambria Math" panose="02040503050406030204" pitchFamily="18" charset="0"/>
+                          </a:rPr>
+                        </m:ctrlPr>
+                      </m:fPr>
+                      <m:num>
+                        <m:r>
+                          <a:rPr lang="en-CA" sz="2400" b="0" i="1" smtClean="0">
+                            <a:latin typeface="Cambria Math" panose="02040503050406030204" pitchFamily="18" charset="0"/>
+                          </a:rPr>
+                          <m:t>1+</m:t>
+                        </m:r>
+                        <m:r>
+                          <a:rPr lang="en-CA" sz="2400" b="0" i="1" smtClean="0">
+                            <a:latin typeface="Cambria Math" panose="02040503050406030204" pitchFamily="18" charset="0"/>
+                          </a:rPr>
+                          <m:t>𝑙𝑜𝑔</m:t>
+                        </m:r>
+                        <m:r>
+                          <a:rPr lang="en-CA" sz="2400" b="0" i="1" smtClean="0">
+                            <a:latin typeface="Cambria Math" panose="02040503050406030204" pitchFamily="18" charset="0"/>
+                          </a:rPr>
+                          <m:t>2(</m:t>
+                        </m:r>
+                        <m:r>
+                          <a:rPr lang="en-CA" sz="2400" b="0" i="1" smtClean="0">
+                            <a:latin typeface="Cambria Math" panose="02040503050406030204" pitchFamily="18" charset="0"/>
+                          </a:rPr>
+                          <m:t>𝑤</m:t>
+                        </m:r>
+                        <m:r>
+                          <a:rPr lang="en-CA" sz="2400" b="0" i="1" smtClean="0">
+                            <a:latin typeface="Cambria Math" panose="02040503050406030204" pitchFamily="18" charset="0"/>
+                          </a:rPr>
+                          <m:t>)</m:t>
+                        </m:r>
+                      </m:num>
+                      <m:den>
+                        <m:r>
+                          <a:rPr lang="en-CA" sz="2400" b="0" i="1" smtClean="0">
+                            <a:latin typeface="Cambria Math" panose="02040503050406030204" pitchFamily="18" charset="0"/>
+                          </a:rPr>
+                          <m:t>𝑛</m:t>
+                        </m:r>
+                      </m:den>
+                    </m:f>
+                    <m:r>
+                      <a:rPr lang="en-CA" sz="2400" b="0" i="1" smtClean="0">
+                        <a:latin typeface="Cambria Math" panose="02040503050406030204" pitchFamily="18" charset="0"/>
+                      </a:rPr>
+                      <m:t> ) </m:t>
+                    </m:r>
+                  </m:oMath>
+                </a14:m>
+                <a:r>
+                  <a:rPr lang="en-CA" sz="2400" b="0" dirty="0"/>
+                  <a:t>+ </a:t>
+                </a:r>
+                <a:r>
+                  <a:rPr lang="en-CA" sz="2400" dirty="0"/>
+                  <a:t>P </a:t>
+                </a:r>
+                <a:r>
+                  <a:rPr lang="en-CA" sz="2400" baseline="-25000" dirty="0"/>
+                  <a:t>no-match</a:t>
+                </a:r>
+                <a:r>
+                  <a:rPr lang="en-CA" sz="2400" dirty="0"/>
+                  <a:t> ×(</a:t>
+                </a:r>
+                <a14:m>
+                  <m:oMath xmlns:m="http://schemas.openxmlformats.org/officeDocument/2006/math">
+                    <m:f>
+                      <m:fPr>
+                        <m:ctrlPr>
+                          <a:rPr lang="en-CA" sz="2400" i="1">
+                            <a:latin typeface="Cambria Math" panose="02040503050406030204" pitchFamily="18" charset="0"/>
+                          </a:rPr>
+                        </m:ctrlPr>
+                      </m:fPr>
+                      <m:num>
+                        <m:r>
+                          <a:rPr lang="en-CA" sz="2400" i="1">
+                            <a:latin typeface="Cambria Math" panose="02040503050406030204" pitchFamily="18" charset="0"/>
+                          </a:rPr>
+                          <m:t>1+</m:t>
+                        </m:r>
+                        <m:r>
+                          <a:rPr lang="en-CA" sz="2400" b="0" i="1" smtClean="0">
+                            <a:latin typeface="Cambria Math" panose="02040503050406030204" pitchFamily="18" charset="0"/>
+                          </a:rPr>
+                          <m:t>𝑛𝐻</m:t>
+                        </m:r>
+                        <m:d>
+                          <m:dPr>
+                            <m:ctrlPr>
+                              <a:rPr lang="en-CA" sz="2400" b="0" i="1" smtClean="0">
+                                <a:latin typeface="Cambria Math" panose="02040503050406030204" pitchFamily="18" charset="0"/>
+                              </a:rPr>
+                            </m:ctrlPr>
+                          </m:dPr>
+                          <m:e>
+                            <m:r>
+                              <a:rPr lang="en-CA" sz="2400" b="0" i="1" smtClean="0">
+                                <a:latin typeface="Cambria Math" panose="02040503050406030204" pitchFamily="18" charset="0"/>
+                              </a:rPr>
+                              <m:t>𝑋</m:t>
+                            </m:r>
+                          </m:e>
+                        </m:d>
+                        <m:r>
+                          <a:rPr lang="en-CA" sz="2400" b="0" i="1" smtClean="0">
+                            <a:latin typeface="Cambria Math" panose="02040503050406030204" pitchFamily="18" charset="0"/>
+                          </a:rPr>
+                          <m:t>+2</m:t>
+                        </m:r>
+                        <m:r>
+                          <a:rPr lang="en-CA" sz="2400" b="0" i="1" smtClean="0">
+                            <a:latin typeface="Cambria Math" panose="02040503050406030204" pitchFamily="18" charset="0"/>
+                          </a:rPr>
+                          <m:t>𝑙𝑜𝑔</m:t>
+                        </m:r>
+                        <m:r>
+                          <a:rPr lang="en-CA" sz="2400" b="0" i="1" smtClean="0">
+                            <a:latin typeface="Cambria Math" panose="02040503050406030204" pitchFamily="18" charset="0"/>
+                          </a:rPr>
+                          <m:t>2(</m:t>
+                        </m:r>
+                        <m:r>
+                          <a:rPr lang="en-CA" sz="2400" b="0" i="1" smtClean="0">
+                            <a:latin typeface="Cambria Math" panose="02040503050406030204" pitchFamily="18" charset="0"/>
+                          </a:rPr>
+                          <m:t>𝑁</m:t>
+                        </m:r>
+                        <m:r>
+                          <a:rPr lang="en-CA" sz="2400" b="0" i="1" smtClean="0">
+                            <a:latin typeface="Cambria Math" panose="02040503050406030204" pitchFamily="18" charset="0"/>
+                          </a:rPr>
+                          <m:t>)</m:t>
+                        </m:r>
+                      </m:num>
+                      <m:den>
+                        <m:r>
+                          <a:rPr lang="en-CA" sz="2400" i="1">
+                            <a:latin typeface="Cambria Math" panose="02040503050406030204" pitchFamily="18" charset="0"/>
+                          </a:rPr>
+                          <m:t>𝑛</m:t>
+                        </m:r>
+                      </m:den>
+                    </m:f>
+                    <m:r>
+                      <a:rPr lang="en-CA" sz="2400" i="1">
+                        <a:latin typeface="Cambria Math" panose="02040503050406030204" pitchFamily="18" charset="0"/>
+                      </a:rPr>
+                      <m:t> ) </m:t>
+                    </m:r>
+                  </m:oMath>
+                </a14:m>
+                <a:endParaRPr lang="en-CA" sz="2400" b="0" dirty="0"/>
+              </a:p>
+              <a:p>
+                <a:r>
+                  <a:rPr lang="en-CA" sz="2400" dirty="0"/>
                   <a:t>An example of adaptive Lempel-Ziv compression with n = 3, P</a:t>
                 </a:r>
                 <a:r>
@@ -13448,7 +14790,7 @@
             </p:txBody>
           </p:sp>
         </mc:Choice>
-        <mc:Fallback xmlns="">
+        <mc:Fallback>
           <p:sp>
             <p:nvSpPr>
               <p:cNvPr id="29" name="Content Placeholder 2"/>
@@ -13468,7 +14810,7 @@
               <a:blipFill>
                 <a:blip r:embed="rId3"/>
                 <a:stretch>
-                  <a:fillRect l="-447"/>
+                  <a:fillRect l="-336" t="-1887" r="-224"/>
                 </a:stretch>
               </a:blipFill>
             </p:spPr>
@@ -16069,19 +17411,14 @@
             <p:ph type="title"/>
           </p:nvPr>
         </p:nvSpPr>
-        <p:spPr>
-          <a:xfrm>
-            <a:off x="443418" y="256325"/>
-            <a:ext cx="8596668" cy="1320800"/>
-          </a:xfrm>
-        </p:spPr>
+        <p:spPr/>
         <p:txBody>
           <a:bodyPr/>
           <a:lstStyle/>
           <a:p>
             <a:r>
               <a:rPr lang="en-CA" dirty="0"/>
-              <a:t>Testing Results </a:t>
+              <a:t>3.2 Testing Results </a:t>
             </a:r>
           </a:p>
         </p:txBody>
@@ -16098,8 +17435,8 @@
         </p:nvSpPr>
         <p:spPr>
           <a:xfrm>
-            <a:off x="153552" y="929765"/>
-            <a:ext cx="11680382" cy="715775"/>
+            <a:off x="182384" y="1481080"/>
+            <a:ext cx="11514666" cy="599389"/>
           </a:xfrm>
         </p:spPr>
         <p:txBody>
@@ -16108,7 +17445,7 @@
           <a:p>
             <a:r>
               <a:rPr lang="en-CA" dirty="0"/>
-              <a:t> Running simulations for </a:t>
+              <a:t>Running simulations for </a:t>
             </a:r>
             <a:r>
               <a:rPr lang="en-CA" dirty="0" err="1"/>
@@ -16124,42 +17461,14 @@
             </a:r>
             <a:r>
               <a:rPr lang="en-CA" dirty="0"/>
-              <a:t> = 0.90 for different matches of n = 2, 5, 10, 20, 25, 50, 80, 100  with input file size 10</a:t>
-            </a:r>
-            <a:r>
-              <a:rPr lang="en-CA" baseline="30000" dirty="0"/>
-              <a:t>4</a:t>
-            </a:r>
-            <a:endParaRPr lang="en-CA" dirty="0"/>
-          </a:p>
-        </p:txBody>
-      </p:sp>
-      <p:sp>
-        <p:nvSpPr>
-          <p:cNvPr id="4" name="Slide Number Placeholder 3"/>
-          <p:cNvSpPr>
-            <a:spLocks noGrp="1"/>
-          </p:cNvSpPr>
-          <p:nvPr>
-            <p:ph type="sldNum" sz="quarter" idx="12"/>
-          </p:nvPr>
-        </p:nvSpPr>
-        <p:spPr/>
-        <p:txBody>
-          <a:bodyPr/>
-          <a:lstStyle/>
-          <a:p>
-            <a:fld id="{66107F58-1174-4786-9E6A-C888AF396E87}" type="slidenum">
-              <a:rPr lang="en-US" smtClean="0"/>
-              <a:t>9</a:t>
-            </a:fld>
-            <a:endParaRPr lang="en-US"/>
+              <a:t> = 0.95 for different input sizes: 50, 500, 5000, 50000, 500000</a:t>
+            </a:r>
           </a:p>
         </p:txBody>
       </p:sp>
       <p:pic>
         <p:nvPicPr>
-          <p:cNvPr id="9" name="Picture 8"/>
+          <p:cNvPr id="5" name="Picture 4"/>
           <p:cNvPicPr>
             <a:picLocks noChangeAspect="1"/>
           </p:cNvPicPr>
@@ -16179,311 +17488,17 @@
         </p:blipFill>
         <p:spPr>
           <a:xfrm>
-            <a:off x="443418" y="2001035"/>
-            <a:ext cx="5276898" cy="3957672"/>
+            <a:off x="3179618" y="2080469"/>
+            <a:ext cx="5334000" cy="4000500"/>
           </a:xfrm>
           <a:prstGeom prst="rect">
             <a:avLst/>
           </a:prstGeom>
         </p:spPr>
       </p:pic>
-      <p:pic>
-        <p:nvPicPr>
-          <p:cNvPr id="10" name="Picture 9"/>
-          <p:cNvPicPr>
-            <a:picLocks noChangeAspect="1"/>
-          </p:cNvPicPr>
-          <p:nvPr/>
-        </p:nvPicPr>
-        <p:blipFill>
-          <a:blip r:embed="rId3">
-            <a:extLst>
-              <a:ext uri="{28A0092B-C50C-407E-A947-70E740481C1C}">
-                <a14:useLocalDpi xmlns:a14="http://schemas.microsoft.com/office/drawing/2010/main" val="0"/>
-              </a:ext>
-            </a:extLst>
-          </a:blip>
-          <a:stretch>
-            <a:fillRect/>
-          </a:stretch>
-        </p:blipFill>
-        <p:spPr>
-          <a:xfrm>
-            <a:off x="6195635" y="2001035"/>
-            <a:ext cx="5276896" cy="3957672"/>
-          </a:xfrm>
-          <a:prstGeom prst="rect">
-            <a:avLst/>
-          </a:prstGeom>
-        </p:spPr>
-      </p:pic>
-      <p:sp>
-        <p:nvSpPr>
-          <p:cNvPr id="7" name="Content Placeholder 2"/>
-          <p:cNvSpPr txBox="1">
-            <a:spLocks/>
-          </p:cNvSpPr>
-          <p:nvPr/>
-        </p:nvSpPr>
-        <p:spPr>
-          <a:xfrm>
-            <a:off x="355444" y="6048599"/>
-            <a:ext cx="11680382" cy="715775"/>
-          </a:xfrm>
-          <a:prstGeom prst="rect">
-            <a:avLst/>
-          </a:prstGeom>
-        </p:spPr>
-        <p:txBody>
-          <a:bodyPr vert="horz" lIns="91440" tIns="45720" rIns="91440" bIns="45720" rtlCol="0">
-            <a:normAutofit/>
-          </a:bodyPr>
-          <a:lstStyle>
-            <a:lvl1pPr marL="342900" indent="-342900" algn="l" defTabSz="457200" rtl="0" eaLnBrk="1" latinLnBrk="0" hangingPunct="1">
-              <a:spcBef>
-                <a:spcPts val="1000"/>
-              </a:spcBef>
-              <a:spcAft>
-                <a:spcPts val="0"/>
-              </a:spcAft>
-              <a:buClr>
-                <a:schemeClr val="accent1"/>
-              </a:buClr>
-              <a:buSzPct val="80000"/>
-              <a:buFont typeface="Wingdings 3" charset="2"/>
-              <a:buChar char=""/>
-              <a:defRPr sz="1800" kern="1200">
-                <a:solidFill>
-                  <a:schemeClr val="tx1">
-                    <a:lumMod val="75000"/>
-                    <a:lumOff val="25000"/>
-                  </a:schemeClr>
-                </a:solidFill>
-                <a:latin typeface="+mn-lt"/>
-                <a:ea typeface="+mn-ea"/>
-                <a:cs typeface="+mn-cs"/>
-              </a:defRPr>
-            </a:lvl1pPr>
-            <a:lvl2pPr marL="742950" indent="-285750" algn="l" defTabSz="457200" rtl="0" eaLnBrk="1" latinLnBrk="0" hangingPunct="1">
-              <a:spcBef>
-                <a:spcPts val="1000"/>
-              </a:spcBef>
-              <a:spcAft>
-                <a:spcPts val="0"/>
-              </a:spcAft>
-              <a:buClr>
-                <a:schemeClr val="accent1"/>
-              </a:buClr>
-              <a:buSzPct val="80000"/>
-              <a:buFont typeface="Wingdings 3" charset="2"/>
-              <a:buChar char=""/>
-              <a:defRPr sz="1600" kern="1200">
-                <a:solidFill>
-                  <a:schemeClr val="tx1">
-                    <a:lumMod val="75000"/>
-                    <a:lumOff val="25000"/>
-                  </a:schemeClr>
-                </a:solidFill>
-                <a:latin typeface="+mn-lt"/>
-                <a:ea typeface="+mn-ea"/>
-                <a:cs typeface="+mn-cs"/>
-              </a:defRPr>
-            </a:lvl2pPr>
-            <a:lvl3pPr marL="1143000" indent="-228600" algn="l" defTabSz="457200" rtl="0" eaLnBrk="1" latinLnBrk="0" hangingPunct="1">
-              <a:spcBef>
-                <a:spcPts val="1000"/>
-              </a:spcBef>
-              <a:spcAft>
-                <a:spcPts val="0"/>
-              </a:spcAft>
-              <a:buClr>
-                <a:schemeClr val="accent1"/>
-              </a:buClr>
-              <a:buSzPct val="80000"/>
-              <a:buFont typeface="Wingdings 3" charset="2"/>
-              <a:buChar char=""/>
-              <a:defRPr sz="1400" kern="1200">
-                <a:solidFill>
-                  <a:schemeClr val="tx1">
-                    <a:lumMod val="75000"/>
-                    <a:lumOff val="25000"/>
-                  </a:schemeClr>
-                </a:solidFill>
-                <a:latin typeface="+mn-lt"/>
-                <a:ea typeface="+mn-ea"/>
-                <a:cs typeface="+mn-cs"/>
-              </a:defRPr>
-            </a:lvl3pPr>
-            <a:lvl4pPr marL="1600200" indent="-228600" algn="l" defTabSz="457200" rtl="0" eaLnBrk="1" latinLnBrk="0" hangingPunct="1">
-              <a:spcBef>
-                <a:spcPts val="1000"/>
-              </a:spcBef>
-              <a:spcAft>
-                <a:spcPts val="0"/>
-              </a:spcAft>
-              <a:buClr>
-                <a:schemeClr val="accent1"/>
-              </a:buClr>
-              <a:buSzPct val="80000"/>
-              <a:buFont typeface="Wingdings 3" charset="2"/>
-              <a:buChar char=""/>
-              <a:defRPr sz="1200" kern="1200">
-                <a:solidFill>
-                  <a:schemeClr val="tx1">
-                    <a:lumMod val="75000"/>
-                    <a:lumOff val="25000"/>
-                  </a:schemeClr>
-                </a:solidFill>
-                <a:latin typeface="+mn-lt"/>
-                <a:ea typeface="+mn-ea"/>
-                <a:cs typeface="+mn-cs"/>
-              </a:defRPr>
-            </a:lvl4pPr>
-            <a:lvl5pPr marL="2057400" indent="-228600" algn="l" defTabSz="457200" rtl="0" eaLnBrk="1" latinLnBrk="0" hangingPunct="1">
-              <a:spcBef>
-                <a:spcPts val="1000"/>
-              </a:spcBef>
-              <a:spcAft>
-                <a:spcPts val="0"/>
-              </a:spcAft>
-              <a:buClr>
-                <a:schemeClr val="accent1"/>
-              </a:buClr>
-              <a:buSzPct val="80000"/>
-              <a:buFont typeface="Wingdings 3" charset="2"/>
-              <a:buChar char=""/>
-              <a:defRPr sz="1200" kern="1200">
-                <a:solidFill>
-                  <a:schemeClr val="tx1">
-                    <a:lumMod val="75000"/>
-                    <a:lumOff val="25000"/>
-                  </a:schemeClr>
-                </a:solidFill>
-                <a:latin typeface="+mn-lt"/>
-                <a:ea typeface="+mn-ea"/>
-                <a:cs typeface="+mn-cs"/>
-              </a:defRPr>
-            </a:lvl5pPr>
-            <a:lvl6pPr marL="2514600" indent="-228600" algn="l" defTabSz="457200" rtl="0" eaLnBrk="1" latinLnBrk="0" hangingPunct="1">
-              <a:spcBef>
-                <a:spcPts val="1000"/>
-              </a:spcBef>
-              <a:spcAft>
-                <a:spcPts val="0"/>
-              </a:spcAft>
-              <a:buClr>
-                <a:schemeClr val="accent1"/>
-              </a:buClr>
-              <a:buSzPct val="80000"/>
-              <a:buFont typeface="Wingdings 3" charset="2"/>
-              <a:buChar char=""/>
-              <a:defRPr sz="1200" kern="1200">
-                <a:solidFill>
-                  <a:schemeClr val="tx1">
-                    <a:lumMod val="75000"/>
-                    <a:lumOff val="25000"/>
-                  </a:schemeClr>
-                </a:solidFill>
-                <a:latin typeface="+mn-lt"/>
-                <a:ea typeface="+mn-ea"/>
-                <a:cs typeface="+mn-cs"/>
-              </a:defRPr>
-            </a:lvl6pPr>
-            <a:lvl7pPr marL="2971800" indent="-228600" algn="l" defTabSz="457200" rtl="0" eaLnBrk="1" latinLnBrk="0" hangingPunct="1">
-              <a:spcBef>
-                <a:spcPts val="1000"/>
-              </a:spcBef>
-              <a:spcAft>
-                <a:spcPts val="0"/>
-              </a:spcAft>
-              <a:buClr>
-                <a:schemeClr val="accent1"/>
-              </a:buClr>
-              <a:buSzPct val="80000"/>
-              <a:buFont typeface="Wingdings 3" charset="2"/>
-              <a:buChar char=""/>
-              <a:defRPr sz="1200" kern="1200">
-                <a:solidFill>
-                  <a:schemeClr val="tx1">
-                    <a:lumMod val="75000"/>
-                    <a:lumOff val="25000"/>
-                  </a:schemeClr>
-                </a:solidFill>
-                <a:latin typeface="+mn-lt"/>
-                <a:ea typeface="+mn-ea"/>
-                <a:cs typeface="+mn-cs"/>
-              </a:defRPr>
-            </a:lvl7pPr>
-            <a:lvl8pPr marL="3429000" indent="-228600" algn="l" defTabSz="457200" rtl="0" eaLnBrk="1" latinLnBrk="0" hangingPunct="1">
-              <a:spcBef>
-                <a:spcPts val="1000"/>
-              </a:spcBef>
-              <a:spcAft>
-                <a:spcPts val="0"/>
-              </a:spcAft>
-              <a:buClr>
-                <a:schemeClr val="accent1"/>
-              </a:buClr>
-              <a:buSzPct val="80000"/>
-              <a:buFont typeface="Wingdings 3" charset="2"/>
-              <a:buChar char=""/>
-              <a:defRPr sz="1200" kern="1200">
-                <a:solidFill>
-                  <a:schemeClr val="tx1">
-                    <a:lumMod val="75000"/>
-                    <a:lumOff val="25000"/>
-                  </a:schemeClr>
-                </a:solidFill>
-                <a:latin typeface="+mn-lt"/>
-                <a:ea typeface="+mn-ea"/>
-                <a:cs typeface="+mn-cs"/>
-              </a:defRPr>
-            </a:lvl8pPr>
-            <a:lvl9pPr marL="3886200" indent="-228600" algn="l" defTabSz="457200" rtl="0" eaLnBrk="1" latinLnBrk="0" hangingPunct="1">
-              <a:spcBef>
-                <a:spcPts val="1000"/>
-              </a:spcBef>
-              <a:spcAft>
-                <a:spcPts val="0"/>
-              </a:spcAft>
-              <a:buClr>
-                <a:schemeClr val="accent1"/>
-              </a:buClr>
-              <a:buSzPct val="80000"/>
-              <a:buFont typeface="Wingdings 3" charset="2"/>
-              <a:buChar char=""/>
-              <a:defRPr sz="1200" kern="1200">
-                <a:solidFill>
-                  <a:schemeClr val="tx1">
-                    <a:lumMod val="75000"/>
-                    <a:lumOff val="25000"/>
-                  </a:schemeClr>
-                </a:solidFill>
-                <a:latin typeface="+mn-lt"/>
-                <a:ea typeface="+mn-ea"/>
-                <a:cs typeface="+mn-cs"/>
-              </a:defRPr>
-            </a:lvl9pPr>
-          </a:lstStyle>
-          <a:p>
-            <a:r>
-              <a:rPr lang="en-CA" dirty="0"/>
-              <a:t> </a:t>
-            </a:r>
-            <a:r>
-              <a:rPr lang="en-CA" b="1" dirty="0"/>
-              <a:t>Observation: </a:t>
-            </a:r>
-            <a:r>
-              <a:rPr lang="en-CA" dirty="0"/>
-              <a:t>Although the probability of matches is high for n= 2, 5, 10, the pointer is larger than the original symbol size</a:t>
-            </a:r>
-          </a:p>
-        </p:txBody>
-      </p:sp>
-      <p:sp>
-        <p:nvSpPr>
-          <p:cNvPr id="8" name="Slide Number Placeholder 12"/>
+      <p:sp>
+        <p:nvSpPr>
+          <p:cNvPr id="6" name="Slide Number Placeholder 12"/>
           <p:cNvSpPr txBox="1">
             <a:spLocks/>
           </p:cNvSpPr>
@@ -16608,7 +17623,7 @@
     </p:spTree>
     <p:extLst>
       <p:ext uri="{BB962C8B-B14F-4D97-AF65-F5344CB8AC3E}">
-        <p14:creationId xmlns:p14="http://schemas.microsoft.com/office/powerpoint/2010/main" val="377734463"/>
+        <p14:creationId xmlns:p14="http://schemas.microsoft.com/office/powerpoint/2010/main" val="3062738258"/>
       </p:ext>
     </p:extLst>
   </p:cSld>
